--- a/img/Apresentação1.pptx
+++ b/img/Apresentação1.pptx
@@ -2,7 +2,7 @@
 <file path=ppt/presentation.xml><?xml version="1.0" encoding="utf-8"?>
 <p:presentation xmlns:a="http://schemas.openxmlformats.org/drawingml/2006/main" xmlns:r="http://schemas.openxmlformats.org/officeDocument/2006/relationships" xmlns:p="http://schemas.openxmlformats.org/presentationml/2006/main" saveSubsetFonts="1">
   <p:sldMasterIdLst>
-    <p:sldMasterId id="2147483648" r:id="rId1"/>
+    <p:sldMasterId id="2147483660" r:id="rId1"/>
   </p:sldMasterIdLst>
   <p:sldIdLst>
     <p:sldId id="256" r:id="rId2"/>
@@ -10,6 +10,12 @@
     <p:sldId id="258" r:id="rId4"/>
     <p:sldId id="259" r:id="rId5"/>
     <p:sldId id="260" r:id="rId6"/>
+    <p:sldId id="261" r:id="rId7"/>
+    <p:sldId id="262" r:id="rId8"/>
+    <p:sldId id="263" r:id="rId9"/>
+    <p:sldId id="264" r:id="rId10"/>
+    <p:sldId id="265" r:id="rId11"/>
+    <p:sldId id="266" r:id="rId12"/>
   </p:sldIdLst>
   <p:sldSz cx="3600450" cy="5400675"/>
   <p:notesSz cx="6858000" cy="9144000"/>
@@ -112,8 +118,13 @@
 </file>
 
 <file path=ppt/slideLayouts/slideLayout1.xml><?xml version="1.0" encoding="utf-8"?>
-<p:sldLayout xmlns:a="http://schemas.openxmlformats.org/drawingml/2006/main" xmlns:r="http://schemas.openxmlformats.org/officeDocument/2006/relationships" xmlns:p="http://schemas.openxmlformats.org/presentationml/2006/main" type="title" preserve="1">
+<p:sldLayout xmlns:a="http://schemas.openxmlformats.org/drawingml/2006/main" xmlns:r="http://schemas.openxmlformats.org/officeDocument/2006/relationships" xmlns:p="http://schemas.openxmlformats.org/presentationml/2006/main" showMasterSp="0" type="title" preserve="1">
   <p:cSld name="Slide de título">
+    <p:bg>
+      <p:bgRef idx="1002">
+        <a:schemeClr val="bg1"/>
+      </p:bgRef>
+    </p:bg>
     <p:spTree>
       <p:nvGrpSpPr>
         <p:cNvPr id="1" name=""/>
@@ -130,7 +141,126 @@
       </p:grpSpPr>
       <p:sp>
         <p:nvSpPr>
-          <p:cNvPr id="2" name="Título 1"/>
+          <p:cNvPr id="8" name="Retângulo 7"/>
+          <p:cNvSpPr/>
+          <p:nvPr/>
+        </p:nvSpPr>
+        <p:spPr>
+          <a:xfrm flipH="1">
+            <a:off x="1050131" y="0"/>
+            <a:ext cx="2550319" cy="5400675"/>
+          </a:xfrm>
+          <a:prstGeom prst="rect">
+            <a:avLst/>
+          </a:prstGeom>
+          <a:blipFill>
+            <a:blip r:embed="rId2">
+              <a:alphaModFix amt="43000"/>
+            </a:blip>
+            <a:tile tx="0" ty="0" sx="50000" sy="50000" flip="none" algn="tl"/>
+          </a:blipFill>
+          <a:ln w="0" cap="flat" cmpd="sng" algn="ctr">
+            <a:noFill/>
+            <a:prstDash val="solid"/>
+          </a:ln>
+          <a:effectLst>
+            <a:fillOverlay blend="mult">
+              <a:gradFill rotWithShape="1">
+                <a:gsLst>
+                  <a:gs pos="0">
+                    <a:schemeClr val="tx2">
+                      <a:tint val="62000"/>
+                      <a:satMod val="420000"/>
+                    </a:schemeClr>
+                  </a:gs>
+                  <a:gs pos="100000">
+                    <a:schemeClr val="tx2">
+                      <a:shade val="20000"/>
+                      <a:satMod val="170000"/>
+                    </a:schemeClr>
+                  </a:gs>
+                </a:gsLst>
+                <a:path path="circle">
+                  <a:fillToRect l="50000" t="100000" r="50000"/>
+                </a:path>
+                <a:tileRect/>
+              </a:gradFill>
+            </a:fillOverlay>
+            <a:innerShdw blurRad="63500" dist="44450" dir="10800000">
+              <a:srgbClr val="000000">
+                <a:alpha val="50000"/>
+              </a:srgbClr>
+            </a:innerShdw>
+          </a:effectLst>
+        </p:spPr>
+        <p:style>
+          <a:lnRef idx="3">
+            <a:schemeClr val="lt1"/>
+          </a:lnRef>
+          <a:fillRef idx="1">
+            <a:schemeClr val="accent1"/>
+          </a:fillRef>
+          <a:effectRef idx="1">
+            <a:schemeClr val="accent1"/>
+          </a:effectRef>
+          <a:fontRef idx="minor">
+            <a:schemeClr val="lt1"/>
+          </a:fontRef>
+        </p:style>
+        <p:txBody>
+          <a:bodyPr lIns="51435" tIns="25718" rIns="51435" bIns="25718" anchor="ctr"/>
+          <a:lstStyle>
+            <a:extLst/>
+          </a:lstStyle>
+          <a:p>
+            <a:pPr algn="ctr" eaLnBrk="1" latinLnBrk="0" hangingPunct="1"/>
+            <a:endParaRPr kumimoji="0" lang="en-US"/>
+          </a:p>
+        </p:txBody>
+      </p:sp>
+      <p:sp>
+        <p:nvSpPr>
+          <p:cNvPr id="9" name="Conector reto 8"/>
+          <p:cNvSpPr>
+            <a:spLocks noChangeShapeType="1"/>
+          </p:cNvSpPr>
+          <p:nvPr/>
+        </p:nvSpPr>
+        <p:spPr bwMode="auto">
+          <a:xfrm rot="16200000">
+            <a:off x="-1650206" y="2700338"/>
+            <a:ext cx="5400675" cy="0"/>
+          </a:xfrm>
+          <a:prstGeom prst="line">
+            <a:avLst/>
+          </a:prstGeom>
+          <a:noFill/>
+          <a:ln w="11430" cap="flat" cmpd="sng" algn="ctr">
+            <a:solidFill>
+              <a:schemeClr val="bg1">
+                <a:shade val="95000"/>
+              </a:schemeClr>
+            </a:solidFill>
+            <a:prstDash val="solid"/>
+            <a:miter lim="800000"/>
+            <a:headEnd type="none" w="med" len="med"/>
+            <a:tailEnd type="none" w="med" len="med"/>
+          </a:ln>
+          <a:effectLst/>
+        </p:spPr>
+        <p:txBody>
+          <a:bodyPr vert="horz" wrap="square" lIns="51435" tIns="25718" rIns="51435" bIns="25718" anchor="t" compatLnSpc="1"/>
+          <a:lstStyle>
+            <a:extLst/>
+          </a:lstStyle>
+          <a:p>
+            <a:endParaRPr kumimoji="0" lang="en-US"/>
+          </a:p>
+        </p:txBody>
+      </p:sp>
+      <p:sp>
+        <p:nvSpPr>
+          <p:cNvPr id="12" name="Título 11"/>
           <p:cNvSpPr>
             <a:spLocks noGrp="1"/>
           </p:cNvSpPr>
@@ -140,25 +270,32 @@
         </p:nvSpPr>
         <p:spPr>
           <a:xfrm>
-            <a:off x="270035" y="1677711"/>
-            <a:ext cx="3060383" cy="1157644"/>
-          </a:xfrm>
-        </p:spPr>
-        <p:txBody>
-          <a:bodyPr/>
-          <a:lstStyle/>
-          <a:p>
-            <a:r>
-              <a:rPr lang="pt-BR" smtClean="0"/>
+            <a:off x="1325704" y="420053"/>
+            <a:ext cx="2010251" cy="2258682"/>
+          </a:xfrm>
+        </p:spPr>
+        <p:txBody>
+          <a:bodyPr lIns="25718" tIns="0" rIns="25718">
+            <a:noAutofit/>
+          </a:bodyPr>
+          <a:lstStyle>
+            <a:lvl1pPr algn="r">
+              <a:defRPr sz="2400" b="1"/>
+            </a:lvl1pPr>
+            <a:extLst/>
+          </a:lstStyle>
+          <a:p>
+            <a:r>
+              <a:rPr kumimoji="0" lang="pt-BR" smtClean="0"/>
               <a:t>Clique para editar o título mestre</a:t>
             </a:r>
-            <a:endParaRPr lang="pt-BR"/>
-          </a:p>
-        </p:txBody>
-      </p:sp>
-      <p:sp>
-        <p:nvSpPr>
-          <p:cNvPr id="3" name="Subtítulo 2"/>
+            <a:endParaRPr kumimoji="0" lang="en-US"/>
+          </a:p>
+        </p:txBody>
+      </p:sp>
+      <p:sp>
+        <p:nvSpPr>
+          <p:cNvPr id="25" name="Subtítulo 24"/>
           <p:cNvSpPr>
             <a:spLocks noGrp="1"/>
           </p:cNvSpPr>
@@ -168,169 +305,155 @@
         </p:nvSpPr>
         <p:spPr>
           <a:xfrm>
-            <a:off x="540069" y="3060382"/>
-            <a:ext cx="2520315" cy="1380173"/>
+            <a:off x="1320811" y="2787643"/>
+            <a:ext cx="2013944" cy="867233"/>
+          </a:xfrm>
+        </p:spPr>
+        <p:txBody>
+          <a:bodyPr lIns="25718" tIns="0" rIns="25718" bIns="0"/>
+          <a:lstStyle>
+            <a:lvl1pPr marL="0" indent="0" algn="r">
+              <a:buNone/>
+              <a:defRPr sz="1200">
+                <a:solidFill>
+                  <a:srgbClr val="FFFFFF"/>
+                </a:solidFill>
+                <a:effectLst/>
+              </a:defRPr>
+            </a:lvl1pPr>
+            <a:lvl2pPr marL="257175" indent="0" algn="ctr">
+              <a:buNone/>
+            </a:lvl2pPr>
+            <a:lvl3pPr marL="514350" indent="0" algn="ctr">
+              <a:buNone/>
+            </a:lvl3pPr>
+            <a:lvl4pPr marL="771525" indent="0" algn="ctr">
+              <a:buNone/>
+            </a:lvl4pPr>
+            <a:lvl5pPr marL="1028700" indent="0" algn="ctr">
+              <a:buNone/>
+            </a:lvl5pPr>
+            <a:lvl6pPr marL="1285875" indent="0" algn="ctr">
+              <a:buNone/>
+            </a:lvl6pPr>
+            <a:lvl7pPr marL="1543050" indent="0" algn="ctr">
+              <a:buNone/>
+            </a:lvl7pPr>
+            <a:lvl8pPr marL="1800225" indent="0" algn="ctr">
+              <a:buNone/>
+            </a:lvl8pPr>
+            <a:lvl9pPr marL="2057400" indent="0" algn="ctr">
+              <a:buNone/>
+            </a:lvl9pPr>
+            <a:extLst/>
+          </a:lstStyle>
+          <a:p>
+            <a:r>
+              <a:rPr kumimoji="0" lang="pt-BR" smtClean="0"/>
+              <a:t>Clique para editar o estilo do subtítulo mestre</a:t>
+            </a:r>
+            <a:endParaRPr kumimoji="0" lang="en-US"/>
+          </a:p>
+        </p:txBody>
+      </p:sp>
+      <p:sp>
+        <p:nvSpPr>
+          <p:cNvPr id="31" name="Espaço Reservado para Data 30"/>
+          <p:cNvSpPr>
+            <a:spLocks noGrp="1"/>
+          </p:cNvSpPr>
+          <p:nvPr>
+            <p:ph type="dt" sz="half" idx="10"/>
+          </p:nvPr>
+        </p:nvSpPr>
+        <p:spPr>
+          <a:xfrm>
+            <a:off x="2311795" y="5164383"/>
+            <a:ext cx="788470" cy="178685"/>
           </a:xfrm>
         </p:spPr>
         <p:txBody>
           <a:bodyPr/>
           <a:lstStyle>
-            <a:lvl1pPr marL="0" indent="0" algn="ctr">
-              <a:buNone/>
-              <a:defRPr>
+            <a:lvl1pPr>
+              <a:defRPr lang="en-US" smtClean="0">
                 <a:solidFill>
-                  <a:schemeClr val="tx1">
-                    <a:tint val="75000"/>
-                  </a:schemeClr>
+                  <a:srgbClr val="FFFFFF"/>
                 </a:solidFill>
               </a:defRPr>
             </a:lvl1pPr>
-            <a:lvl2pPr marL="457200" indent="0" algn="ctr">
-              <a:buNone/>
-              <a:defRPr>
+            <a:extLst/>
+          </a:lstStyle>
+          <a:p>
+            <a:fld id="{28DDA2A5-9842-478B-990D-EABDCF56FD75}" type="datetimeFigureOut">
+              <a:rPr lang="pt-BR" smtClean="0"/>
+              <a:t>20/09/2022</a:t>
+            </a:fld>
+            <a:endParaRPr lang="pt-BR"/>
+          </a:p>
+        </p:txBody>
+      </p:sp>
+      <p:sp>
+        <p:nvSpPr>
+          <p:cNvPr id="18" name="Espaço Reservado para Rodapé 17"/>
+          <p:cNvSpPr>
+            <a:spLocks noGrp="1"/>
+          </p:cNvSpPr>
+          <p:nvPr>
+            <p:ph type="ftr" sz="quarter" idx="11"/>
+          </p:nvPr>
+        </p:nvSpPr>
+        <p:spPr>
+          <a:xfrm>
+            <a:off x="1110139" y="5164382"/>
+            <a:ext cx="1152791" cy="180023"/>
+          </a:xfrm>
+        </p:spPr>
+        <p:txBody>
+          <a:bodyPr/>
+          <a:lstStyle>
+            <a:lvl1pPr>
+              <a:defRPr lang="en-US" dirty="0">
                 <a:solidFill>
-                  <a:schemeClr val="tx1">
-                    <a:tint val="75000"/>
-                  </a:schemeClr>
+                  <a:srgbClr val="FFFFFF"/>
                 </a:solidFill>
               </a:defRPr>
-            </a:lvl2pPr>
-            <a:lvl3pPr marL="914400" indent="0" algn="ctr">
-              <a:buNone/>
-              <a:defRPr>
+            </a:lvl1pPr>
+            <a:extLst/>
+          </a:lstStyle>
+          <a:p>
+            <a:endParaRPr lang="pt-BR"/>
+          </a:p>
+        </p:txBody>
+      </p:sp>
+      <p:sp>
+        <p:nvSpPr>
+          <p:cNvPr id="29" name="Espaço Reservado para Número de Slide 28"/>
+          <p:cNvSpPr>
+            <a:spLocks noGrp="1"/>
+          </p:cNvSpPr>
+          <p:nvPr>
+            <p:ph type="sldNum" sz="quarter" idx="12"/>
+          </p:nvPr>
+        </p:nvSpPr>
+        <p:spPr>
+          <a:xfrm>
+            <a:off x="3103098" y="5163045"/>
+            <a:ext cx="231657" cy="180023"/>
+          </a:xfrm>
+        </p:spPr>
+        <p:txBody>
+          <a:bodyPr/>
+          <a:lstStyle>
+            <a:lvl1pPr>
+              <a:defRPr lang="en-US" smtClean="0">
                 <a:solidFill>
-                  <a:schemeClr val="tx1">
-                    <a:tint val="75000"/>
-                  </a:schemeClr>
+                  <a:srgbClr val="FFFFFF"/>
                 </a:solidFill>
               </a:defRPr>
-            </a:lvl3pPr>
-            <a:lvl4pPr marL="1371600" indent="0" algn="ctr">
-              <a:buNone/>
-              <a:defRPr>
-                <a:solidFill>
-                  <a:schemeClr val="tx1">
-                    <a:tint val="75000"/>
-                  </a:schemeClr>
-                </a:solidFill>
-              </a:defRPr>
-            </a:lvl4pPr>
-            <a:lvl5pPr marL="1828800" indent="0" algn="ctr">
-              <a:buNone/>
-              <a:defRPr>
-                <a:solidFill>
-                  <a:schemeClr val="tx1">
-                    <a:tint val="75000"/>
-                  </a:schemeClr>
-                </a:solidFill>
-              </a:defRPr>
-            </a:lvl5pPr>
-            <a:lvl6pPr marL="2286000" indent="0" algn="ctr">
-              <a:buNone/>
-              <a:defRPr>
-                <a:solidFill>
-                  <a:schemeClr val="tx1">
-                    <a:tint val="75000"/>
-                  </a:schemeClr>
-                </a:solidFill>
-              </a:defRPr>
-            </a:lvl6pPr>
-            <a:lvl7pPr marL="2743200" indent="0" algn="ctr">
-              <a:buNone/>
-              <a:defRPr>
-                <a:solidFill>
-                  <a:schemeClr val="tx1">
-                    <a:tint val="75000"/>
-                  </a:schemeClr>
-                </a:solidFill>
-              </a:defRPr>
-            </a:lvl7pPr>
-            <a:lvl8pPr marL="3200400" indent="0" algn="ctr">
-              <a:buNone/>
-              <a:defRPr>
-                <a:solidFill>
-                  <a:schemeClr val="tx1">
-                    <a:tint val="75000"/>
-                  </a:schemeClr>
-                </a:solidFill>
-              </a:defRPr>
-            </a:lvl8pPr>
-            <a:lvl9pPr marL="3657600" indent="0" algn="ctr">
-              <a:buNone/>
-              <a:defRPr>
-                <a:solidFill>
-                  <a:schemeClr val="tx1">
-                    <a:tint val="75000"/>
-                  </a:schemeClr>
-                </a:solidFill>
-              </a:defRPr>
-            </a:lvl9pPr>
-          </a:lstStyle>
-          <a:p>
-            <a:r>
-              <a:rPr lang="pt-BR" smtClean="0"/>
-              <a:t>Clique para editar o estilo do subtítulo mestre</a:t>
-            </a:r>
-            <a:endParaRPr lang="pt-BR"/>
-          </a:p>
-        </p:txBody>
-      </p:sp>
-      <p:sp>
-        <p:nvSpPr>
-          <p:cNvPr id="4" name="Espaço Reservado para Data 3"/>
-          <p:cNvSpPr>
-            <a:spLocks noGrp="1"/>
-          </p:cNvSpPr>
-          <p:nvPr>
-            <p:ph type="dt" sz="half" idx="10"/>
-          </p:nvPr>
-        </p:nvSpPr>
-        <p:spPr/>
-        <p:txBody>
-          <a:bodyPr/>
-          <a:lstStyle/>
-          <a:p>
-            <a:fld id="{28DDA2A5-9842-478B-990D-EABDCF56FD75}" type="datetimeFigureOut">
-              <a:rPr lang="pt-BR" smtClean="0"/>
-              <a:t>19/09/2022</a:t>
-            </a:fld>
-            <a:endParaRPr lang="pt-BR"/>
-          </a:p>
-        </p:txBody>
-      </p:sp>
-      <p:sp>
-        <p:nvSpPr>
-          <p:cNvPr id="5" name="Espaço Reservado para Rodapé 4"/>
-          <p:cNvSpPr>
-            <a:spLocks noGrp="1"/>
-          </p:cNvSpPr>
-          <p:nvPr>
-            <p:ph type="ftr" sz="quarter" idx="11"/>
-          </p:nvPr>
-        </p:nvSpPr>
-        <p:spPr/>
-        <p:txBody>
-          <a:bodyPr/>
-          <a:lstStyle/>
-          <a:p>
-            <a:endParaRPr lang="pt-BR"/>
-          </a:p>
-        </p:txBody>
-      </p:sp>
-      <p:sp>
-        <p:nvSpPr>
-          <p:cNvPr id="6" name="Espaço Reservado para Número de Slide 5"/>
-          <p:cNvSpPr>
-            <a:spLocks noGrp="1"/>
-          </p:cNvSpPr>
-          <p:nvPr>
-            <p:ph type="sldNum" sz="quarter" idx="12"/>
-          </p:nvPr>
-        </p:nvSpPr>
-        <p:spPr/>
-        <p:txBody>
-          <a:bodyPr/>
-          <a:lstStyle/>
+            </a:lvl1pPr>
+            <a:extLst/>
+          </a:lstStyle>
           <a:p>
             <a:fld id="{73ABE9DD-B776-4007-8557-F52603E8E1F3}" type="slidenum">
               <a:rPr lang="pt-BR" smtClean="0"/>
@@ -341,14 +464,9 @@
         </p:txBody>
       </p:sp>
     </p:spTree>
-    <p:extLst>
-      <p:ext uri="{BB962C8B-B14F-4D97-AF65-F5344CB8AC3E}">
-        <p14:creationId xmlns:p14="http://schemas.microsoft.com/office/powerpoint/2010/main" val="4231476402"/>
-      </p:ext>
-    </p:extLst>
   </p:cSld>
   <p:clrMapOvr>
-    <a:masterClrMapping/>
+    <a:overrideClrMapping bg1="lt1" tx1="dk1" bg2="lt2" tx2="dk2" accent1="accent1" accent2="accent2" accent3="accent3" accent4="accent4" accent5="accent5" accent6="accent6" hlink="hlink" folHlink="folHlink"/>
   </p:clrMapOvr>
 </p:sldLayout>
 </file>
@@ -383,13 +501,15 @@
         <p:spPr/>
         <p:txBody>
           <a:bodyPr/>
-          <a:lstStyle/>
-          <a:p>
-            <a:r>
-              <a:rPr lang="pt-BR" smtClean="0"/>
+          <a:lstStyle>
+            <a:extLst/>
+          </a:lstStyle>
+          <a:p>
+            <a:r>
+              <a:rPr kumimoji="0" lang="pt-BR" smtClean="0"/>
               <a:t>Clique para editar o título mestre</a:t>
             </a:r>
-            <a:endParaRPr lang="pt-BR"/>
+            <a:endParaRPr kumimoji="0" lang="en-US"/>
           </a:p>
         </p:txBody>
       </p:sp>
@@ -406,42 +526,44 @@
         <p:spPr/>
         <p:txBody>
           <a:bodyPr vert="eaVert"/>
-          <a:lstStyle/>
-          <a:p>
-            <a:pPr lvl="0"/>
+          <a:lstStyle>
+            <a:extLst/>
+          </a:lstStyle>
+          <a:p>
+            <a:pPr lvl="0" eaLnBrk="1" latinLnBrk="0" hangingPunct="1"/>
             <a:r>
               <a:rPr lang="pt-BR" smtClean="0"/>
               <a:t>Clique para editar o texto mestre</a:t>
             </a:r>
           </a:p>
           <a:p>
-            <a:pPr lvl="1"/>
+            <a:pPr lvl="1" eaLnBrk="1" latinLnBrk="0" hangingPunct="1"/>
             <a:r>
               <a:rPr lang="pt-BR" smtClean="0"/>
               <a:t>Segundo nível</a:t>
             </a:r>
           </a:p>
           <a:p>
-            <a:pPr lvl="2"/>
+            <a:pPr lvl="2" eaLnBrk="1" latinLnBrk="0" hangingPunct="1"/>
             <a:r>
               <a:rPr lang="pt-BR" smtClean="0"/>
               <a:t>Terceiro nível</a:t>
             </a:r>
           </a:p>
           <a:p>
-            <a:pPr lvl="3"/>
+            <a:pPr lvl="3" eaLnBrk="1" latinLnBrk="0" hangingPunct="1"/>
             <a:r>
               <a:rPr lang="pt-BR" smtClean="0"/>
               <a:t>Quarto nível</a:t>
             </a:r>
           </a:p>
           <a:p>
-            <a:pPr lvl="4"/>
+            <a:pPr lvl="4" eaLnBrk="1" latinLnBrk="0" hangingPunct="1"/>
             <a:r>
               <a:rPr lang="pt-BR" smtClean="0"/>
               <a:t>Quinto nível</a:t>
             </a:r>
-            <a:endParaRPr lang="pt-BR"/>
+            <a:endParaRPr kumimoji="0" lang="en-US"/>
           </a:p>
         </p:txBody>
       </p:sp>
@@ -458,11 +580,13 @@
         <p:spPr/>
         <p:txBody>
           <a:bodyPr/>
-          <a:lstStyle/>
+          <a:lstStyle>
+            <a:extLst/>
+          </a:lstStyle>
           <a:p>
             <a:fld id="{28DDA2A5-9842-478B-990D-EABDCF56FD75}" type="datetimeFigureOut">
               <a:rPr lang="pt-BR" smtClean="0"/>
-              <a:t>19/09/2022</a:t>
+              <a:t>20/09/2022</a:t>
             </a:fld>
             <a:endParaRPr lang="pt-BR"/>
           </a:p>
@@ -481,7 +605,9 @@
         <p:spPr/>
         <p:txBody>
           <a:bodyPr/>
-          <a:lstStyle/>
+          <a:lstStyle>
+            <a:extLst/>
+          </a:lstStyle>
           <a:p>
             <a:endParaRPr lang="pt-BR"/>
           </a:p>
@@ -500,7 +626,9 @@
         <p:spPr/>
         <p:txBody>
           <a:bodyPr/>
-          <a:lstStyle/>
+          <a:lstStyle>
+            <a:extLst/>
+          </a:lstStyle>
           <a:p>
             <a:fld id="{73ABE9DD-B776-4007-8557-F52603E8E1F3}" type="slidenum">
               <a:rPr lang="pt-BR" smtClean="0"/>
@@ -511,11 +639,6 @@
         </p:txBody>
       </p:sp>
     </p:spTree>
-    <p:extLst>
-      <p:ext uri="{BB962C8B-B14F-4D97-AF65-F5344CB8AC3E}">
-        <p14:creationId xmlns:p14="http://schemas.microsoft.com/office/powerpoint/2010/main" val="2951874931"/>
-      </p:ext>
-    </p:extLst>
   </p:cSld>
   <p:clrMapOvr>
     <a:masterClrMapping/>
@@ -552,19 +675,21 @@
         </p:nvSpPr>
         <p:spPr>
           <a:xfrm>
-            <a:off x="2610327" y="216278"/>
-            <a:ext cx="810101" cy="4608076"/>
-          </a:xfrm>
-        </p:spPr>
-        <p:txBody>
-          <a:bodyPr vert="eaVert"/>
-          <a:lstStyle/>
-          <a:p>
-            <a:r>
-              <a:rPr lang="pt-BR" smtClean="0"/>
+            <a:off x="2580323" y="216527"/>
+            <a:ext cx="600075" cy="4608076"/>
+          </a:xfrm>
+        </p:spPr>
+        <p:txBody>
+          <a:bodyPr vert="eaVert" anchor="t"/>
+          <a:lstStyle>
+            <a:extLst/>
+          </a:lstStyle>
+          <a:p>
+            <a:r>
+              <a:rPr kumimoji="0" lang="pt-BR" smtClean="0"/>
               <a:t>Clique para editar o título mestre</a:t>
             </a:r>
-            <a:endParaRPr lang="pt-BR"/>
+            <a:endParaRPr kumimoji="0" lang="en-US"/>
           </a:p>
         </p:txBody>
       </p:sp>
@@ -580,48 +705,50 @@
         </p:nvSpPr>
         <p:spPr>
           <a:xfrm>
-            <a:off x="180023" y="216278"/>
+            <a:off x="180023" y="216281"/>
             <a:ext cx="2370296" cy="4608076"/>
           </a:xfrm>
         </p:spPr>
         <p:txBody>
           <a:bodyPr vert="eaVert"/>
-          <a:lstStyle/>
-          <a:p>
-            <a:pPr lvl="0"/>
+          <a:lstStyle>
+            <a:extLst/>
+          </a:lstStyle>
+          <a:p>
+            <a:pPr lvl="0" eaLnBrk="1" latinLnBrk="0" hangingPunct="1"/>
             <a:r>
               <a:rPr lang="pt-BR" smtClean="0"/>
               <a:t>Clique para editar o texto mestre</a:t>
             </a:r>
           </a:p>
           <a:p>
-            <a:pPr lvl="1"/>
+            <a:pPr lvl="1" eaLnBrk="1" latinLnBrk="0" hangingPunct="1"/>
             <a:r>
               <a:rPr lang="pt-BR" smtClean="0"/>
               <a:t>Segundo nível</a:t>
             </a:r>
           </a:p>
           <a:p>
-            <a:pPr lvl="2"/>
+            <a:pPr lvl="2" eaLnBrk="1" latinLnBrk="0" hangingPunct="1"/>
             <a:r>
               <a:rPr lang="pt-BR" smtClean="0"/>
               <a:t>Terceiro nível</a:t>
             </a:r>
           </a:p>
           <a:p>
-            <a:pPr lvl="3"/>
+            <a:pPr lvl="3" eaLnBrk="1" latinLnBrk="0" hangingPunct="1"/>
             <a:r>
               <a:rPr lang="pt-BR" smtClean="0"/>
               <a:t>Quarto nível</a:t>
             </a:r>
           </a:p>
           <a:p>
-            <a:pPr lvl="4"/>
+            <a:pPr lvl="4" eaLnBrk="1" latinLnBrk="0" hangingPunct="1"/>
             <a:r>
               <a:rPr lang="pt-BR" smtClean="0"/>
               <a:t>Quinto nível</a:t>
             </a:r>
-            <a:endParaRPr lang="pt-BR"/>
+            <a:endParaRPr kumimoji="0" lang="en-US"/>
           </a:p>
         </p:txBody>
       </p:sp>
@@ -635,14 +762,21 @@
             <p:ph type="dt" sz="half" idx="10"/>
           </p:nvPr>
         </p:nvSpPr>
-        <p:spPr/>
+        <p:spPr>
+          <a:xfrm>
+            <a:off x="1670609" y="5164383"/>
+            <a:ext cx="788470" cy="178685"/>
+          </a:xfrm>
+        </p:spPr>
         <p:txBody>
           <a:bodyPr/>
-          <a:lstStyle/>
+          <a:lstStyle>
+            <a:extLst/>
+          </a:lstStyle>
           <a:p>
             <a:fld id="{28DDA2A5-9842-478B-990D-EABDCF56FD75}" type="datetimeFigureOut">
               <a:rPr lang="pt-BR" smtClean="0"/>
-              <a:t>19/09/2022</a:t>
+              <a:t>20/09/2022</a:t>
             </a:fld>
             <a:endParaRPr lang="pt-BR"/>
           </a:p>
@@ -658,10 +792,17 @@
             <p:ph type="ftr" sz="quarter" idx="11"/>
           </p:nvPr>
         </p:nvSpPr>
-        <p:spPr/>
+        <p:spPr>
+          <a:xfrm>
+            <a:off x="180023" y="5163045"/>
+            <a:ext cx="1440180" cy="180023"/>
+          </a:xfrm>
+        </p:spPr>
         <p:txBody>
           <a:bodyPr/>
-          <a:lstStyle/>
+          <a:lstStyle>
+            <a:extLst/>
+          </a:lstStyle>
           <a:p>
             <a:endParaRPr lang="pt-BR"/>
           </a:p>
@@ -677,10 +818,24 @@
             <p:ph type="sldNum" sz="quarter" idx="12"/>
           </p:nvPr>
         </p:nvSpPr>
-        <p:spPr/>
+        <p:spPr>
+          <a:xfrm>
+            <a:off x="2462708" y="5160645"/>
+            <a:ext cx="231657" cy="180023"/>
+          </a:xfrm>
+        </p:spPr>
         <p:txBody>
           <a:bodyPr/>
-          <a:lstStyle/>
+          <a:lstStyle>
+            <a:lvl1pPr>
+              <a:defRPr>
+                <a:solidFill>
+                  <a:schemeClr val="tx2"/>
+                </a:solidFill>
+              </a:defRPr>
+            </a:lvl1pPr>
+            <a:extLst/>
+          </a:lstStyle>
           <a:p>
             <a:fld id="{73ABE9DD-B776-4007-8557-F52603E8E1F3}" type="slidenum">
               <a:rPr lang="pt-BR" smtClean="0"/>
@@ -691,11 +846,6 @@
         </p:txBody>
       </p:sp>
     </p:spTree>
-    <p:extLst>
-      <p:ext uri="{BB962C8B-B14F-4D97-AF65-F5344CB8AC3E}">
-        <p14:creationId xmlns:p14="http://schemas.microsoft.com/office/powerpoint/2010/main" val="2445065686"/>
-      </p:ext>
-    </p:extLst>
   </p:cSld>
   <p:clrMapOvr>
     <a:masterClrMapping/>
@@ -733,13 +883,15 @@
         <p:spPr/>
         <p:txBody>
           <a:bodyPr/>
-          <a:lstStyle/>
-          <a:p>
-            <a:r>
-              <a:rPr lang="pt-BR" smtClean="0"/>
+          <a:lstStyle>
+            <a:extLst/>
+          </a:lstStyle>
+          <a:p>
+            <a:r>
+              <a:rPr kumimoji="0" lang="pt-BR" smtClean="0"/>
               <a:t>Clique para editar o título mestre</a:t>
             </a:r>
-            <a:endParaRPr lang="pt-BR"/>
+            <a:endParaRPr kumimoji="0" lang="en-US"/>
           </a:p>
         </p:txBody>
       </p:sp>
@@ -756,42 +908,44 @@
         <p:spPr/>
         <p:txBody>
           <a:bodyPr/>
-          <a:lstStyle/>
-          <a:p>
-            <a:pPr lvl="0"/>
+          <a:lstStyle>
+            <a:extLst/>
+          </a:lstStyle>
+          <a:p>
+            <a:pPr lvl="0" eaLnBrk="1" latinLnBrk="0" hangingPunct="1"/>
             <a:r>
               <a:rPr lang="pt-BR" smtClean="0"/>
               <a:t>Clique para editar o texto mestre</a:t>
             </a:r>
           </a:p>
           <a:p>
-            <a:pPr lvl="1"/>
+            <a:pPr lvl="1" eaLnBrk="1" latinLnBrk="0" hangingPunct="1"/>
             <a:r>
               <a:rPr lang="pt-BR" smtClean="0"/>
               <a:t>Segundo nível</a:t>
             </a:r>
           </a:p>
           <a:p>
-            <a:pPr lvl="2"/>
+            <a:pPr lvl="2" eaLnBrk="1" latinLnBrk="0" hangingPunct="1"/>
             <a:r>
               <a:rPr lang="pt-BR" smtClean="0"/>
               <a:t>Terceiro nível</a:t>
             </a:r>
           </a:p>
           <a:p>
-            <a:pPr lvl="3"/>
+            <a:pPr lvl="3" eaLnBrk="1" latinLnBrk="0" hangingPunct="1"/>
             <a:r>
               <a:rPr lang="pt-BR" smtClean="0"/>
               <a:t>Quarto nível</a:t>
             </a:r>
           </a:p>
           <a:p>
-            <a:pPr lvl="4"/>
+            <a:pPr lvl="4" eaLnBrk="1" latinLnBrk="0" hangingPunct="1"/>
             <a:r>
               <a:rPr lang="pt-BR" smtClean="0"/>
               <a:t>Quinto nível</a:t>
             </a:r>
-            <a:endParaRPr lang="pt-BR"/>
+            <a:endParaRPr kumimoji="0" lang="en-US"/>
           </a:p>
         </p:txBody>
       </p:sp>
@@ -808,11 +962,13 @@
         <p:spPr/>
         <p:txBody>
           <a:bodyPr/>
-          <a:lstStyle/>
+          <a:lstStyle>
+            <a:extLst/>
+          </a:lstStyle>
           <a:p>
             <a:fld id="{28DDA2A5-9842-478B-990D-EABDCF56FD75}" type="datetimeFigureOut">
               <a:rPr lang="pt-BR" smtClean="0"/>
-              <a:t>19/09/2022</a:t>
+              <a:t>20/09/2022</a:t>
             </a:fld>
             <a:endParaRPr lang="pt-BR"/>
           </a:p>
@@ -831,7 +987,9 @@
         <p:spPr/>
         <p:txBody>
           <a:bodyPr/>
-          <a:lstStyle/>
+          <a:lstStyle>
+            <a:extLst/>
+          </a:lstStyle>
           <a:p>
             <a:endParaRPr lang="pt-BR"/>
           </a:p>
@@ -850,7 +1008,9 @@
         <p:spPr/>
         <p:txBody>
           <a:bodyPr/>
-          <a:lstStyle/>
+          <a:lstStyle>
+            <a:extLst/>
+          </a:lstStyle>
           <a:p>
             <a:fld id="{73ABE9DD-B776-4007-8557-F52603E8E1F3}" type="slidenum">
               <a:rPr lang="pt-BR" smtClean="0"/>
@@ -861,11 +1021,6 @@
         </p:txBody>
       </p:sp>
     </p:spTree>
-    <p:extLst>
-      <p:ext uri="{BB962C8B-B14F-4D97-AF65-F5344CB8AC3E}">
-        <p14:creationId xmlns:p14="http://schemas.microsoft.com/office/powerpoint/2010/main" val="940729739"/>
-      </p:ext>
-    </p:extLst>
   </p:cSld>
   <p:clrMapOvr>
     <a:masterClrMapping/>
@@ -876,6 +1031,11 @@
 <file path=ppt/slideLayouts/slideLayout3.xml><?xml version="1.0" encoding="utf-8"?>
 <p:sldLayout xmlns:a="http://schemas.openxmlformats.org/drawingml/2006/main" xmlns:r="http://schemas.openxmlformats.org/officeDocument/2006/relationships" xmlns:p="http://schemas.openxmlformats.org/presentationml/2006/main" type="secHead" preserve="1">
   <p:cSld name="Cabeçalho da Seção">
+    <p:bg>
+      <p:bgRef idx="1001">
+        <a:schemeClr val="bg1"/>
+      </p:bgRef>
+    </p:bg>
     <p:spTree>
       <p:nvGrpSpPr>
         <p:cNvPr id="1" name=""/>
@@ -902,23 +1062,25 @@
         </p:nvSpPr>
         <p:spPr>
           <a:xfrm>
-            <a:off x="284411" y="3470434"/>
-            <a:ext cx="3060383" cy="1072634"/>
-          </a:xfrm>
-        </p:spPr>
-        <p:txBody>
-          <a:bodyPr anchor="t"/>
-          <a:lstStyle>
-            <a:lvl1pPr algn="l">
-              <a:defRPr sz="4000" b="1" cap="all"/>
+            <a:off x="420053" y="2222197"/>
+            <a:ext cx="2463098" cy="1072634"/>
+          </a:xfrm>
+        </p:spPr>
+        <p:txBody>
+          <a:bodyPr tIns="0" anchor="t"/>
+          <a:lstStyle>
+            <a:lvl1pPr algn="r">
+              <a:buNone/>
+              <a:defRPr sz="2400" b="1" cap="all"/>
             </a:lvl1pPr>
-          </a:lstStyle>
-          <a:p>
-            <a:r>
-              <a:rPr lang="pt-BR" smtClean="0"/>
+            <a:extLst/>
+          </a:lstStyle>
+          <a:p>
+            <a:r>
+              <a:rPr kumimoji="0" lang="pt-BR" smtClean="0"/>
               <a:t>Clique para editar o título mestre</a:t>
             </a:r>
-            <a:endParaRPr lang="pt-BR"/>
+            <a:endParaRPr kumimoji="0" lang="en-US"/>
           </a:p>
         </p:txBody>
       </p:sp>
@@ -934,26 +1096,25 @@
         </p:nvSpPr>
         <p:spPr>
           <a:xfrm>
-            <a:off x="284411" y="2289037"/>
-            <a:ext cx="3060383" cy="1181397"/>
+            <a:off x="420053" y="1500188"/>
+            <a:ext cx="2463098" cy="585512"/>
           </a:xfrm>
         </p:spPr>
         <p:txBody>
           <a:bodyPr anchor="b"/>
           <a:lstStyle>
-            <a:lvl1pPr marL="0" indent="0">
+            <a:lvl1pPr marL="0" indent="0" algn="r">
               <a:buNone/>
-              <a:defRPr sz="2000">
+              <a:defRPr sz="1100">
                 <a:solidFill>
-                  <a:schemeClr val="tx1">
-                    <a:tint val="75000"/>
-                  </a:schemeClr>
+                  <a:schemeClr val="tx1"/>
                 </a:solidFill>
+                <a:effectLst/>
               </a:defRPr>
             </a:lvl1pPr>
-            <a:lvl2pPr marL="457200" indent="0">
+            <a:lvl2pPr>
               <a:buNone/>
-              <a:defRPr sz="1800">
+              <a:defRPr sz="1000">
                 <a:solidFill>
                   <a:schemeClr val="tx1">
                     <a:tint val="75000"/>
@@ -961,9 +1122,9 @@
                 </a:solidFill>
               </a:defRPr>
             </a:lvl2pPr>
-            <a:lvl3pPr marL="914400" indent="0">
+            <a:lvl3pPr>
               <a:buNone/>
-              <a:defRPr sz="1600">
+              <a:defRPr sz="900">
                 <a:solidFill>
                   <a:schemeClr val="tx1">
                     <a:tint val="75000"/>
@@ -971,9 +1132,9 @@
                 </a:solidFill>
               </a:defRPr>
             </a:lvl3pPr>
-            <a:lvl4pPr marL="1371600" indent="0">
+            <a:lvl4pPr>
               <a:buNone/>
-              <a:defRPr sz="1400">
+              <a:defRPr sz="800">
                 <a:solidFill>
                   <a:schemeClr val="tx1">
                     <a:tint val="75000"/>
@@ -981,9 +1142,9 @@
                 </a:solidFill>
               </a:defRPr>
             </a:lvl4pPr>
-            <a:lvl5pPr marL="1828800" indent="0">
+            <a:lvl5pPr>
               <a:buNone/>
-              <a:defRPr sz="1400">
+              <a:defRPr sz="800">
                 <a:solidFill>
                   <a:schemeClr val="tx1">
                     <a:tint val="75000"/>
@@ -991,112 +1152,108 @@
                 </a:solidFill>
               </a:defRPr>
             </a:lvl5pPr>
-            <a:lvl6pPr marL="2286000" indent="0">
-              <a:buNone/>
-              <a:defRPr sz="1400">
+            <a:extLst/>
+          </a:lstStyle>
+          <a:p>
+            <a:pPr lvl="0" eaLnBrk="1" latinLnBrk="0" hangingPunct="1"/>
+            <a:r>
+              <a:rPr kumimoji="0" lang="pt-BR" smtClean="0"/>
+              <a:t>Clique para editar o texto mestre</a:t>
+            </a:r>
+          </a:p>
+        </p:txBody>
+      </p:sp>
+      <p:sp>
+        <p:nvSpPr>
+          <p:cNvPr id="4" name="Espaço Reservado para Data 3"/>
+          <p:cNvSpPr>
+            <a:spLocks noGrp="1"/>
+          </p:cNvSpPr>
+          <p:nvPr>
+            <p:ph type="dt" sz="half" idx="10"/>
+          </p:nvPr>
+        </p:nvSpPr>
+        <p:spPr>
+          <a:xfrm>
+            <a:off x="1860169" y="5163488"/>
+            <a:ext cx="788470" cy="178685"/>
+          </a:xfrm>
+        </p:spPr>
+        <p:txBody>
+          <a:bodyPr bIns="0" anchor="b"/>
+          <a:lstStyle>
+            <a:lvl1pPr>
+              <a:defRPr>
                 <a:solidFill>
-                  <a:schemeClr val="tx1">
-                    <a:tint val="75000"/>
-                  </a:schemeClr>
+                  <a:schemeClr val="tx2"/>
                 </a:solidFill>
               </a:defRPr>
-            </a:lvl6pPr>
-            <a:lvl7pPr marL="2743200" indent="0">
-              <a:buNone/>
-              <a:defRPr sz="1400">
+            </a:lvl1pPr>
+            <a:extLst/>
+          </a:lstStyle>
+          <a:p>
+            <a:fld id="{28DDA2A5-9842-478B-990D-EABDCF56FD75}" type="datetimeFigureOut">
+              <a:rPr lang="pt-BR" smtClean="0"/>
+              <a:t>20/09/2022</a:t>
+            </a:fld>
+            <a:endParaRPr lang="pt-BR"/>
+          </a:p>
+        </p:txBody>
+      </p:sp>
+      <p:sp>
+        <p:nvSpPr>
+          <p:cNvPr id="5" name="Espaço Reservado para Rodapé 4"/>
+          <p:cNvSpPr>
+            <a:spLocks noGrp="1"/>
+          </p:cNvSpPr>
+          <p:nvPr>
+            <p:ph type="ftr" sz="quarter" idx="11"/>
+          </p:nvPr>
+        </p:nvSpPr>
+        <p:spPr>
+          <a:xfrm>
+            <a:off x="683297" y="5163488"/>
+            <a:ext cx="1140143" cy="180023"/>
+          </a:xfrm>
+        </p:spPr>
+        <p:txBody>
+          <a:bodyPr bIns="0" anchor="b"/>
+          <a:lstStyle>
+            <a:lvl1pPr>
+              <a:defRPr>
                 <a:solidFill>
-                  <a:schemeClr val="tx1">
-                    <a:tint val="75000"/>
-                  </a:schemeClr>
+                  <a:schemeClr val="tx2"/>
                 </a:solidFill>
               </a:defRPr>
-            </a:lvl7pPr>
-            <a:lvl8pPr marL="3200400" indent="0">
-              <a:buNone/>
-              <a:defRPr sz="1400">
-                <a:solidFill>
-                  <a:schemeClr val="tx1">
-                    <a:tint val="75000"/>
-                  </a:schemeClr>
-                </a:solidFill>
-              </a:defRPr>
-            </a:lvl8pPr>
-            <a:lvl9pPr marL="3657600" indent="0">
-              <a:buNone/>
-              <a:defRPr sz="1400">
-                <a:solidFill>
-                  <a:schemeClr val="tx1">
-                    <a:tint val="75000"/>
-                  </a:schemeClr>
-                </a:solidFill>
-              </a:defRPr>
-            </a:lvl9pPr>
-          </a:lstStyle>
-          <a:p>
-            <a:pPr lvl="0"/>
-            <a:r>
-              <a:rPr lang="pt-BR" smtClean="0"/>
-              <a:t>Clique para editar o texto mestre</a:t>
-            </a:r>
-          </a:p>
-        </p:txBody>
-      </p:sp>
-      <p:sp>
-        <p:nvSpPr>
-          <p:cNvPr id="4" name="Espaço Reservado para Data 3"/>
-          <p:cNvSpPr>
-            <a:spLocks noGrp="1"/>
-          </p:cNvSpPr>
-          <p:nvPr>
-            <p:ph type="dt" sz="half" idx="10"/>
-          </p:nvPr>
-        </p:nvSpPr>
-        <p:spPr/>
+            </a:lvl1pPr>
+            <a:extLst/>
+          </a:lstStyle>
+          <a:p>
+            <a:endParaRPr lang="pt-BR"/>
+          </a:p>
+        </p:txBody>
+      </p:sp>
+      <p:sp>
+        <p:nvSpPr>
+          <p:cNvPr id="6" name="Espaço Reservado para Número de Slide 5"/>
+          <p:cNvSpPr>
+            <a:spLocks noGrp="1"/>
+          </p:cNvSpPr>
+          <p:nvPr>
+            <p:ph type="sldNum" sz="quarter" idx="12"/>
+          </p:nvPr>
+        </p:nvSpPr>
+        <p:spPr>
+          <a:xfrm>
+            <a:off x="2651494" y="5162150"/>
+            <a:ext cx="231657" cy="180023"/>
+          </a:xfrm>
+        </p:spPr>
         <p:txBody>
           <a:bodyPr/>
-          <a:lstStyle/>
-          <a:p>
-            <a:fld id="{28DDA2A5-9842-478B-990D-EABDCF56FD75}" type="datetimeFigureOut">
-              <a:rPr lang="pt-BR" smtClean="0"/>
-              <a:t>19/09/2022</a:t>
-            </a:fld>
-            <a:endParaRPr lang="pt-BR"/>
-          </a:p>
-        </p:txBody>
-      </p:sp>
-      <p:sp>
-        <p:nvSpPr>
-          <p:cNvPr id="5" name="Espaço Reservado para Rodapé 4"/>
-          <p:cNvSpPr>
-            <a:spLocks noGrp="1"/>
-          </p:cNvSpPr>
-          <p:nvPr>
-            <p:ph type="ftr" sz="quarter" idx="11"/>
-          </p:nvPr>
-        </p:nvSpPr>
-        <p:spPr/>
-        <p:txBody>
-          <a:bodyPr/>
-          <a:lstStyle/>
-          <a:p>
-            <a:endParaRPr lang="pt-BR"/>
-          </a:p>
-        </p:txBody>
-      </p:sp>
-      <p:sp>
-        <p:nvSpPr>
-          <p:cNvPr id="6" name="Espaço Reservado para Número de Slide 5"/>
-          <p:cNvSpPr>
-            <a:spLocks noGrp="1"/>
-          </p:cNvSpPr>
-          <p:nvPr>
-            <p:ph type="sldNum" sz="quarter" idx="12"/>
-          </p:nvPr>
-        </p:nvSpPr>
-        <p:spPr/>
-        <p:txBody>
-          <a:bodyPr/>
-          <a:lstStyle/>
+          <a:lstStyle>
+            <a:extLst/>
+          </a:lstStyle>
           <a:p>
             <a:fld id="{73ABE9DD-B776-4007-8557-F52603E8E1F3}" type="slidenum">
               <a:rPr lang="pt-BR" smtClean="0"/>
@@ -1107,14 +1264,9 @@
         </p:txBody>
       </p:sp>
     </p:spTree>
-    <p:extLst>
-      <p:ext uri="{BB962C8B-B14F-4D97-AF65-F5344CB8AC3E}">
-        <p14:creationId xmlns:p14="http://schemas.microsoft.com/office/powerpoint/2010/main" val="2385712160"/>
-      </p:ext>
-    </p:extLst>
   </p:cSld>
   <p:clrMapOvr>
-    <a:masterClrMapping/>
+    <a:overrideClrMapping bg1="lt1" tx1="dk1" bg2="lt2" tx2="dk2" accent1="accent1" accent2="accent2" accent3="accent3" accent4="accent4" accent5="accent5" accent6="accent6" hlink="hlink" folHlink="folHlink"/>
   </p:clrMapOvr>
 </p:sldLayout>
 </file>
@@ -1146,16 +1298,23 @@
             <p:ph type="title"/>
           </p:nvPr>
         </p:nvSpPr>
-        <p:spPr/>
+        <p:spPr>
+          <a:xfrm>
+            <a:off x="180023" y="252031"/>
+            <a:ext cx="2851556" cy="900113"/>
+          </a:xfrm>
+        </p:spPr>
         <p:txBody>
           <a:bodyPr/>
-          <a:lstStyle/>
-          <a:p>
-            <a:r>
-              <a:rPr lang="pt-BR" smtClean="0"/>
+          <a:lstStyle>
+            <a:extLst/>
+          </a:lstStyle>
+          <a:p>
+            <a:r>
+              <a:rPr kumimoji="0" lang="pt-BR" smtClean="0"/>
               <a:t>Clique para editar o título mestre</a:t>
             </a:r>
-            <a:endParaRPr lang="pt-BR"/>
+            <a:endParaRPr kumimoji="0" lang="en-US"/>
           </a:p>
         </p:txBody>
       </p:sp>
@@ -1172,75 +1331,64 @@
         <p:spPr>
           <a:xfrm>
             <a:off x="180023" y="1260158"/>
-            <a:ext cx="1590199" cy="3564196"/>
-          </a:xfrm>
-        </p:spPr>
-        <p:txBody>
-          <a:bodyPr/>
+            <a:ext cx="1386173" cy="3564196"/>
+          </a:xfrm>
+        </p:spPr>
+        <p:txBody>
+          <a:bodyPr anchor="t"/>
           <a:lstStyle>
             <a:lvl1pPr>
-              <a:defRPr sz="2800"/>
+              <a:defRPr sz="1600"/>
             </a:lvl1pPr>
             <a:lvl2pPr>
-              <a:defRPr sz="2400"/>
+              <a:defRPr sz="1400"/>
             </a:lvl2pPr>
             <a:lvl3pPr>
-              <a:defRPr sz="2000"/>
+              <a:defRPr sz="1100"/>
             </a:lvl3pPr>
             <a:lvl4pPr>
-              <a:defRPr sz="1800"/>
+              <a:defRPr sz="1000"/>
             </a:lvl4pPr>
             <a:lvl5pPr>
-              <a:defRPr sz="1800"/>
+              <a:defRPr sz="1000"/>
             </a:lvl5pPr>
-            <a:lvl6pPr>
-              <a:defRPr sz="1800"/>
-            </a:lvl6pPr>
-            <a:lvl7pPr>
-              <a:defRPr sz="1800"/>
-            </a:lvl7pPr>
-            <a:lvl8pPr>
-              <a:defRPr sz="1800"/>
-            </a:lvl8pPr>
-            <a:lvl9pPr>
-              <a:defRPr sz="1800"/>
-            </a:lvl9pPr>
-          </a:lstStyle>
-          <a:p>
-            <a:pPr lvl="0"/>
+            <a:extLst/>
+          </a:lstStyle>
+          <a:p>
+            <a:pPr lvl="0" eaLnBrk="1" latinLnBrk="0" hangingPunct="1"/>
             <a:r>
               <a:rPr lang="pt-BR" smtClean="0"/>
               <a:t>Clique para editar o texto mestre</a:t>
             </a:r>
           </a:p>
           <a:p>
-            <a:pPr lvl="1"/>
+            <a:pPr lvl="1" eaLnBrk="1" latinLnBrk="0" hangingPunct="1"/>
             <a:r>
               <a:rPr lang="pt-BR" smtClean="0"/>
               <a:t>Segundo nível</a:t>
             </a:r>
           </a:p>
           <a:p>
-            <a:pPr lvl="2"/>
+            <a:pPr lvl="2" eaLnBrk="1" latinLnBrk="0" hangingPunct="1"/>
             <a:r>
               <a:rPr lang="pt-BR" smtClean="0"/>
               <a:t>Terceiro nível</a:t>
             </a:r>
           </a:p>
           <a:p>
-            <a:pPr lvl="3"/>
+            <a:pPr lvl="3" eaLnBrk="1" latinLnBrk="0" hangingPunct="1"/>
             <a:r>
               <a:rPr lang="pt-BR" smtClean="0"/>
               <a:t>Quarto nível</a:t>
             </a:r>
           </a:p>
           <a:p>
-            <a:pPr lvl="4"/>
+            <a:pPr lvl="4" eaLnBrk="1" latinLnBrk="0" hangingPunct="1"/>
             <a:r>
               <a:rPr lang="pt-BR" smtClean="0"/>
               <a:t>Quinto nível</a:t>
             </a:r>
-            <a:endParaRPr lang="pt-BR"/>
+            <a:endParaRPr kumimoji="0" lang="en-US"/>
           </a:p>
         </p:txBody>
       </p:sp>
@@ -1256,76 +1404,65 @@
         </p:nvSpPr>
         <p:spPr>
           <a:xfrm>
-            <a:off x="1830230" y="1260158"/>
-            <a:ext cx="1590199" cy="3564196"/>
-          </a:xfrm>
-        </p:spPr>
-        <p:txBody>
-          <a:bodyPr/>
+            <a:off x="1645406" y="1260158"/>
+            <a:ext cx="1386173" cy="3564196"/>
+          </a:xfrm>
+        </p:spPr>
+        <p:txBody>
+          <a:bodyPr anchor="t"/>
           <a:lstStyle>
             <a:lvl1pPr>
-              <a:defRPr sz="2800"/>
+              <a:defRPr sz="1600"/>
             </a:lvl1pPr>
             <a:lvl2pPr>
-              <a:defRPr sz="2400"/>
+              <a:defRPr sz="1400"/>
             </a:lvl2pPr>
             <a:lvl3pPr>
-              <a:defRPr sz="2000"/>
+              <a:defRPr sz="1100"/>
             </a:lvl3pPr>
             <a:lvl4pPr>
-              <a:defRPr sz="1800"/>
+              <a:defRPr sz="1000"/>
             </a:lvl4pPr>
             <a:lvl5pPr>
-              <a:defRPr sz="1800"/>
+              <a:defRPr sz="1000"/>
             </a:lvl5pPr>
-            <a:lvl6pPr>
-              <a:defRPr sz="1800"/>
-            </a:lvl6pPr>
-            <a:lvl7pPr>
-              <a:defRPr sz="1800"/>
-            </a:lvl7pPr>
-            <a:lvl8pPr>
-              <a:defRPr sz="1800"/>
-            </a:lvl8pPr>
-            <a:lvl9pPr>
-              <a:defRPr sz="1800"/>
-            </a:lvl9pPr>
-          </a:lstStyle>
-          <a:p>
-            <a:pPr lvl="0"/>
+            <a:extLst/>
+          </a:lstStyle>
+          <a:p>
+            <a:pPr lvl="0" eaLnBrk="1" latinLnBrk="0" hangingPunct="1"/>
             <a:r>
               <a:rPr lang="pt-BR" smtClean="0"/>
               <a:t>Clique para editar o texto mestre</a:t>
             </a:r>
           </a:p>
           <a:p>
-            <a:pPr lvl="1"/>
+            <a:pPr lvl="1" eaLnBrk="1" latinLnBrk="0" hangingPunct="1"/>
             <a:r>
               <a:rPr lang="pt-BR" smtClean="0"/>
               <a:t>Segundo nível</a:t>
             </a:r>
           </a:p>
           <a:p>
-            <a:pPr lvl="2"/>
+            <a:pPr lvl="2" eaLnBrk="1" latinLnBrk="0" hangingPunct="1"/>
             <a:r>
               <a:rPr lang="pt-BR" smtClean="0"/>
               <a:t>Terceiro nível</a:t>
             </a:r>
           </a:p>
           <a:p>
-            <a:pPr lvl="3"/>
+            <a:pPr lvl="3" eaLnBrk="1" latinLnBrk="0" hangingPunct="1"/>
             <a:r>
               <a:rPr lang="pt-BR" smtClean="0"/>
               <a:t>Quarto nível</a:t>
             </a:r>
           </a:p>
           <a:p>
-            <a:pPr lvl="4"/>
+            <a:pPr lvl="4" eaLnBrk="1" latinLnBrk="0" hangingPunct="1"/>
             <a:r>
               <a:rPr lang="pt-BR" smtClean="0"/>
               <a:t>Quinto nível</a:t>
             </a:r>
-            <a:endParaRPr lang="pt-BR"/>
+            <a:endParaRPr kumimoji="0" lang="en-US"/>
           </a:p>
         </p:txBody>
       </p:sp>
@@ -1342,11 +1479,13 @@
         <p:spPr/>
         <p:txBody>
           <a:bodyPr/>
-          <a:lstStyle/>
+          <a:lstStyle>
+            <a:extLst/>
+          </a:lstStyle>
           <a:p>
             <a:fld id="{28DDA2A5-9842-478B-990D-EABDCF56FD75}" type="datetimeFigureOut">
               <a:rPr lang="pt-BR" smtClean="0"/>
-              <a:t>19/09/2022</a:t>
+              <a:t>20/09/2022</a:t>
             </a:fld>
             <a:endParaRPr lang="pt-BR"/>
           </a:p>
@@ -1365,7 +1504,9 @@
         <p:spPr/>
         <p:txBody>
           <a:bodyPr/>
-          <a:lstStyle/>
+          <a:lstStyle>
+            <a:extLst/>
+          </a:lstStyle>
           <a:p>
             <a:endParaRPr lang="pt-BR"/>
           </a:p>
@@ -1384,7 +1525,9 @@
         <p:spPr/>
         <p:txBody>
           <a:bodyPr/>
-          <a:lstStyle/>
+          <a:lstStyle>
+            <a:extLst/>
+          </a:lstStyle>
           <a:p>
             <a:fld id="{73ABE9DD-B776-4007-8557-F52603E8E1F3}" type="slidenum">
               <a:rPr lang="pt-BR" smtClean="0"/>
@@ -1395,11 +1538,6 @@
         </p:txBody>
       </p:sp>
     </p:spTree>
-    <p:extLst>
-      <p:ext uri="{BB962C8B-B14F-4D97-AF65-F5344CB8AC3E}">
-        <p14:creationId xmlns:p14="http://schemas.microsoft.com/office/powerpoint/2010/main" val="111200572"/>
-      </p:ext>
-    </p:extLst>
   </p:cSld>
   <p:clrMapOvr>
     <a:masterClrMapping/>
@@ -1434,20 +1572,26 @@
             <p:ph type="title"/>
           </p:nvPr>
         </p:nvSpPr>
-        <p:spPr/>
-        <p:txBody>
-          <a:bodyPr/>
+        <p:spPr>
+          <a:xfrm>
+            <a:off x="180023" y="252031"/>
+            <a:ext cx="2851556" cy="900113"/>
+          </a:xfrm>
+        </p:spPr>
+        <p:txBody>
+          <a:bodyPr anchor="b"/>
           <a:lstStyle>
             <a:lvl1pPr>
               <a:defRPr/>
             </a:lvl1pPr>
-          </a:lstStyle>
-          <a:p>
-            <a:r>
-              <a:rPr lang="pt-BR" smtClean="0"/>
+            <a:extLst/>
+          </a:lstStyle>
+          <a:p>
+            <a:r>
+              <a:rPr kumimoji="0" lang="pt-BR" smtClean="0"/>
               <a:t>Clique para editar o título mestre</a:t>
             </a:r>
-            <a:endParaRPr lang="pt-BR"/>
+            <a:endParaRPr kumimoji="0" lang="en-US"/>
           </a:p>
         </p:txBody>
       </p:sp>
@@ -1463,54 +1607,66 @@
         </p:nvSpPr>
         <p:spPr>
           <a:xfrm>
-            <a:off x="180023" y="1208901"/>
-            <a:ext cx="1590824" cy="503813"/>
-          </a:xfrm>
-        </p:spPr>
-        <p:txBody>
-          <a:bodyPr anchor="b"/>
-          <a:lstStyle>
-            <a:lvl1pPr marL="0" indent="0">
+            <a:off x="180023" y="4620578"/>
+            <a:ext cx="1386173" cy="360045"/>
+          </a:xfrm>
+          <a:noFill/>
+          <a:ln w="12700" cap="flat" cmpd="sng" algn="ctr">
+            <a:solidFill>
+              <a:schemeClr val="tx2"/>
+            </a:solidFill>
+            <a:prstDash val="solid"/>
+          </a:ln>
+          <a:effectLst/>
+        </p:spPr>
+        <p:style>
+          <a:lnRef idx="1">
+            <a:schemeClr val="accent1"/>
+          </a:lnRef>
+          <a:fillRef idx="3">
+            <a:schemeClr val="accent1"/>
+          </a:fillRef>
+          <a:effectRef idx="2">
+            <a:schemeClr val="accent1"/>
+          </a:effectRef>
+          <a:fontRef idx="minor">
+            <a:schemeClr val="lt1"/>
+          </a:fontRef>
+        </p:style>
+        <p:txBody>
+          <a:bodyPr anchor="ctr"/>
+          <a:lstStyle>
+            <a:lvl1pPr marL="0" indent="0" algn="ctr">
               <a:buNone/>
-              <a:defRPr sz="2400" b="1"/>
+              <a:defRPr sz="1000" b="1">
+                <a:solidFill>
+                  <a:schemeClr val="tx2"/>
+                </a:solidFill>
+                <a:effectLst/>
+              </a:defRPr>
             </a:lvl1pPr>
-            <a:lvl2pPr marL="457200" indent="0">
+            <a:lvl2pPr>
               <a:buNone/>
-              <a:defRPr sz="2000" b="1"/>
+              <a:defRPr sz="1100" b="1"/>
             </a:lvl2pPr>
-            <a:lvl3pPr marL="914400" indent="0">
+            <a:lvl3pPr>
               <a:buNone/>
-              <a:defRPr sz="1800" b="1"/>
+              <a:defRPr sz="1000" b="1"/>
             </a:lvl3pPr>
-            <a:lvl4pPr marL="1371600" indent="0">
+            <a:lvl4pPr>
               <a:buNone/>
-              <a:defRPr sz="1600" b="1"/>
+              <a:defRPr sz="900" b="1"/>
             </a:lvl4pPr>
-            <a:lvl5pPr marL="1828800" indent="0">
+            <a:lvl5pPr>
               <a:buNone/>
-              <a:defRPr sz="1600" b="1"/>
+              <a:defRPr sz="900" b="1"/>
             </a:lvl5pPr>
-            <a:lvl6pPr marL="2286000" indent="0">
-              <a:buNone/>
-              <a:defRPr sz="1600" b="1"/>
-            </a:lvl6pPr>
-            <a:lvl7pPr marL="2743200" indent="0">
-              <a:buNone/>
-              <a:defRPr sz="1600" b="1"/>
-            </a:lvl7pPr>
-            <a:lvl8pPr marL="3200400" indent="0">
-              <a:buNone/>
-              <a:defRPr sz="1600" b="1"/>
-            </a:lvl8pPr>
-            <a:lvl9pPr marL="3657600" indent="0">
-              <a:buNone/>
-              <a:defRPr sz="1600" b="1"/>
-            </a:lvl9pPr>
-          </a:lstStyle>
-          <a:p>
-            <a:pPr lvl="0"/>
-            <a:r>
-              <a:rPr lang="pt-BR" smtClean="0"/>
+            <a:extLst/>
+          </a:lstStyle>
+          <a:p>
+            <a:pPr lvl="0" eaLnBrk="1" latinLnBrk="0" hangingPunct="1"/>
+            <a:r>
+              <a:rPr kumimoji="0" lang="pt-BR" smtClean="0"/>
               <a:t>Clique para editar o texto mestre</a:t>
             </a:r>
           </a:p>
@@ -1518,151 +1674,152 @@
       </p:sp>
       <p:sp>
         <p:nvSpPr>
-          <p:cNvPr id="4" name="Espaço Reservado para Conteúdo 3"/>
-          <p:cNvSpPr>
-            <a:spLocks noGrp="1"/>
-          </p:cNvSpPr>
-          <p:nvPr>
-            <p:ph sz="half" idx="2"/>
+          <p:cNvPr id="4" name="Espaço Reservado para Texto 3"/>
+          <p:cNvSpPr>
+            <a:spLocks noGrp="1"/>
+          </p:cNvSpPr>
+          <p:nvPr>
+            <p:ph type="body" sz="half" idx="3"/>
           </p:nvPr>
         </p:nvSpPr>
         <p:spPr>
           <a:xfrm>
-            <a:off x="180023" y="1712714"/>
-            <a:ext cx="1590824" cy="3111639"/>
-          </a:xfrm>
-        </p:spPr>
-        <p:txBody>
-          <a:bodyPr/>
-          <a:lstStyle>
-            <a:lvl1pPr>
-              <a:defRPr sz="2400"/>
+            <a:off x="1645406" y="4620578"/>
+            <a:ext cx="1386173" cy="360045"/>
+          </a:xfrm>
+          <a:noFill/>
+          <a:ln w="12700" cap="flat" cmpd="sng" algn="ctr">
+            <a:solidFill>
+              <a:schemeClr val="tx2"/>
+            </a:solidFill>
+            <a:prstDash val="solid"/>
+          </a:ln>
+          <a:effectLst/>
+        </p:spPr>
+        <p:style>
+          <a:lnRef idx="1">
+            <a:schemeClr val="accent2"/>
+          </a:lnRef>
+          <a:fillRef idx="3">
+            <a:schemeClr val="accent2"/>
+          </a:fillRef>
+          <a:effectRef idx="2">
+            <a:schemeClr val="accent2"/>
+          </a:effectRef>
+          <a:fontRef idx="minor">
+            <a:schemeClr val="lt1"/>
+          </a:fontRef>
+        </p:style>
+        <p:txBody>
+          <a:bodyPr anchor="ctr"/>
+          <a:lstStyle>
+            <a:lvl1pPr marL="0" indent="0" algn="ctr">
+              <a:buNone/>
+              <a:defRPr sz="1000" b="1">
+                <a:solidFill>
+                  <a:schemeClr val="tx2"/>
+                </a:solidFill>
+                <a:effectLst/>
+              </a:defRPr>
             </a:lvl1pPr>
             <a:lvl2pPr>
-              <a:defRPr sz="2000"/>
+              <a:buNone/>
+              <a:defRPr sz="1100" b="1"/>
             </a:lvl2pPr>
             <a:lvl3pPr>
-              <a:defRPr sz="1800"/>
+              <a:buNone/>
+              <a:defRPr sz="1000" b="1"/>
             </a:lvl3pPr>
             <a:lvl4pPr>
-              <a:defRPr sz="1600"/>
+              <a:buNone/>
+              <a:defRPr sz="900" b="1"/>
             </a:lvl4pPr>
             <a:lvl5pPr>
-              <a:defRPr sz="1600"/>
+              <a:buNone/>
+              <a:defRPr sz="900" b="1"/>
             </a:lvl5pPr>
-            <a:lvl6pPr>
-              <a:defRPr sz="1600"/>
-            </a:lvl6pPr>
-            <a:lvl7pPr>
-              <a:defRPr sz="1600"/>
-            </a:lvl7pPr>
-            <a:lvl8pPr>
-              <a:defRPr sz="1600"/>
-            </a:lvl8pPr>
-            <a:lvl9pPr>
-              <a:defRPr sz="1600"/>
-            </a:lvl9pPr>
-          </a:lstStyle>
-          <a:p>
-            <a:pPr lvl="0"/>
-            <a:r>
-              <a:rPr lang="pt-BR" smtClean="0"/>
+            <a:extLst/>
+          </a:lstStyle>
+          <a:p>
+            <a:pPr lvl="0" eaLnBrk="1" latinLnBrk="0" hangingPunct="1"/>
+            <a:r>
+              <a:rPr kumimoji="0" lang="pt-BR" smtClean="0"/>
               <a:t>Clique para editar o texto mestre</a:t>
             </a:r>
           </a:p>
-          <a:p>
-            <a:pPr lvl="1"/>
-            <a:r>
-              <a:rPr lang="pt-BR" smtClean="0"/>
-              <a:t>Segundo nível</a:t>
-            </a:r>
-          </a:p>
-          <a:p>
-            <a:pPr lvl="2"/>
-            <a:r>
-              <a:rPr lang="pt-BR" smtClean="0"/>
-              <a:t>Terceiro nível</a:t>
-            </a:r>
-          </a:p>
-          <a:p>
-            <a:pPr lvl="3"/>
-            <a:r>
-              <a:rPr lang="pt-BR" smtClean="0"/>
-              <a:t>Quarto nível</a:t>
-            </a:r>
-          </a:p>
-          <a:p>
-            <a:pPr lvl="4"/>
-            <a:r>
-              <a:rPr lang="pt-BR" smtClean="0"/>
-              <a:t>Quinto nível</a:t>
-            </a:r>
-            <a:endParaRPr lang="pt-BR"/>
-          </a:p>
-        </p:txBody>
-      </p:sp>
-      <p:sp>
-        <p:nvSpPr>
-          <p:cNvPr id="5" name="Espaço Reservado para Texto 4"/>
-          <p:cNvSpPr>
-            <a:spLocks noGrp="1"/>
-          </p:cNvSpPr>
-          <p:nvPr>
-            <p:ph type="body" sz="quarter" idx="3"/>
+        </p:txBody>
+      </p:sp>
+      <p:sp>
+        <p:nvSpPr>
+          <p:cNvPr id="5" name="Espaço Reservado para Conteúdo 4"/>
+          <p:cNvSpPr>
+            <a:spLocks noGrp="1"/>
+          </p:cNvSpPr>
+          <p:nvPr>
+            <p:ph sz="quarter" idx="2"/>
           </p:nvPr>
         </p:nvSpPr>
         <p:spPr>
           <a:xfrm>
-            <a:off x="1828980" y="1208901"/>
-            <a:ext cx="1591449" cy="503813"/>
-          </a:xfrm>
-        </p:spPr>
-        <p:txBody>
-          <a:bodyPr anchor="b"/>
-          <a:lstStyle>
-            <a:lvl1pPr marL="0" indent="0">
-              <a:buNone/>
-              <a:defRPr sz="2400" b="1"/>
+            <a:off x="180023" y="1348074"/>
+            <a:ext cx="1386173" cy="3240405"/>
+          </a:xfrm>
+        </p:spPr>
+        <p:txBody>
+          <a:bodyPr/>
+          <a:lstStyle>
+            <a:lvl1pPr>
+              <a:defRPr sz="1400"/>
             </a:lvl1pPr>
-            <a:lvl2pPr marL="457200" indent="0">
-              <a:buNone/>
-              <a:defRPr sz="2000" b="1"/>
+            <a:lvl2pPr>
+              <a:defRPr sz="1100"/>
             </a:lvl2pPr>
-            <a:lvl3pPr marL="914400" indent="0">
-              <a:buNone/>
-              <a:defRPr sz="1800" b="1"/>
+            <a:lvl3pPr>
+              <a:defRPr sz="1000"/>
             </a:lvl3pPr>
-            <a:lvl4pPr marL="1371600" indent="0">
-              <a:buNone/>
-              <a:defRPr sz="1600" b="1"/>
+            <a:lvl4pPr>
+              <a:defRPr sz="900"/>
             </a:lvl4pPr>
-            <a:lvl5pPr marL="1828800" indent="0">
-              <a:buNone/>
-              <a:defRPr sz="1600" b="1"/>
+            <a:lvl5pPr>
+              <a:defRPr sz="900"/>
             </a:lvl5pPr>
-            <a:lvl6pPr marL="2286000" indent="0">
-              <a:buNone/>
-              <a:defRPr sz="1600" b="1"/>
-            </a:lvl6pPr>
-            <a:lvl7pPr marL="2743200" indent="0">
-              <a:buNone/>
-              <a:defRPr sz="1600" b="1"/>
-            </a:lvl7pPr>
-            <a:lvl8pPr marL="3200400" indent="0">
-              <a:buNone/>
-              <a:defRPr sz="1600" b="1"/>
-            </a:lvl8pPr>
-            <a:lvl9pPr marL="3657600" indent="0">
-              <a:buNone/>
-              <a:defRPr sz="1600" b="1"/>
-            </a:lvl9pPr>
-          </a:lstStyle>
-          <a:p>
-            <a:pPr lvl="0"/>
+            <a:extLst/>
+          </a:lstStyle>
+          <a:p>
+            <a:pPr lvl="0" eaLnBrk="1" latinLnBrk="0" hangingPunct="1"/>
             <a:r>
               <a:rPr lang="pt-BR" smtClean="0"/>
               <a:t>Clique para editar o texto mestre</a:t>
             </a:r>
+          </a:p>
+          <a:p>
+            <a:pPr lvl="1" eaLnBrk="1" latinLnBrk="0" hangingPunct="1"/>
+            <a:r>
+              <a:rPr lang="pt-BR" smtClean="0"/>
+              <a:t>Segundo nível</a:t>
+            </a:r>
+          </a:p>
+          <a:p>
+            <a:pPr lvl="2" eaLnBrk="1" latinLnBrk="0" hangingPunct="1"/>
+            <a:r>
+              <a:rPr lang="pt-BR" smtClean="0"/>
+              <a:t>Terceiro nível</a:t>
+            </a:r>
+          </a:p>
+          <a:p>
+            <a:pPr lvl="3" eaLnBrk="1" latinLnBrk="0" hangingPunct="1"/>
+            <a:r>
+              <a:rPr lang="pt-BR" smtClean="0"/>
+              <a:t>Quarto nível</a:t>
+            </a:r>
+          </a:p>
+          <a:p>
+            <a:pPr lvl="4" eaLnBrk="1" latinLnBrk="0" hangingPunct="1"/>
+            <a:r>
+              <a:rPr lang="pt-BR" smtClean="0"/>
+              <a:t>Quinto nível</a:t>
+            </a:r>
+            <a:endParaRPr kumimoji="0" lang="en-US"/>
           </a:p>
         </p:txBody>
       </p:sp>
@@ -1678,76 +1835,65 @@
         </p:nvSpPr>
         <p:spPr>
           <a:xfrm>
-            <a:off x="1828980" y="1712714"/>
-            <a:ext cx="1591449" cy="3111639"/>
+            <a:off x="1645406" y="1348074"/>
+            <a:ext cx="1386173" cy="3240405"/>
           </a:xfrm>
         </p:spPr>
         <p:txBody>
           <a:bodyPr/>
           <a:lstStyle>
             <a:lvl1pPr>
-              <a:defRPr sz="2400"/>
+              <a:defRPr sz="1400"/>
             </a:lvl1pPr>
             <a:lvl2pPr>
-              <a:defRPr sz="2000"/>
+              <a:defRPr sz="1100"/>
             </a:lvl2pPr>
             <a:lvl3pPr>
-              <a:defRPr sz="1800"/>
+              <a:defRPr sz="1000"/>
             </a:lvl3pPr>
             <a:lvl4pPr>
-              <a:defRPr sz="1600"/>
+              <a:defRPr sz="900"/>
             </a:lvl4pPr>
             <a:lvl5pPr>
-              <a:defRPr sz="1600"/>
+              <a:defRPr sz="900"/>
             </a:lvl5pPr>
-            <a:lvl6pPr>
-              <a:defRPr sz="1600"/>
-            </a:lvl6pPr>
-            <a:lvl7pPr>
-              <a:defRPr sz="1600"/>
-            </a:lvl7pPr>
-            <a:lvl8pPr>
-              <a:defRPr sz="1600"/>
-            </a:lvl8pPr>
-            <a:lvl9pPr>
-              <a:defRPr sz="1600"/>
-            </a:lvl9pPr>
-          </a:lstStyle>
-          <a:p>
-            <a:pPr lvl="0"/>
+            <a:extLst/>
+          </a:lstStyle>
+          <a:p>
+            <a:pPr lvl="0" eaLnBrk="1" latinLnBrk="0" hangingPunct="1"/>
             <a:r>
               <a:rPr lang="pt-BR" smtClean="0"/>
               <a:t>Clique para editar o texto mestre</a:t>
             </a:r>
           </a:p>
           <a:p>
-            <a:pPr lvl="1"/>
+            <a:pPr lvl="1" eaLnBrk="1" latinLnBrk="0" hangingPunct="1"/>
             <a:r>
               <a:rPr lang="pt-BR" smtClean="0"/>
               <a:t>Segundo nível</a:t>
             </a:r>
           </a:p>
           <a:p>
-            <a:pPr lvl="2"/>
+            <a:pPr lvl="2" eaLnBrk="1" latinLnBrk="0" hangingPunct="1"/>
             <a:r>
               <a:rPr lang="pt-BR" smtClean="0"/>
               <a:t>Terceiro nível</a:t>
             </a:r>
           </a:p>
           <a:p>
-            <a:pPr lvl="3"/>
+            <a:pPr lvl="3" eaLnBrk="1" latinLnBrk="0" hangingPunct="1"/>
             <a:r>
               <a:rPr lang="pt-BR" smtClean="0"/>
               <a:t>Quarto nível</a:t>
             </a:r>
           </a:p>
           <a:p>
-            <a:pPr lvl="4"/>
+            <a:pPr lvl="4" eaLnBrk="1" latinLnBrk="0" hangingPunct="1"/>
             <a:r>
               <a:rPr lang="pt-BR" smtClean="0"/>
               <a:t>Quinto nível</a:t>
             </a:r>
-            <a:endParaRPr lang="pt-BR"/>
+            <a:endParaRPr kumimoji="0" lang="en-US"/>
           </a:p>
         </p:txBody>
       </p:sp>
@@ -1764,11 +1910,13 @@
         <p:spPr/>
         <p:txBody>
           <a:bodyPr/>
-          <a:lstStyle/>
+          <a:lstStyle>
+            <a:extLst/>
+          </a:lstStyle>
           <a:p>
             <a:fld id="{28DDA2A5-9842-478B-990D-EABDCF56FD75}" type="datetimeFigureOut">
               <a:rPr lang="pt-BR" smtClean="0"/>
-              <a:t>19/09/2022</a:t>
+              <a:t>20/09/2022</a:t>
             </a:fld>
             <a:endParaRPr lang="pt-BR"/>
           </a:p>
@@ -1787,7 +1935,9 @@
         <p:spPr/>
         <p:txBody>
           <a:bodyPr/>
-          <a:lstStyle/>
+          <a:lstStyle>
+            <a:extLst/>
+          </a:lstStyle>
           <a:p>
             <a:endParaRPr lang="pt-BR"/>
           </a:p>
@@ -1806,7 +1956,9 @@
         <p:spPr/>
         <p:txBody>
           <a:bodyPr/>
-          <a:lstStyle/>
+          <a:lstStyle>
+            <a:extLst/>
+          </a:lstStyle>
           <a:p>
             <a:fld id="{73ABE9DD-B776-4007-8557-F52603E8E1F3}" type="slidenum">
               <a:rPr lang="pt-BR" smtClean="0"/>
@@ -1817,11 +1969,6 @@
         </p:txBody>
       </p:sp>
     </p:spTree>
-    <p:extLst>
-      <p:ext uri="{BB962C8B-B14F-4D97-AF65-F5344CB8AC3E}">
-        <p14:creationId xmlns:p14="http://schemas.microsoft.com/office/powerpoint/2010/main" val="1419186499"/>
-      </p:ext>
-    </p:extLst>
   </p:cSld>
   <p:clrMapOvr>
     <a:masterClrMapping/>
@@ -1856,37 +2003,46 @@
             <p:ph type="title"/>
           </p:nvPr>
         </p:nvSpPr>
+        <p:spPr>
+          <a:xfrm>
+            <a:off x="180023" y="252031"/>
+            <a:ext cx="2851556" cy="900113"/>
+          </a:xfrm>
+        </p:spPr>
+        <p:txBody>
+          <a:bodyPr/>
+          <a:lstStyle>
+            <a:extLst/>
+          </a:lstStyle>
+          <a:p>
+            <a:r>
+              <a:rPr kumimoji="0" lang="pt-BR" smtClean="0"/>
+              <a:t>Clique para editar o título mestre</a:t>
+            </a:r>
+            <a:endParaRPr kumimoji="0" lang="en-US"/>
+          </a:p>
+        </p:txBody>
+      </p:sp>
+      <p:sp>
+        <p:nvSpPr>
+          <p:cNvPr id="3" name="Espaço Reservado para Data 2"/>
+          <p:cNvSpPr>
+            <a:spLocks noGrp="1"/>
+          </p:cNvSpPr>
+          <p:nvPr>
+            <p:ph type="dt" sz="half" idx="10"/>
+          </p:nvPr>
+        </p:nvSpPr>
         <p:spPr/>
         <p:txBody>
           <a:bodyPr/>
-          <a:lstStyle/>
-          <a:p>
-            <a:r>
-              <a:rPr lang="pt-BR" smtClean="0"/>
-              <a:t>Clique para editar o título mestre</a:t>
-            </a:r>
-            <a:endParaRPr lang="pt-BR"/>
-          </a:p>
-        </p:txBody>
-      </p:sp>
-      <p:sp>
-        <p:nvSpPr>
-          <p:cNvPr id="3" name="Espaço Reservado para Data 2"/>
-          <p:cNvSpPr>
-            <a:spLocks noGrp="1"/>
-          </p:cNvSpPr>
-          <p:nvPr>
-            <p:ph type="dt" sz="half" idx="10"/>
-          </p:nvPr>
-        </p:nvSpPr>
-        <p:spPr/>
-        <p:txBody>
-          <a:bodyPr/>
-          <a:lstStyle/>
+          <a:lstStyle>
+            <a:extLst/>
+          </a:lstStyle>
           <a:p>
             <a:fld id="{28DDA2A5-9842-478B-990D-EABDCF56FD75}" type="datetimeFigureOut">
               <a:rPr lang="pt-BR" smtClean="0"/>
-              <a:t>19/09/2022</a:t>
+              <a:t>20/09/2022</a:t>
             </a:fld>
             <a:endParaRPr lang="pt-BR"/>
           </a:p>
@@ -1905,7 +2061,9 @@
         <p:spPr/>
         <p:txBody>
           <a:bodyPr/>
-          <a:lstStyle/>
+          <a:lstStyle>
+            <a:extLst/>
+          </a:lstStyle>
           <a:p>
             <a:endParaRPr lang="pt-BR"/>
           </a:p>
@@ -1924,7 +2082,9 @@
         <p:spPr/>
         <p:txBody>
           <a:bodyPr/>
-          <a:lstStyle/>
+          <a:lstStyle>
+            <a:extLst/>
+          </a:lstStyle>
           <a:p>
             <a:fld id="{73ABE9DD-B776-4007-8557-F52603E8E1F3}" type="slidenum">
               <a:rPr lang="pt-BR" smtClean="0"/>
@@ -1935,11 +2095,6 @@
         </p:txBody>
       </p:sp>
     </p:spTree>
-    <p:extLst>
-      <p:ext uri="{BB962C8B-B14F-4D97-AF65-F5344CB8AC3E}">
-        <p14:creationId xmlns:p14="http://schemas.microsoft.com/office/powerpoint/2010/main" val="3418835485"/>
-      </p:ext>
-    </p:extLst>
   </p:cSld>
   <p:clrMapOvr>
     <a:masterClrMapping/>
@@ -1977,11 +2132,20 @@
         <p:spPr/>
         <p:txBody>
           <a:bodyPr/>
-          <a:lstStyle/>
+          <a:lstStyle>
+            <a:lvl1pPr>
+              <a:defRPr>
+                <a:solidFill>
+                  <a:schemeClr val="tx2"/>
+                </a:solidFill>
+              </a:defRPr>
+            </a:lvl1pPr>
+            <a:extLst/>
+          </a:lstStyle>
           <a:p>
             <a:fld id="{28DDA2A5-9842-478B-990D-EABDCF56FD75}" type="datetimeFigureOut">
               <a:rPr lang="pt-BR" smtClean="0"/>
-              <a:t>19/09/2022</a:t>
+              <a:t>20/09/2022</a:t>
             </a:fld>
             <a:endParaRPr lang="pt-BR"/>
           </a:p>
@@ -2000,7 +2164,16 @@
         <p:spPr/>
         <p:txBody>
           <a:bodyPr/>
-          <a:lstStyle/>
+          <a:lstStyle>
+            <a:lvl1pPr>
+              <a:defRPr>
+                <a:solidFill>
+                  <a:schemeClr val="tx2"/>
+                </a:solidFill>
+              </a:defRPr>
+            </a:lvl1pPr>
+            <a:extLst/>
+          </a:lstStyle>
           <a:p>
             <a:endParaRPr lang="pt-BR"/>
           </a:p>
@@ -2019,7 +2192,9 @@
         <p:spPr/>
         <p:txBody>
           <a:bodyPr/>
-          <a:lstStyle/>
+          <a:lstStyle>
+            <a:extLst/>
+          </a:lstStyle>
           <a:p>
             <a:fld id="{73ABE9DD-B776-4007-8557-F52603E8E1F3}" type="slidenum">
               <a:rPr lang="pt-BR" smtClean="0"/>
@@ -2030,11 +2205,6 @@
         </p:txBody>
       </p:sp>
     </p:spTree>
-    <p:extLst>
-      <p:ext uri="{BB962C8B-B14F-4D97-AF65-F5344CB8AC3E}">
-        <p14:creationId xmlns:p14="http://schemas.microsoft.com/office/powerpoint/2010/main" val="2528994899"/>
-      </p:ext>
-    </p:extLst>
   </p:cSld>
   <p:clrMapOvr>
     <a:masterClrMapping/>
@@ -2071,174 +2241,158 @@
         </p:nvSpPr>
         <p:spPr>
           <a:xfrm>
-            <a:off x="180024" y="215027"/>
-            <a:ext cx="1184523" cy="915114"/>
-          </a:xfrm>
-        </p:spPr>
-        <p:txBody>
-          <a:bodyPr anchor="b"/>
+            <a:off x="180023" y="180022"/>
+            <a:ext cx="2322290" cy="924116"/>
+          </a:xfrm>
+        </p:spPr>
+        <p:txBody>
+          <a:bodyPr wrap="square" anchor="b"/>
           <a:lstStyle>
             <a:lvl1pPr algn="l">
-              <a:defRPr sz="2000" b="1"/>
+              <a:buNone/>
+              <a:defRPr lang="en-US" sz="1400" baseline="0" smtClean="0"/>
             </a:lvl1pPr>
-          </a:lstStyle>
-          <a:p>
-            <a:r>
-              <a:rPr lang="pt-BR" smtClean="0"/>
+            <a:extLst/>
+          </a:lstStyle>
+          <a:p>
+            <a:r>
+              <a:rPr kumimoji="0" lang="pt-BR" smtClean="0"/>
               <a:t>Clique para editar o título mestre</a:t>
             </a:r>
-            <a:endParaRPr lang="pt-BR"/>
-          </a:p>
-        </p:txBody>
-      </p:sp>
-      <p:sp>
-        <p:nvSpPr>
-          <p:cNvPr id="3" name="Espaço Reservado para Conteúdo 2"/>
-          <p:cNvSpPr>
-            <a:spLocks noGrp="1"/>
-          </p:cNvSpPr>
-          <p:nvPr>
-            <p:ph idx="1"/>
+            <a:endParaRPr kumimoji="0" lang="en-US"/>
+          </a:p>
+        </p:txBody>
+      </p:sp>
+      <p:sp>
+        <p:nvSpPr>
+          <p:cNvPr id="3" name="Espaço Reservado para Texto 2"/>
+          <p:cNvSpPr>
+            <a:spLocks noGrp="1"/>
+          </p:cNvSpPr>
+          <p:nvPr>
+            <p:ph type="body" idx="2"/>
           </p:nvPr>
         </p:nvSpPr>
         <p:spPr>
           <a:xfrm>
-            <a:off x="1407676" y="215027"/>
-            <a:ext cx="2012752" cy="4609327"/>
-          </a:xfrm>
-        </p:spPr>
-        <p:txBody>
-          <a:bodyPr/>
-          <a:lstStyle>
-            <a:lvl1pPr>
-              <a:defRPr sz="3200"/>
+            <a:off x="180023" y="1179215"/>
+            <a:ext cx="2322290" cy="474478"/>
+          </a:xfrm>
+        </p:spPr>
+        <p:txBody>
+          <a:bodyPr rot="0" spcFirstLastPara="0" vertOverflow="overflow" horzOverflow="overflow" vert="horz" wrap="square" lIns="25718" tIns="0" rIns="0" bIns="0" numCol="1" spcCol="0" rtlCol="0" fromWordArt="0" anchor="t" anchorCtr="0" forceAA="0" compatLnSpc="1">
+            <a:normAutofit/>
+          </a:bodyPr>
+          <a:lstStyle>
+            <a:lvl1pPr marL="0" indent="0">
+              <a:spcBef>
+                <a:spcPts val="0"/>
+              </a:spcBef>
+              <a:spcAft>
+                <a:spcPts val="0"/>
+              </a:spcAft>
+              <a:buNone/>
+              <a:defRPr sz="800"/>
             </a:lvl1pPr>
             <a:lvl2pPr>
-              <a:defRPr sz="2800"/>
+              <a:buNone/>
+              <a:defRPr sz="700"/>
             </a:lvl2pPr>
             <a:lvl3pPr>
-              <a:defRPr sz="2400"/>
+              <a:buNone/>
+              <a:defRPr sz="600"/>
             </a:lvl3pPr>
             <a:lvl4pPr>
-              <a:defRPr sz="2000"/>
+              <a:buNone/>
+              <a:defRPr sz="500"/>
             </a:lvl4pPr>
             <a:lvl5pPr>
-              <a:defRPr sz="2000"/>
+              <a:buNone/>
+              <a:defRPr sz="500"/>
             </a:lvl5pPr>
-            <a:lvl6pPr>
-              <a:defRPr sz="2000"/>
-            </a:lvl6pPr>
-            <a:lvl7pPr>
-              <a:defRPr sz="2000"/>
-            </a:lvl7pPr>
-            <a:lvl8pPr>
-              <a:defRPr sz="2000"/>
-            </a:lvl8pPr>
-            <a:lvl9pPr>
-              <a:defRPr sz="2000"/>
-            </a:lvl9pPr>
-          </a:lstStyle>
-          <a:p>
-            <a:pPr lvl="0"/>
-            <a:r>
-              <a:rPr lang="pt-BR" smtClean="0"/>
+            <a:extLst/>
+          </a:lstStyle>
+          <a:p>
+            <a:pPr lvl="0" eaLnBrk="1" latinLnBrk="0" hangingPunct="1"/>
+            <a:r>
+              <a:rPr kumimoji="0" lang="pt-BR" smtClean="0"/>
               <a:t>Clique para editar o texto mestre</a:t>
             </a:r>
           </a:p>
-          <a:p>
-            <a:pPr lvl="1"/>
-            <a:r>
-              <a:rPr lang="pt-BR" smtClean="0"/>
-              <a:t>Segundo nível</a:t>
-            </a:r>
-          </a:p>
-          <a:p>
-            <a:pPr lvl="2"/>
-            <a:r>
-              <a:rPr lang="pt-BR" smtClean="0"/>
-              <a:t>Terceiro nível</a:t>
-            </a:r>
-          </a:p>
-          <a:p>
-            <a:pPr lvl="3"/>
-            <a:r>
-              <a:rPr lang="pt-BR" smtClean="0"/>
-              <a:t>Quarto nível</a:t>
-            </a:r>
-          </a:p>
-          <a:p>
-            <a:pPr lvl="4"/>
-            <a:r>
-              <a:rPr lang="pt-BR" smtClean="0"/>
-              <a:t>Quinto nível</a:t>
-            </a:r>
-            <a:endParaRPr lang="pt-BR"/>
-          </a:p>
-        </p:txBody>
-      </p:sp>
-      <p:sp>
-        <p:nvSpPr>
-          <p:cNvPr id="4" name="Espaço Reservado para Texto 3"/>
-          <p:cNvSpPr>
-            <a:spLocks noGrp="1"/>
-          </p:cNvSpPr>
-          <p:nvPr>
-            <p:ph type="body" sz="half" idx="2"/>
+        </p:txBody>
+      </p:sp>
+      <p:sp>
+        <p:nvSpPr>
+          <p:cNvPr id="4" name="Espaço Reservado para Conteúdo 3"/>
+          <p:cNvSpPr>
+            <a:spLocks noGrp="1"/>
+          </p:cNvSpPr>
+          <p:nvPr>
+            <p:ph sz="half" idx="1"/>
           </p:nvPr>
         </p:nvSpPr>
         <p:spPr>
           <a:xfrm>
-            <a:off x="180024" y="1130142"/>
-            <a:ext cx="1184523" cy="3694212"/>
+            <a:off x="180023" y="1680210"/>
+            <a:ext cx="2850356" cy="3442755"/>
           </a:xfrm>
         </p:spPr>
         <p:txBody>
           <a:bodyPr/>
           <a:lstStyle>
-            <a:lvl1pPr marL="0" indent="0">
-              <a:buNone/>
+            <a:lvl1pPr>
+              <a:defRPr sz="1800"/>
+            </a:lvl1pPr>
+            <a:lvl2pPr>
+              <a:defRPr sz="1600"/>
+            </a:lvl2pPr>
+            <a:lvl3pPr>
               <a:defRPr sz="1400"/>
-            </a:lvl1pPr>
-            <a:lvl2pPr marL="457200" indent="0">
-              <a:buNone/>
-              <a:defRPr sz="1200"/>
-            </a:lvl2pPr>
-            <a:lvl3pPr marL="914400" indent="0">
-              <a:buNone/>
-              <a:defRPr sz="1000"/>
             </a:lvl3pPr>
-            <a:lvl4pPr marL="1371600" indent="0">
-              <a:buNone/>
-              <a:defRPr sz="900"/>
+            <a:lvl4pPr>
+              <a:defRPr sz="1100"/>
             </a:lvl4pPr>
-            <a:lvl5pPr marL="1828800" indent="0">
-              <a:buNone/>
-              <a:defRPr sz="900"/>
+            <a:lvl5pPr>
+              <a:defRPr sz="1100"/>
             </a:lvl5pPr>
-            <a:lvl6pPr marL="2286000" indent="0">
-              <a:buNone/>
-              <a:defRPr sz="900"/>
-            </a:lvl6pPr>
-            <a:lvl7pPr marL="2743200" indent="0">
-              <a:buNone/>
-              <a:defRPr sz="900"/>
-            </a:lvl7pPr>
-            <a:lvl8pPr marL="3200400" indent="0">
-              <a:buNone/>
-              <a:defRPr sz="900"/>
-            </a:lvl8pPr>
-            <a:lvl9pPr marL="3657600" indent="0">
-              <a:buNone/>
-              <a:defRPr sz="900"/>
-            </a:lvl9pPr>
-          </a:lstStyle>
-          <a:p>
-            <a:pPr lvl="0"/>
+            <a:extLst/>
+          </a:lstStyle>
+          <a:p>
+            <a:pPr lvl="0" eaLnBrk="1" latinLnBrk="0" hangingPunct="1"/>
             <a:r>
               <a:rPr lang="pt-BR" smtClean="0"/>
               <a:t>Clique para editar o texto mestre</a:t>
             </a:r>
           </a:p>
+          <a:p>
+            <a:pPr lvl="1" eaLnBrk="1" latinLnBrk="0" hangingPunct="1"/>
+            <a:r>
+              <a:rPr lang="pt-BR" smtClean="0"/>
+              <a:t>Segundo nível</a:t>
+            </a:r>
+          </a:p>
+          <a:p>
+            <a:pPr lvl="2" eaLnBrk="1" latinLnBrk="0" hangingPunct="1"/>
+            <a:r>
+              <a:rPr lang="pt-BR" smtClean="0"/>
+              <a:t>Terceiro nível</a:t>
+            </a:r>
+          </a:p>
+          <a:p>
+            <a:pPr lvl="3" eaLnBrk="1" latinLnBrk="0" hangingPunct="1"/>
+            <a:r>
+              <a:rPr lang="pt-BR" smtClean="0"/>
+              <a:t>Quarto nível</a:t>
+            </a:r>
+          </a:p>
+          <a:p>
+            <a:pPr lvl="4" eaLnBrk="1" latinLnBrk="0" hangingPunct="1"/>
+            <a:r>
+              <a:rPr lang="pt-BR" smtClean="0"/>
+              <a:t>Quinto nível</a:t>
+            </a:r>
+            <a:endParaRPr kumimoji="0" lang="en-US"/>
+          </a:p>
         </p:txBody>
       </p:sp>
       <p:sp>
@@ -2254,11 +2408,13 @@
         <p:spPr/>
         <p:txBody>
           <a:bodyPr/>
-          <a:lstStyle/>
+          <a:lstStyle>
+            <a:extLst/>
+          </a:lstStyle>
           <a:p>
             <a:fld id="{28DDA2A5-9842-478B-990D-EABDCF56FD75}" type="datetimeFigureOut">
               <a:rPr lang="pt-BR" smtClean="0"/>
-              <a:t>19/09/2022</a:t>
+              <a:t>20/09/2022</a:t>
             </a:fld>
             <a:endParaRPr lang="pt-BR"/>
           </a:p>
@@ -2277,7 +2433,9 @@
         <p:spPr/>
         <p:txBody>
           <a:bodyPr/>
-          <a:lstStyle/>
+          <a:lstStyle>
+            <a:extLst/>
+          </a:lstStyle>
           <a:p>
             <a:endParaRPr lang="pt-BR"/>
           </a:p>
@@ -2296,7 +2454,9 @@
         <p:spPr/>
         <p:txBody>
           <a:bodyPr/>
-          <a:lstStyle/>
+          <a:lstStyle>
+            <a:extLst/>
+          </a:lstStyle>
           <a:p>
             <a:fld id="{73ABE9DD-B776-4007-8557-F52603E8E1F3}" type="slidenum">
               <a:rPr lang="pt-BR" smtClean="0"/>
@@ -2307,11 +2467,6 @@
         </p:txBody>
       </p:sp>
     </p:spTree>
-    <p:extLst>
-      <p:ext uri="{BB962C8B-B14F-4D97-AF65-F5344CB8AC3E}">
-        <p14:creationId xmlns:p14="http://schemas.microsoft.com/office/powerpoint/2010/main" val="927873620"/>
-      </p:ext>
-    </p:extLst>
   </p:cSld>
   <p:clrMapOvr>
     <a:masterClrMapping/>
@@ -2320,8 +2475,13 @@
 </file>
 
 <file path=ppt/slideLayouts/slideLayout9.xml><?xml version="1.0" encoding="utf-8"?>
-<p:sldLayout xmlns:a="http://schemas.openxmlformats.org/drawingml/2006/main" xmlns:r="http://schemas.openxmlformats.org/officeDocument/2006/relationships" xmlns:p="http://schemas.openxmlformats.org/presentationml/2006/main" type="picTx" preserve="1">
+<p:sldLayout xmlns:a="http://schemas.openxmlformats.org/drawingml/2006/main" xmlns:r="http://schemas.openxmlformats.org/officeDocument/2006/relationships" xmlns:p="http://schemas.openxmlformats.org/presentationml/2006/main" showMasterSp="0" type="picTx" preserve="1">
   <p:cSld name="Imagem com Legenda">
+    <p:bg>
+      <p:bgRef idx="1002">
+        <a:schemeClr val="bg2"/>
+      </p:bgRef>
+    </p:bg>
     <p:spTree>
       <p:nvGrpSpPr>
         <p:cNvPr id="1" name=""/>
@@ -2338,6 +2498,118 @@
       </p:grpSpPr>
       <p:sp>
         <p:nvSpPr>
+          <p:cNvPr id="8" name="Retângulo 7"/>
+          <p:cNvSpPr/>
+          <p:nvPr/>
+        </p:nvSpPr>
+        <p:spPr>
+          <a:xfrm rot="21240000">
+            <a:off x="235450" y="791177"/>
+            <a:ext cx="1700814" cy="3396151"/>
+          </a:xfrm>
+          <a:prstGeom prst="rect">
+            <a:avLst/>
+          </a:prstGeom>
+          <a:solidFill>
+            <a:srgbClr val="FAFAFA"/>
+          </a:solidFill>
+          <a:ln w="1270" cap="rnd" cmpd="sng" algn="ctr">
+            <a:solidFill>
+              <a:srgbClr val="EAEAEA"/>
+            </a:solidFill>
+            <a:prstDash val="solid"/>
+          </a:ln>
+          <a:effectLst>
+            <a:outerShdw blurRad="25000" dist="12700" dir="5400000" algn="t" rotWithShape="0">
+              <a:srgbClr val="000000">
+                <a:alpha val="40000"/>
+              </a:srgbClr>
+            </a:outerShdw>
+          </a:effectLst>
+        </p:spPr>
+        <p:style>
+          <a:lnRef idx="2">
+            <a:schemeClr val="accent1"/>
+          </a:lnRef>
+          <a:fillRef idx="1">
+            <a:schemeClr val="accent1"/>
+          </a:fillRef>
+          <a:effectRef idx="0">
+            <a:schemeClr val="accent1"/>
+          </a:effectRef>
+          <a:fontRef idx="minor">
+            <a:schemeClr val="lt1"/>
+          </a:fontRef>
+        </p:style>
+        <p:txBody>
+          <a:bodyPr lIns="51435" tIns="25718" rIns="51435" bIns="25718" rtlCol="0" anchor="ctr"/>
+          <a:lstStyle>
+            <a:extLst/>
+          </a:lstStyle>
+          <a:p>
+            <a:pPr algn="ctr" eaLnBrk="1" latinLnBrk="0" hangingPunct="1"/>
+            <a:endParaRPr kumimoji="0" lang="en-US"/>
+          </a:p>
+        </p:txBody>
+      </p:sp>
+      <p:sp>
+        <p:nvSpPr>
+          <p:cNvPr id="9" name="Retângulo 8"/>
+          <p:cNvSpPr/>
+          <p:nvPr/>
+        </p:nvSpPr>
+        <p:spPr>
+          <a:xfrm rot="21420000">
+            <a:off x="234953" y="786568"/>
+            <a:ext cx="1700814" cy="3396151"/>
+          </a:xfrm>
+          <a:prstGeom prst="rect">
+            <a:avLst/>
+          </a:prstGeom>
+          <a:solidFill>
+            <a:srgbClr val="FAFAFA"/>
+          </a:solidFill>
+          <a:ln w="1270" cap="rnd" cmpd="sng" algn="ctr">
+            <a:solidFill>
+              <a:srgbClr val="EAEAEA"/>
+            </a:solidFill>
+            <a:prstDash val="solid"/>
+          </a:ln>
+          <a:effectLst>
+            <a:outerShdw blurRad="28000" dist="12700" dir="5400000" algn="tl" rotWithShape="0">
+              <a:srgbClr val="000000">
+                <a:alpha val="40000"/>
+              </a:srgbClr>
+            </a:outerShdw>
+          </a:effectLst>
+        </p:spPr>
+        <p:style>
+          <a:lnRef idx="2">
+            <a:schemeClr val="accent1"/>
+          </a:lnRef>
+          <a:fillRef idx="1">
+            <a:schemeClr val="accent1"/>
+          </a:fillRef>
+          <a:effectRef idx="0">
+            <a:schemeClr val="accent1"/>
+          </a:effectRef>
+          <a:fontRef idx="minor">
+            <a:schemeClr val="lt1"/>
+          </a:fontRef>
+        </p:style>
+        <p:txBody>
+          <a:bodyPr lIns="51435" tIns="25718" rIns="51435" bIns="25718" rtlCol="0" anchor="ctr"/>
+          <a:lstStyle>
+            <a:extLst/>
+          </a:lstStyle>
+          <a:p>
+            <a:pPr algn="ctr" eaLnBrk="1" latinLnBrk="0" hangingPunct="1"/>
+            <a:endParaRPr kumimoji="0" lang="en-US"/>
+          </a:p>
+        </p:txBody>
+      </p:sp>
+      <p:sp>
+        <p:nvSpPr>
           <p:cNvPr id="2" name="Título 1"/>
           <p:cNvSpPr>
             <a:spLocks noGrp="1"/>
@@ -2348,170 +2620,165 @@
         </p:nvSpPr>
         <p:spPr>
           <a:xfrm>
-            <a:off x="705713" y="3780473"/>
-            <a:ext cx="2160270" cy="446306"/>
-          </a:xfrm>
-        </p:spPr>
-        <p:txBody>
-          <a:bodyPr anchor="b"/>
+            <a:off x="2121957" y="900112"/>
+            <a:ext cx="1350169" cy="1620203"/>
+          </a:xfrm>
+        </p:spPr>
+        <p:txBody>
+          <a:bodyPr vert="horz" anchor="b"/>
           <a:lstStyle>
             <a:lvl1pPr algn="l">
-              <a:defRPr sz="2000" b="1"/>
+              <a:buNone/>
+              <a:defRPr sz="1700" b="1" baseline="0">
+                <a:ln w="500">
+                  <a:solidFill>
+                    <a:schemeClr val="tx2">
+                      <a:shade val="10000"/>
+                      <a:satMod val="135000"/>
+                    </a:schemeClr>
+                  </a:solidFill>
+                </a:ln>
+                <a:gradFill>
+                  <a:gsLst>
+                    <a:gs pos="0">
+                      <a:schemeClr val="accent4">
+                        <a:tint val="13000"/>
+                      </a:schemeClr>
+                    </a:gs>
+                    <a:gs pos="10000">
+                      <a:schemeClr val="accent4">
+                        <a:tint val="20000"/>
+                      </a:schemeClr>
+                    </a:gs>
+                    <a:gs pos="49000">
+                      <a:schemeClr val="accent4">
+                        <a:tint val="70000"/>
+                      </a:schemeClr>
+                    </a:gs>
+                    <a:gs pos="50000">
+                      <a:schemeClr val="accent4">
+                        <a:tint val="97000"/>
+                      </a:schemeClr>
+                    </a:gs>
+                    <a:gs pos="100000">
+                      <a:schemeClr val="accent4">
+                        <a:tint val="20000"/>
+                      </a:schemeClr>
+                    </a:gs>
+                  </a:gsLst>
+                  <a:lin ang="5400000" scaled="1"/>
+                </a:gradFill>
+                <a:effectLst/>
+              </a:defRPr>
             </a:lvl1pPr>
-          </a:lstStyle>
-          <a:p>
-            <a:r>
-              <a:rPr lang="pt-BR" smtClean="0"/>
+            <a:extLst/>
+          </a:lstStyle>
+          <a:p>
+            <a:r>
+              <a:rPr kumimoji="0" lang="pt-BR" smtClean="0"/>
               <a:t>Clique para editar o título mestre</a:t>
             </a:r>
-            <a:endParaRPr lang="pt-BR"/>
-          </a:p>
-        </p:txBody>
-      </p:sp>
-      <p:sp>
-        <p:nvSpPr>
-          <p:cNvPr id="3" name="Espaço Reservado para Imagem 2"/>
-          <p:cNvSpPr>
-            <a:spLocks noGrp="1"/>
-          </p:cNvSpPr>
-          <p:nvPr>
-            <p:ph type="pic" idx="1"/>
+            <a:endParaRPr kumimoji="0" lang="en-US" dirty="0"/>
+          </a:p>
+        </p:txBody>
+      </p:sp>
+      <p:sp>
+        <p:nvSpPr>
+          <p:cNvPr id="4" name="Espaço Reservado para Texto 3"/>
+          <p:cNvSpPr>
+            <a:spLocks noGrp="1"/>
+          </p:cNvSpPr>
+          <p:nvPr>
+            <p:ph type="body" sz="half" idx="2"/>
           </p:nvPr>
         </p:nvSpPr>
         <p:spPr>
           <a:xfrm>
-            <a:off x="705713" y="482560"/>
-            <a:ext cx="2160270" cy="3240405"/>
-          </a:xfrm>
-        </p:spPr>
+            <a:off x="2121957" y="2585862"/>
+            <a:ext cx="1350169" cy="1512189"/>
+          </a:xfrm>
+        </p:spPr>
+        <p:txBody>
+          <a:bodyPr rot="0" spcFirstLastPara="0" vertOverflow="overflow" horzOverflow="overflow" vert="horz" wrap="square" lIns="46292" tIns="0" rIns="0" bIns="0" numCol="1" spcCol="0" rtlCol="0" fromWordArt="0" anchor="t" anchorCtr="0" forceAA="0" compatLnSpc="1">
+            <a:normAutofit/>
+          </a:bodyPr>
+          <a:lstStyle>
+            <a:lvl1pPr marL="0" indent="0">
+              <a:lnSpc>
+                <a:spcPct val="100000"/>
+              </a:lnSpc>
+              <a:spcBef>
+                <a:spcPts val="0"/>
+              </a:spcBef>
+              <a:buFontTx/>
+              <a:buNone/>
+              <a:defRPr sz="800" baseline="0">
+                <a:solidFill>
+                  <a:schemeClr val="tx1"/>
+                </a:solidFill>
+              </a:defRPr>
+            </a:lvl1pPr>
+            <a:lvl2pPr>
+              <a:defRPr sz="700"/>
+            </a:lvl2pPr>
+            <a:lvl3pPr>
+              <a:defRPr sz="600"/>
+            </a:lvl3pPr>
+            <a:lvl4pPr>
+              <a:defRPr sz="500"/>
+            </a:lvl4pPr>
+            <a:lvl5pPr>
+              <a:defRPr sz="500"/>
+            </a:lvl5pPr>
+            <a:extLst/>
+          </a:lstStyle>
+          <a:p>
+            <a:pPr marL="0" marR="0" lvl="0" indent="0" algn="l" defTabSz="0" rtl="0" eaLnBrk="1" fontAlgn="auto" latinLnBrk="0" hangingPunct="1">
+              <a:lnSpc>
+                <a:spcPct val="100000"/>
+              </a:lnSpc>
+              <a:spcBef>
+                <a:spcPts val="0"/>
+              </a:spcBef>
+              <a:spcAft>
+                <a:spcPts val="0"/>
+              </a:spcAft>
+              <a:buClr>
+                <a:schemeClr val="tx2"/>
+              </a:buClr>
+              <a:buSzPct val="73000"/>
+              <a:buFontTx/>
+              <a:buNone/>
+              <a:tabLst/>
+              <a:defRPr/>
+            </a:pPr>
+            <a:r>
+              <a:rPr kumimoji="0" lang="pt-BR" smtClean="0"/>
+              <a:t>Clique para editar o texto mestre</a:t>
+            </a:r>
+          </a:p>
+        </p:txBody>
+      </p:sp>
+      <p:sp>
+        <p:nvSpPr>
+          <p:cNvPr id="5" name="Espaço Reservado para Data 4"/>
+          <p:cNvSpPr>
+            <a:spLocks noGrp="1"/>
+          </p:cNvSpPr>
+          <p:nvPr>
+            <p:ph type="dt" sz="half" idx="10"/>
+          </p:nvPr>
+        </p:nvSpPr>
+        <p:spPr/>
         <p:txBody>
           <a:bodyPr/>
           <a:lstStyle>
-            <a:lvl1pPr marL="0" indent="0">
-              <a:buNone/>
-              <a:defRPr sz="3200"/>
-            </a:lvl1pPr>
-            <a:lvl2pPr marL="457200" indent="0">
-              <a:buNone/>
-              <a:defRPr sz="2800"/>
-            </a:lvl2pPr>
-            <a:lvl3pPr marL="914400" indent="0">
-              <a:buNone/>
-              <a:defRPr sz="2400"/>
-            </a:lvl3pPr>
-            <a:lvl4pPr marL="1371600" indent="0">
-              <a:buNone/>
-              <a:defRPr sz="2000"/>
-            </a:lvl4pPr>
-            <a:lvl5pPr marL="1828800" indent="0">
-              <a:buNone/>
-              <a:defRPr sz="2000"/>
-            </a:lvl5pPr>
-            <a:lvl6pPr marL="2286000" indent="0">
-              <a:buNone/>
-              <a:defRPr sz="2000"/>
-            </a:lvl6pPr>
-            <a:lvl7pPr marL="2743200" indent="0">
-              <a:buNone/>
-              <a:defRPr sz="2000"/>
-            </a:lvl7pPr>
-            <a:lvl8pPr marL="3200400" indent="0">
-              <a:buNone/>
-              <a:defRPr sz="2000"/>
-            </a:lvl8pPr>
-            <a:lvl9pPr marL="3657600" indent="0">
-              <a:buNone/>
-              <a:defRPr sz="2000"/>
-            </a:lvl9pPr>
-          </a:lstStyle>
-          <a:p>
-            <a:endParaRPr lang="pt-BR"/>
-          </a:p>
-        </p:txBody>
-      </p:sp>
-      <p:sp>
-        <p:nvSpPr>
-          <p:cNvPr id="4" name="Espaço Reservado para Texto 3"/>
-          <p:cNvSpPr>
-            <a:spLocks noGrp="1"/>
-          </p:cNvSpPr>
-          <p:nvPr>
-            <p:ph type="body" sz="half" idx="2"/>
-          </p:nvPr>
-        </p:nvSpPr>
-        <p:spPr>
-          <a:xfrm>
-            <a:off x="705713" y="4226779"/>
-            <a:ext cx="2160270" cy="633829"/>
-          </a:xfrm>
-        </p:spPr>
-        <p:txBody>
-          <a:bodyPr/>
-          <a:lstStyle>
-            <a:lvl1pPr marL="0" indent="0">
-              <a:buNone/>
-              <a:defRPr sz="1400"/>
-            </a:lvl1pPr>
-            <a:lvl2pPr marL="457200" indent="0">
-              <a:buNone/>
-              <a:defRPr sz="1200"/>
-            </a:lvl2pPr>
-            <a:lvl3pPr marL="914400" indent="0">
-              <a:buNone/>
-              <a:defRPr sz="1000"/>
-            </a:lvl3pPr>
-            <a:lvl4pPr marL="1371600" indent="0">
-              <a:buNone/>
-              <a:defRPr sz="900"/>
-            </a:lvl4pPr>
-            <a:lvl5pPr marL="1828800" indent="0">
-              <a:buNone/>
-              <a:defRPr sz="900"/>
-            </a:lvl5pPr>
-            <a:lvl6pPr marL="2286000" indent="0">
-              <a:buNone/>
-              <a:defRPr sz="900"/>
-            </a:lvl6pPr>
-            <a:lvl7pPr marL="2743200" indent="0">
-              <a:buNone/>
-              <a:defRPr sz="900"/>
-            </a:lvl7pPr>
-            <a:lvl8pPr marL="3200400" indent="0">
-              <a:buNone/>
-              <a:defRPr sz="900"/>
-            </a:lvl8pPr>
-            <a:lvl9pPr marL="3657600" indent="0">
-              <a:buNone/>
-              <a:defRPr sz="900"/>
-            </a:lvl9pPr>
-          </a:lstStyle>
-          <a:p>
-            <a:pPr lvl="0"/>
-            <a:r>
-              <a:rPr lang="pt-BR" smtClean="0"/>
-              <a:t>Clique para editar o texto mestre</a:t>
-            </a:r>
-          </a:p>
-        </p:txBody>
-      </p:sp>
-      <p:sp>
-        <p:nvSpPr>
-          <p:cNvPr id="5" name="Espaço Reservado para Data 4"/>
-          <p:cNvSpPr>
-            <a:spLocks noGrp="1"/>
-          </p:cNvSpPr>
-          <p:nvPr>
-            <p:ph type="dt" sz="half" idx="10"/>
-          </p:nvPr>
-        </p:nvSpPr>
-        <p:spPr/>
-        <p:txBody>
-          <a:bodyPr/>
-          <a:lstStyle/>
+            <a:extLst/>
+          </a:lstStyle>
           <a:p>
             <a:fld id="{28DDA2A5-9842-478B-990D-EABDCF56FD75}" type="datetimeFigureOut">
               <a:rPr lang="pt-BR" smtClean="0"/>
-              <a:t>19/09/2022</a:t>
+              <a:t>20/09/2022</a:t>
             </a:fld>
             <a:endParaRPr lang="pt-BR"/>
           </a:p>
@@ -2530,7 +2797,9 @@
         <p:spPr/>
         <p:txBody>
           <a:bodyPr/>
-          <a:lstStyle/>
+          <a:lstStyle>
+            <a:extLst/>
+          </a:lstStyle>
           <a:p>
             <a:endParaRPr lang="pt-BR"/>
           </a:p>
@@ -2549,7 +2818,9 @@
         <p:spPr/>
         <p:txBody>
           <a:bodyPr/>
-          <a:lstStyle/>
+          <a:lstStyle>
+            <a:extLst/>
+          </a:lstStyle>
           <a:p>
             <a:fld id="{73ABE9DD-B776-4007-8557-F52603E8E1F3}" type="slidenum">
               <a:rPr lang="pt-BR" smtClean="0"/>
@@ -2559,15 +2830,71 @@
           </a:p>
         </p:txBody>
       </p:sp>
+      <p:sp>
+        <p:nvSpPr>
+          <p:cNvPr id="10" name="Espaço Reservado para Imagem 9"/>
+          <p:cNvSpPr>
+            <a:spLocks noGrp="1"/>
+          </p:cNvSpPr>
+          <p:nvPr>
+            <p:ph type="pic" idx="1"/>
+          </p:nvPr>
+        </p:nvSpPr>
+        <p:spPr>
+          <a:xfrm>
+            <a:off x="261325" y="819789"/>
+            <a:ext cx="1656207" cy="3312414"/>
+          </a:xfrm>
+          <a:solidFill>
+            <a:schemeClr val="bg2">
+              <a:shade val="50000"/>
+            </a:schemeClr>
+          </a:solidFill>
+          <a:ln w="107950">
+            <a:solidFill>
+              <a:srgbClr val="FFFFFF"/>
+            </a:solidFill>
+            <a:miter lim="800000"/>
+          </a:ln>
+          <a:effectLst>
+            <a:outerShdw blurRad="44450" dist="3810" dir="5400000" algn="tl" rotWithShape="0">
+              <a:srgbClr val="000000">
+                <a:alpha val="60000"/>
+              </a:srgbClr>
+            </a:outerShdw>
+          </a:effectLst>
+          <a:scene3d>
+            <a:camera prst="orthographicFront"/>
+            <a:lightRig rig="threePt" dir="t"/>
+          </a:scene3d>
+          <a:sp3d contourW="3810">
+            <a:contourClr>
+              <a:srgbClr val="969696"/>
+            </a:contourClr>
+          </a:sp3d>
+        </p:spPr>
+        <p:txBody>
+          <a:bodyPr/>
+          <a:lstStyle>
+            <a:lvl1pPr marL="0" indent="0">
+              <a:buNone/>
+              <a:defRPr sz="1800"/>
+            </a:lvl1pPr>
+            <a:extLst/>
+          </a:lstStyle>
+          <a:p>
+            <a:r>
+              <a:rPr kumimoji="0" lang="pt-BR" smtClean="0"/>
+              <a:t>Clique no ícone para adicionar uma imagem</a:t>
+            </a:r>
+            <a:endParaRPr kumimoji="0" lang="en-US" dirty="0"/>
+          </a:p>
+        </p:txBody>
+      </p:sp>
     </p:spTree>
-    <p:extLst>
-      <p:ext uri="{BB962C8B-B14F-4D97-AF65-F5344CB8AC3E}">
-        <p14:creationId xmlns:p14="http://schemas.microsoft.com/office/powerpoint/2010/main" val="4089295927"/>
-      </p:ext>
-    </p:extLst>
   </p:cSld>
   <p:clrMapOvr>
-    <a:masterClrMapping/>
+    <a:overrideClrMapping bg1="dk1" tx1="lt1" bg2="dk2" tx2="lt2" accent1="accent1" accent2="accent2" accent3="accent3" accent4="accent4" accent5="accent5" accent6="accent6" hlink="hlink" folHlink="folHlink"/>
   </p:clrMapOvr>
 </p:sldLayout>
 </file>
@@ -2596,135 +2923,217 @@
       </p:grpSpPr>
       <p:sp>
         <p:nvSpPr>
-          <p:cNvPr id="2" name="Espaço Reservado para Título 1"/>
-          <p:cNvSpPr>
-            <a:spLocks noGrp="1"/>
-          </p:cNvSpPr>
-          <p:nvPr>
-            <p:ph type="title"/>
-          </p:nvPr>
+          <p:cNvPr id="9" name="Retângulo 8"/>
+          <p:cNvSpPr/>
+          <p:nvPr/>
         </p:nvSpPr>
         <p:spPr>
-          <a:xfrm>
-            <a:off x="180024" y="216277"/>
-            <a:ext cx="3240405" cy="900113"/>
+          <a:xfrm flipH="1">
+            <a:off x="3210401" y="0"/>
+            <a:ext cx="390049" cy="5400675"/>
           </a:xfrm>
           <a:prstGeom prst="rect">
             <a:avLst/>
           </a:prstGeom>
-        </p:spPr>
-        <p:txBody>
-          <a:bodyPr vert="horz" lIns="91440" tIns="45720" rIns="91440" bIns="45720" rtlCol="0" anchor="ctr">
-            <a:normAutofit/>
-          </a:bodyPr>
-          <a:lstStyle/>
-          <a:p>
-            <a:r>
-              <a:rPr lang="pt-BR" smtClean="0"/>
-              <a:t>Clique para editar o título mestre</a:t>
-            </a:r>
-            <a:endParaRPr lang="pt-BR"/>
-          </a:p>
-        </p:txBody>
-      </p:sp>
-      <p:sp>
-        <p:nvSpPr>
-          <p:cNvPr id="3" name="Espaço Reservado para Texto 2"/>
-          <p:cNvSpPr>
-            <a:spLocks noGrp="1"/>
-          </p:cNvSpPr>
-          <p:nvPr>
-            <p:ph type="body" idx="1"/>
+          <a:blipFill>
+            <a:blip r:embed="rId13">
+              <a:alphaModFix amt="43000"/>
+            </a:blip>
+            <a:tile tx="0" ty="0" sx="50000" sy="50000" flip="none" algn="tl"/>
+          </a:blipFill>
+          <a:ln w="0" cap="flat" cmpd="sng" algn="ctr">
+            <a:noFill/>
+            <a:prstDash val="solid"/>
+          </a:ln>
+          <a:effectLst>
+            <a:fillOverlay blend="mult">
+              <a:gradFill rotWithShape="1">
+                <a:gsLst>
+                  <a:gs pos="0">
+                    <a:schemeClr val="tx2">
+                      <a:tint val="62000"/>
+                      <a:satMod val="420000"/>
+                    </a:schemeClr>
+                  </a:gs>
+                  <a:gs pos="100000">
+                    <a:schemeClr val="tx2">
+                      <a:shade val="20000"/>
+                      <a:satMod val="170000"/>
+                    </a:schemeClr>
+                  </a:gs>
+                </a:gsLst>
+                <a:path path="circle">
+                  <a:fillToRect l="50000" t="110000" r="50000" b="-10000"/>
+                </a:path>
+                <a:tileRect/>
+              </a:gradFill>
+            </a:fillOverlay>
+            <a:innerShdw blurRad="63500" dist="44450" dir="10800000">
+              <a:srgbClr val="000000">
+                <a:alpha val="45000"/>
+              </a:srgbClr>
+            </a:innerShdw>
+          </a:effectLst>
+        </p:spPr>
+        <p:style>
+          <a:lnRef idx="3">
+            <a:schemeClr val="lt1"/>
+          </a:lnRef>
+          <a:fillRef idx="1">
+            <a:schemeClr val="accent1"/>
+          </a:fillRef>
+          <a:effectRef idx="1">
+            <a:schemeClr val="accent1"/>
+          </a:effectRef>
+          <a:fontRef idx="minor">
+            <a:schemeClr val="lt1"/>
+          </a:fontRef>
+        </p:style>
+        <p:txBody>
+          <a:bodyPr lIns="51435" tIns="25718" rIns="51435" bIns="25718" anchor="ctr"/>
+          <a:lstStyle>
+            <a:extLst/>
+          </a:lstStyle>
+          <a:p>
+            <a:pPr algn="ctr" eaLnBrk="1" latinLnBrk="0" hangingPunct="1"/>
+            <a:endParaRPr kumimoji="0" lang="en-US"/>
+          </a:p>
+        </p:txBody>
+      </p:sp>
+      <p:sp>
+        <p:nvSpPr>
+          <p:cNvPr id="3" name="Espaço Reservado para Título 2"/>
+          <p:cNvSpPr>
+            <a:spLocks noGrp="1"/>
+          </p:cNvSpPr>
+          <p:nvPr>
+            <p:ph type="title"/>
           </p:nvPr>
         </p:nvSpPr>
         <p:spPr>
           <a:xfrm>
-            <a:off x="180024" y="1260158"/>
-            <a:ext cx="3240405" cy="3564196"/>
+            <a:off x="180023" y="252031"/>
+            <a:ext cx="2850356" cy="900113"/>
           </a:xfrm>
           <a:prstGeom prst="rect">
             <a:avLst/>
           </a:prstGeom>
         </p:spPr>
         <p:txBody>
-          <a:bodyPr vert="horz" lIns="91440" tIns="45720" rIns="91440" bIns="45720" rtlCol="0">
+          <a:bodyPr vert="horz" lIns="25718" tIns="0" rIns="25718" bIns="0" anchor="b" anchorCtr="0">
             <a:normAutofit/>
           </a:bodyPr>
-          <a:lstStyle/>
-          <a:p>
-            <a:pPr lvl="0"/>
-            <a:r>
-              <a:rPr lang="pt-BR" smtClean="0"/>
-              <a:t>Clique para editar o texto mestre</a:t>
-            </a:r>
-          </a:p>
-          <a:p>
-            <a:pPr lvl="1"/>
-            <a:r>
-              <a:rPr lang="pt-BR" smtClean="0"/>
-              <a:t>Segundo nível</a:t>
-            </a:r>
-          </a:p>
-          <a:p>
-            <a:pPr lvl="2"/>
-            <a:r>
-              <a:rPr lang="pt-BR" smtClean="0"/>
-              <a:t>Terceiro nível</a:t>
-            </a:r>
-          </a:p>
-          <a:p>
-            <a:pPr lvl="3"/>
-            <a:r>
-              <a:rPr lang="pt-BR" smtClean="0"/>
-              <a:t>Quarto nível</a:t>
-            </a:r>
-          </a:p>
-          <a:p>
-            <a:pPr lvl="4"/>
-            <a:r>
-              <a:rPr lang="pt-BR" smtClean="0"/>
-              <a:t>Quinto nível</a:t>
-            </a:r>
-            <a:endParaRPr lang="pt-BR"/>
-          </a:p>
-        </p:txBody>
-      </p:sp>
-      <p:sp>
-        <p:nvSpPr>
-          <p:cNvPr id="4" name="Espaço Reservado para Data 3"/>
-          <p:cNvSpPr>
-            <a:spLocks noGrp="1"/>
-          </p:cNvSpPr>
-          <p:nvPr>
-            <p:ph type="dt" sz="half" idx="2"/>
+          <a:lstStyle>
+            <a:extLst/>
+          </a:lstStyle>
+          <a:p>
+            <a:r>
+              <a:rPr kumimoji="0" lang="pt-BR" smtClean="0"/>
+              <a:t>Clique para editar o título mestre</a:t>
+            </a:r>
+            <a:endParaRPr kumimoji="0" lang="en-US"/>
+          </a:p>
+        </p:txBody>
+      </p:sp>
+      <p:sp>
+        <p:nvSpPr>
+          <p:cNvPr id="31" name="Espaço Reservado para Texto 30"/>
+          <p:cNvSpPr>
+            <a:spLocks noGrp="1"/>
+          </p:cNvSpPr>
+          <p:nvPr>
+            <p:ph type="body" idx="1"/>
           </p:nvPr>
         </p:nvSpPr>
         <p:spPr>
           <a:xfrm>
-            <a:off x="180024" y="5005626"/>
-            <a:ext cx="840105" cy="287536"/>
+            <a:off x="180023" y="1267415"/>
+            <a:ext cx="2850356" cy="3816477"/>
           </a:xfrm>
           <a:prstGeom prst="rect">
             <a:avLst/>
           </a:prstGeom>
         </p:spPr>
         <p:txBody>
-          <a:bodyPr vert="horz" lIns="91440" tIns="45720" rIns="91440" bIns="45720" rtlCol="0" anchor="ctr"/>
-          <a:lstStyle>
-            <a:lvl1pPr algn="l">
-              <a:defRPr sz="1200">
+          <a:bodyPr vert="horz" lIns="51435" tIns="25718" rIns="51435" bIns="25718">
+            <a:normAutofit/>
+          </a:bodyPr>
+          <a:lstStyle>
+            <a:extLst/>
+          </a:lstStyle>
+          <a:p>
+            <a:pPr lvl="0" eaLnBrk="1" latinLnBrk="0" hangingPunct="1"/>
+            <a:r>
+              <a:rPr kumimoji="0" lang="pt-BR" smtClean="0"/>
+              <a:t>Clique para editar o texto mestre</a:t>
+            </a:r>
+          </a:p>
+          <a:p>
+            <a:pPr lvl="1" eaLnBrk="1" latinLnBrk="0" hangingPunct="1"/>
+            <a:r>
+              <a:rPr kumimoji="0" lang="pt-BR" smtClean="0"/>
+              <a:t>Segundo nível</a:t>
+            </a:r>
+          </a:p>
+          <a:p>
+            <a:pPr lvl="2" eaLnBrk="1" latinLnBrk="0" hangingPunct="1"/>
+            <a:r>
+              <a:rPr kumimoji="0" lang="pt-BR" smtClean="0"/>
+              <a:t>Terceiro nível</a:t>
+            </a:r>
+          </a:p>
+          <a:p>
+            <a:pPr lvl="3" eaLnBrk="1" latinLnBrk="0" hangingPunct="1"/>
+            <a:r>
+              <a:rPr kumimoji="0" lang="pt-BR" smtClean="0"/>
+              <a:t>Quarto nível</a:t>
+            </a:r>
+          </a:p>
+          <a:p>
+            <a:pPr lvl="4" eaLnBrk="1" latinLnBrk="0" hangingPunct="1"/>
+            <a:r>
+              <a:rPr kumimoji="0" lang="pt-BR" smtClean="0"/>
+              <a:t>Quinto nível</a:t>
+            </a:r>
+            <a:endParaRPr kumimoji="0" lang="en-US"/>
+          </a:p>
+        </p:txBody>
+      </p:sp>
+      <p:sp>
+        <p:nvSpPr>
+          <p:cNvPr id="27" name="Espaço Reservado para Data 26"/>
+          <p:cNvSpPr>
+            <a:spLocks noGrp="1"/>
+          </p:cNvSpPr>
+          <p:nvPr>
+            <p:ph type="dt" sz="half" idx="2"/>
+          </p:nvPr>
+        </p:nvSpPr>
+        <p:spPr>
+          <a:xfrm>
+            <a:off x="1671837" y="5164383"/>
+            <a:ext cx="788470" cy="178685"/>
+          </a:xfrm>
+          <a:prstGeom prst="rect">
+            <a:avLst/>
+          </a:prstGeom>
+        </p:spPr>
+        <p:txBody>
+          <a:bodyPr vert="horz" lIns="51435" tIns="0" rIns="51435" bIns="0" anchor="b"/>
+          <a:lstStyle>
+            <a:lvl1pPr algn="l" eaLnBrk="1" latinLnBrk="0" hangingPunct="1">
+              <a:defRPr kumimoji="0" sz="600">
                 <a:solidFill>
-                  <a:schemeClr val="tx1">
-                    <a:tint val="75000"/>
-                  </a:schemeClr>
+                  <a:schemeClr val="tx2"/>
                 </a:solidFill>
               </a:defRPr>
             </a:lvl1pPr>
+            <a:extLst/>
           </a:lstStyle>
           <a:p>
             <a:fld id="{28DDA2A5-9842-478B-990D-EABDCF56FD75}" type="datetimeFigureOut">
               <a:rPr lang="pt-BR" smtClean="0"/>
-              <a:t>19/09/2022</a:t>
+              <a:t>20/09/2022</a:t>
             </a:fld>
             <a:endParaRPr lang="pt-BR"/>
           </a:p>
@@ -2732,7 +3141,7 @@
       </p:sp>
       <p:sp>
         <p:nvSpPr>
-          <p:cNvPr id="5" name="Espaço Reservado para Rodapé 4"/>
+          <p:cNvPr id="4" name="Espaço Reservado para Rodapé 3"/>
           <p:cNvSpPr>
             <a:spLocks noGrp="1"/>
           </p:cNvSpPr>
@@ -2742,25 +3151,24 @@
         </p:nvSpPr>
         <p:spPr>
           <a:xfrm>
-            <a:off x="1230155" y="5005626"/>
-            <a:ext cx="1140143" cy="287536"/>
+            <a:off x="180023" y="5164382"/>
+            <a:ext cx="1440180" cy="180023"/>
           </a:xfrm>
           <a:prstGeom prst="rect">
             <a:avLst/>
           </a:prstGeom>
         </p:spPr>
         <p:txBody>
-          <a:bodyPr vert="horz" lIns="91440" tIns="45720" rIns="91440" bIns="45720" rtlCol="0" anchor="ctr"/>
-          <a:lstStyle>
-            <a:lvl1pPr algn="ctr">
-              <a:defRPr sz="1200">
+          <a:bodyPr vert="horz" lIns="51435" tIns="0" rIns="51435" bIns="0" anchor="b"/>
+          <a:lstStyle>
+            <a:lvl1pPr algn="r" eaLnBrk="1" latinLnBrk="0" hangingPunct="1">
+              <a:defRPr kumimoji="0" sz="600">
                 <a:solidFill>
-                  <a:schemeClr val="tx1">
-                    <a:tint val="75000"/>
-                  </a:schemeClr>
+                  <a:schemeClr val="tx2"/>
                 </a:solidFill>
               </a:defRPr>
             </a:lvl1pPr>
+            <a:extLst/>
           </a:lstStyle>
           <a:p>
             <a:endParaRPr lang="pt-BR"/>
@@ -2769,7 +3177,7 @@
       </p:sp>
       <p:sp>
         <p:nvSpPr>
-          <p:cNvPr id="6" name="Espaço Reservado para Número de Slide 5"/>
+          <p:cNvPr id="16" name="Espaço Reservado para Número de Slide 15"/>
           <p:cNvSpPr>
             <a:spLocks noGrp="1"/>
           </p:cNvSpPr>
@@ -2779,25 +3187,24 @@
         </p:nvSpPr>
         <p:spPr>
           <a:xfrm>
-            <a:off x="2580324" y="5005626"/>
-            <a:ext cx="840105" cy="287536"/>
+            <a:off x="2461508" y="5163045"/>
+            <a:ext cx="231657" cy="180023"/>
           </a:xfrm>
           <a:prstGeom prst="rect">
             <a:avLst/>
           </a:prstGeom>
         </p:spPr>
         <p:txBody>
-          <a:bodyPr vert="horz" lIns="91440" tIns="45720" rIns="91440" bIns="45720" rtlCol="0" anchor="ctr"/>
-          <a:lstStyle>
-            <a:lvl1pPr algn="r">
-              <a:defRPr sz="1200">
+          <a:bodyPr vert="horz" lIns="0" tIns="0" rIns="0" bIns="0" anchor="b"/>
+          <a:lstStyle>
+            <a:lvl1pPr algn="r" eaLnBrk="1" latinLnBrk="0" hangingPunct="1">
+              <a:defRPr kumimoji="0" sz="600">
                 <a:solidFill>
-                  <a:schemeClr val="tx1">
-                    <a:tint val="75000"/>
-                  </a:schemeClr>
+                  <a:schemeClr val="tx2"/>
                 </a:solidFill>
               </a:defRPr>
             </a:lvl1pPr>
+            <a:extLst/>
           </a:lstStyle>
           <a:p>
             <a:fld id="{73ABE9DD-B776-4007-8557-F52603E8E1F3}" type="slidenum">
@@ -2809,51 +3216,87 @@
         </p:txBody>
       </p:sp>
     </p:spTree>
-    <p:extLst>
-      <p:ext uri="{BB962C8B-B14F-4D97-AF65-F5344CB8AC3E}">
-        <p14:creationId xmlns:p14="http://schemas.microsoft.com/office/powerpoint/2010/main" val="470632354"/>
-      </p:ext>
-    </p:extLst>
   </p:cSld>
   <p:clrMap bg1="lt1" tx1="dk1" bg2="lt2" tx2="dk2" accent1="accent1" accent2="accent2" accent3="accent3" accent4="accent4" accent5="accent5" accent6="accent6" hlink="hlink" folHlink="folHlink"/>
   <p:sldLayoutIdLst>
-    <p:sldLayoutId id="2147483649" r:id="rId1"/>
-    <p:sldLayoutId id="2147483650" r:id="rId2"/>
-    <p:sldLayoutId id="2147483651" r:id="rId3"/>
-    <p:sldLayoutId id="2147483652" r:id="rId4"/>
-    <p:sldLayoutId id="2147483653" r:id="rId5"/>
-    <p:sldLayoutId id="2147483654" r:id="rId6"/>
-    <p:sldLayoutId id="2147483655" r:id="rId7"/>
-    <p:sldLayoutId id="2147483656" r:id="rId8"/>
-    <p:sldLayoutId id="2147483657" r:id="rId9"/>
-    <p:sldLayoutId id="2147483658" r:id="rId10"/>
-    <p:sldLayoutId id="2147483659" r:id="rId11"/>
+    <p:sldLayoutId id="2147483661" r:id="rId1"/>
+    <p:sldLayoutId id="2147483662" r:id="rId2"/>
+    <p:sldLayoutId id="2147483663" r:id="rId3"/>
+    <p:sldLayoutId id="2147483664" r:id="rId4"/>
+    <p:sldLayoutId id="2147483665" r:id="rId5"/>
+    <p:sldLayoutId id="2147483666" r:id="rId6"/>
+    <p:sldLayoutId id="2147483667" r:id="rId7"/>
+    <p:sldLayoutId id="2147483668" r:id="rId8"/>
+    <p:sldLayoutId id="2147483669" r:id="rId9"/>
+    <p:sldLayoutId id="2147483670" r:id="rId10"/>
+    <p:sldLayoutId id="2147483671" r:id="rId11"/>
   </p:sldLayoutIdLst>
   <p:txStyles>
     <p:titleStyle>
-      <a:lvl1pPr algn="ctr" defTabSz="914400" rtl="0" eaLnBrk="1" latinLnBrk="0" hangingPunct="1">
+      <a:lvl1pPr algn="l" rtl="0" eaLnBrk="1" latinLnBrk="0" hangingPunct="1">
         <a:spcBef>
           <a:spcPct val="0"/>
         </a:spcBef>
         <a:buNone/>
-        <a:defRPr sz="4400" kern="1200">
-          <a:solidFill>
-            <a:schemeClr val="tx1"/>
-          </a:solidFill>
+        <a:defRPr kumimoji="0" sz="2100" b="1" kern="1200" cap="all" baseline="0">
+          <a:ln w="500">
+            <a:solidFill>
+              <a:schemeClr val="tx2">
+                <a:shade val="20000"/>
+                <a:satMod val="120000"/>
+              </a:schemeClr>
+            </a:solidFill>
+          </a:ln>
+          <a:gradFill>
+            <a:gsLst>
+              <a:gs pos="0">
+                <a:schemeClr val="accent4">
+                  <a:tint val="13000"/>
+                </a:schemeClr>
+              </a:gs>
+              <a:gs pos="10000">
+                <a:schemeClr val="accent4">
+                  <a:tint val="20000"/>
+                </a:schemeClr>
+              </a:gs>
+              <a:gs pos="49000">
+                <a:schemeClr val="accent4">
+                  <a:tint val="70000"/>
+                </a:schemeClr>
+              </a:gs>
+              <a:gs pos="50000">
+                <a:schemeClr val="accent4">
+                  <a:tint val="97000"/>
+                </a:schemeClr>
+              </a:gs>
+              <a:gs pos="100000">
+                <a:schemeClr val="accent4">
+                  <a:tint val="20000"/>
+                </a:schemeClr>
+              </a:gs>
+            </a:gsLst>
+            <a:lin ang="5400000" scaled="1"/>
+          </a:gradFill>
+          <a:effectLst/>
           <a:latin typeface="+mj-lt"/>
           <a:ea typeface="+mj-ea"/>
           <a:cs typeface="+mj-cs"/>
         </a:defRPr>
       </a:lvl1pPr>
+      <a:extLst/>
     </p:titleStyle>
     <p:bodyStyle>
-      <a:lvl1pPr marL="342900" indent="-342900" algn="l" defTabSz="914400" rtl="0" eaLnBrk="1" latinLnBrk="0" hangingPunct="1">
+      <a:lvl1pPr marL="154305" indent="-154305" algn="l" rtl="0" eaLnBrk="1" latinLnBrk="0" hangingPunct="1">
         <a:spcBef>
-          <a:spcPct val="20000"/>
+          <a:spcPts val="338"/>
         </a:spcBef>
-        <a:buFont typeface="Arial" pitchFamily="34" charset="0"/>
-        <a:buChar char="•"/>
-        <a:defRPr sz="3200" kern="1200">
+        <a:buClr>
+          <a:schemeClr val="tx2"/>
+        </a:buClr>
+        <a:buSzPct val="73000"/>
+        <a:buFont typeface="Wingdings 2"/>
+        <a:buChar char=""/>
+        <a:defRPr kumimoji="0" sz="1500" kern="1200" baseline="0">
           <a:solidFill>
             <a:schemeClr val="tx1"/>
           </a:solidFill>
@@ -2862,13 +3305,180 @@
           <a:cs typeface="+mn-cs"/>
         </a:defRPr>
       </a:lvl1pPr>
-      <a:lvl2pPr marL="742950" indent="-285750" algn="l" defTabSz="914400" rtl="0" eaLnBrk="1" latinLnBrk="0" hangingPunct="1">
+      <a:lvl2pPr marL="293180" indent="-128588" algn="l" rtl="0" eaLnBrk="1" latinLnBrk="0" hangingPunct="1">
+        <a:spcBef>
+          <a:spcPts val="281"/>
+        </a:spcBef>
+        <a:buClr>
+          <a:schemeClr val="accent4"/>
+        </a:buClr>
+        <a:buSzPct val="80000"/>
+        <a:buFont typeface="Wingdings 2"/>
+        <a:buChar char=""/>
+        <a:defRPr kumimoji="0" sz="1300" kern="1200">
+          <a:solidFill>
+            <a:schemeClr val="tx1">
+              <a:tint val="85000"/>
+            </a:schemeClr>
+          </a:solidFill>
+          <a:latin typeface="+mn-lt"/>
+          <a:ea typeface="+mn-ea"/>
+          <a:cs typeface="+mn-cs"/>
+        </a:defRPr>
+      </a:lvl2pPr>
+      <a:lvl3pPr marL="426911" indent="-128588" algn="l" rtl="0" eaLnBrk="1" latinLnBrk="0" hangingPunct="1">
+        <a:spcBef>
+          <a:spcPts val="225"/>
+        </a:spcBef>
+        <a:buClr>
+          <a:schemeClr val="accent4"/>
+        </a:buClr>
+        <a:buSzPct val="60000"/>
+        <a:buFont typeface="Wingdings"/>
+        <a:buChar char=""/>
+        <a:defRPr kumimoji="0" sz="1100" kern="1200">
+          <a:solidFill>
+            <a:schemeClr val="tx1"/>
+          </a:solidFill>
+          <a:latin typeface="+mn-lt"/>
+          <a:ea typeface="+mn-ea"/>
+          <a:cs typeface="+mn-cs"/>
+        </a:defRPr>
+      </a:lvl3pPr>
+      <a:lvl4pPr marL="565785" indent="-128588" algn="l" rtl="0" eaLnBrk="1" latinLnBrk="0" hangingPunct="1">
         <a:spcBef>
           <a:spcPct val="20000"/>
         </a:spcBef>
-        <a:buFont typeface="Arial" pitchFamily="34" charset="0"/>
-        <a:buChar char="–"/>
-        <a:defRPr sz="2800" kern="1200">
+        <a:buClr>
+          <a:schemeClr val="accent4"/>
+        </a:buClr>
+        <a:buSzPct val="80000"/>
+        <a:buFont typeface="Wingdings 2"/>
+        <a:buChar char=""/>
+        <a:defRPr kumimoji="0" sz="1100" kern="1200">
+          <a:solidFill>
+            <a:schemeClr val="tx1">
+              <a:tint val="85000"/>
+            </a:schemeClr>
+          </a:solidFill>
+          <a:latin typeface="+mn-lt"/>
+          <a:ea typeface="+mn-ea"/>
+          <a:cs typeface="+mn-cs"/>
+        </a:defRPr>
+      </a:lvl4pPr>
+      <a:lvl5pPr marL="720090" indent="-128588" algn="l" rtl="0" eaLnBrk="1" latinLnBrk="0" hangingPunct="1">
+        <a:spcBef>
+          <a:spcPts val="225"/>
+        </a:spcBef>
+        <a:buClr>
+          <a:schemeClr val="accent4"/>
+        </a:buClr>
+        <a:buSzPct val="70000"/>
+        <a:buFont typeface="Wingdings"/>
+        <a:buChar char=""/>
+        <a:defRPr kumimoji="0" sz="1000" kern="1200">
+          <a:solidFill>
+            <a:schemeClr val="tx1"/>
+          </a:solidFill>
+          <a:latin typeface="+mn-lt"/>
+          <a:ea typeface="+mn-ea"/>
+          <a:cs typeface="+mn-cs"/>
+        </a:defRPr>
+      </a:lvl5pPr>
+      <a:lvl6pPr marL="828104" indent="-102870" algn="l" rtl="0" eaLnBrk="1" latinLnBrk="0" hangingPunct="1">
+        <a:spcBef>
+          <a:spcPts val="225"/>
+        </a:spcBef>
+        <a:buClr>
+          <a:schemeClr val="accent4"/>
+        </a:buClr>
+        <a:buSzPct val="80000"/>
+        <a:buFont typeface="Wingdings 2"/>
+        <a:buChar char=""/>
+        <a:defRPr kumimoji="0" sz="1000" kern="1200">
+          <a:solidFill>
+            <a:schemeClr val="tx1">
+              <a:tint val="85000"/>
+            </a:schemeClr>
+          </a:solidFill>
+          <a:latin typeface="+mn-lt"/>
+          <a:ea typeface="+mn-ea"/>
+          <a:cs typeface="+mn-cs"/>
+        </a:defRPr>
+      </a:lvl6pPr>
+      <a:lvl7pPr marL="941261" indent="-102870" algn="l" rtl="0" eaLnBrk="1" latinLnBrk="0" hangingPunct="1">
+        <a:spcBef>
+          <a:spcPct val="20000"/>
+        </a:spcBef>
+        <a:buClr>
+          <a:schemeClr val="accent4"/>
+        </a:buClr>
+        <a:buSzPct val="80000"/>
+        <a:buFont typeface="Wingdings 2"/>
+        <a:buChar char=""/>
+        <a:defRPr kumimoji="0" sz="900" kern="1200" baseline="0">
+          <a:solidFill>
+            <a:schemeClr val="tx1"/>
+          </a:solidFill>
+          <a:latin typeface="+mn-lt"/>
+          <a:ea typeface="+mn-ea"/>
+          <a:cs typeface="+mn-cs"/>
+        </a:defRPr>
+      </a:lvl7pPr>
+      <a:lvl8pPr marL="1038987" indent="-102870" algn="l" rtl="0" eaLnBrk="1" latinLnBrk="0" hangingPunct="1">
+        <a:spcBef>
+          <a:spcPts val="169"/>
+        </a:spcBef>
+        <a:buClr>
+          <a:schemeClr val="accent4"/>
+        </a:buClr>
+        <a:buSzPct val="100000"/>
+        <a:buChar char="•"/>
+        <a:defRPr kumimoji="0" sz="900" kern="1200" baseline="0">
+          <a:solidFill>
+            <a:schemeClr val="tx1">
+              <a:tint val="85000"/>
+            </a:schemeClr>
+          </a:solidFill>
+          <a:latin typeface="+mn-lt"/>
+          <a:ea typeface="+mn-ea"/>
+          <a:cs typeface="+mn-cs"/>
+        </a:defRPr>
+      </a:lvl8pPr>
+      <a:lvl9pPr marL="1157288" indent="-102870" algn="l" rtl="0" eaLnBrk="1" latinLnBrk="0" hangingPunct="1">
+        <a:spcBef>
+          <a:spcPct val="20000"/>
+        </a:spcBef>
+        <a:buClr>
+          <a:schemeClr val="accent4"/>
+        </a:buClr>
+        <a:buSzPct val="100000"/>
+        <a:buFont typeface="Wingdings"/>
+        <a:buChar char="§"/>
+        <a:defRPr kumimoji="0" sz="800" kern="1200" baseline="0">
+          <a:solidFill>
+            <a:schemeClr val="tx1"/>
+          </a:solidFill>
+          <a:latin typeface="+mn-lt"/>
+          <a:ea typeface="+mn-ea"/>
+          <a:cs typeface="+mn-cs"/>
+        </a:defRPr>
+      </a:lvl9pPr>
+      <a:extLst/>
+    </p:bodyStyle>
+    <p:otherStyle>
+      <a:lvl1pPr marL="0" algn="l" rtl="0" eaLnBrk="1" latinLnBrk="0" hangingPunct="1">
+        <a:defRPr kumimoji="0" kern="1200">
+          <a:solidFill>
+            <a:schemeClr val="tx1"/>
+          </a:solidFill>
+          <a:latin typeface="+mn-lt"/>
+          <a:ea typeface="+mn-ea"/>
+          <a:cs typeface="+mn-cs"/>
+        </a:defRPr>
+      </a:lvl1pPr>
+      <a:lvl2pPr marL="257175" algn="l" rtl="0" eaLnBrk="1" latinLnBrk="0" hangingPunct="1">
+        <a:defRPr kumimoji="0" kern="1200">
           <a:solidFill>
             <a:schemeClr val="tx1"/>
           </a:solidFill>
@@ -2877,13 +3487,8 @@
           <a:cs typeface="+mn-cs"/>
         </a:defRPr>
       </a:lvl2pPr>
-      <a:lvl3pPr marL="1143000" indent="-228600" algn="l" defTabSz="914400" rtl="0" eaLnBrk="1" latinLnBrk="0" hangingPunct="1">
-        <a:spcBef>
-          <a:spcPct val="20000"/>
-        </a:spcBef>
-        <a:buFont typeface="Arial" pitchFamily="34" charset="0"/>
-        <a:buChar char="•"/>
-        <a:defRPr sz="2400" kern="1200">
+      <a:lvl3pPr marL="514350" algn="l" rtl="0" eaLnBrk="1" latinLnBrk="0" hangingPunct="1">
+        <a:defRPr kumimoji="0" kern="1200">
           <a:solidFill>
             <a:schemeClr val="tx1"/>
           </a:solidFill>
@@ -2892,13 +3497,8 @@
           <a:cs typeface="+mn-cs"/>
         </a:defRPr>
       </a:lvl3pPr>
-      <a:lvl4pPr marL="1600200" indent="-228600" algn="l" defTabSz="914400" rtl="0" eaLnBrk="1" latinLnBrk="0" hangingPunct="1">
-        <a:spcBef>
-          <a:spcPct val="20000"/>
-        </a:spcBef>
-        <a:buFont typeface="Arial" pitchFamily="34" charset="0"/>
-        <a:buChar char="–"/>
-        <a:defRPr sz="2000" kern="1200">
+      <a:lvl4pPr marL="771525" algn="l" rtl="0" eaLnBrk="1" latinLnBrk="0" hangingPunct="1">
+        <a:defRPr kumimoji="0" kern="1200">
           <a:solidFill>
             <a:schemeClr val="tx1"/>
           </a:solidFill>
@@ -2907,13 +3507,8 @@
           <a:cs typeface="+mn-cs"/>
         </a:defRPr>
       </a:lvl4pPr>
-      <a:lvl5pPr marL="2057400" indent="-228600" algn="l" defTabSz="914400" rtl="0" eaLnBrk="1" latinLnBrk="0" hangingPunct="1">
-        <a:spcBef>
-          <a:spcPct val="20000"/>
-        </a:spcBef>
-        <a:buFont typeface="Arial" pitchFamily="34" charset="0"/>
-        <a:buChar char="»"/>
-        <a:defRPr sz="2000" kern="1200">
+      <a:lvl5pPr marL="1028700" algn="l" rtl="0" eaLnBrk="1" latinLnBrk="0" hangingPunct="1">
+        <a:defRPr kumimoji="0" kern="1200">
           <a:solidFill>
             <a:schemeClr val="tx1"/>
           </a:solidFill>
@@ -2922,13 +3517,8 @@
           <a:cs typeface="+mn-cs"/>
         </a:defRPr>
       </a:lvl5pPr>
-      <a:lvl6pPr marL="2514600" indent="-228600" algn="l" defTabSz="914400" rtl="0" eaLnBrk="1" latinLnBrk="0" hangingPunct="1">
-        <a:spcBef>
-          <a:spcPct val="20000"/>
-        </a:spcBef>
-        <a:buFont typeface="Arial" pitchFamily="34" charset="0"/>
-        <a:buChar char="•"/>
-        <a:defRPr sz="2000" kern="1200">
+      <a:lvl6pPr marL="1285875" algn="l" rtl="0" eaLnBrk="1" latinLnBrk="0" hangingPunct="1">
+        <a:defRPr kumimoji="0" kern="1200">
           <a:solidFill>
             <a:schemeClr val="tx1"/>
           </a:solidFill>
@@ -2937,13 +3527,8 @@
           <a:cs typeface="+mn-cs"/>
         </a:defRPr>
       </a:lvl6pPr>
-      <a:lvl7pPr marL="2971800" indent="-228600" algn="l" defTabSz="914400" rtl="0" eaLnBrk="1" latinLnBrk="0" hangingPunct="1">
-        <a:spcBef>
-          <a:spcPct val="20000"/>
-        </a:spcBef>
-        <a:buFont typeface="Arial" pitchFamily="34" charset="0"/>
-        <a:buChar char="•"/>
-        <a:defRPr sz="2000" kern="1200">
+      <a:lvl7pPr marL="1543050" algn="l" rtl="0" eaLnBrk="1" latinLnBrk="0" hangingPunct="1">
+        <a:defRPr kumimoji="0" kern="1200">
           <a:solidFill>
             <a:schemeClr val="tx1"/>
           </a:solidFill>
@@ -2952,13 +3537,8 @@
           <a:cs typeface="+mn-cs"/>
         </a:defRPr>
       </a:lvl7pPr>
-      <a:lvl8pPr marL="3429000" indent="-228600" algn="l" defTabSz="914400" rtl="0" eaLnBrk="1" latinLnBrk="0" hangingPunct="1">
-        <a:spcBef>
-          <a:spcPct val="20000"/>
-        </a:spcBef>
-        <a:buFont typeface="Arial" pitchFamily="34" charset="0"/>
-        <a:buChar char="•"/>
-        <a:defRPr sz="2000" kern="1200">
+      <a:lvl8pPr marL="1800225" algn="l" rtl="0" eaLnBrk="1" latinLnBrk="0" hangingPunct="1">
+        <a:defRPr kumimoji="0" kern="1200">
           <a:solidFill>
             <a:schemeClr val="tx1"/>
           </a:solidFill>
@@ -2967,13 +3547,8 @@
           <a:cs typeface="+mn-cs"/>
         </a:defRPr>
       </a:lvl8pPr>
-      <a:lvl9pPr marL="3886200" indent="-228600" algn="l" defTabSz="914400" rtl="0" eaLnBrk="1" latinLnBrk="0" hangingPunct="1">
-        <a:spcBef>
-          <a:spcPct val="20000"/>
-        </a:spcBef>
-        <a:buFont typeface="Arial" pitchFamily="34" charset="0"/>
-        <a:buChar char="•"/>
-        <a:defRPr sz="2000" kern="1200">
+      <a:lvl9pPr marL="2057400" algn="l" rtl="0" eaLnBrk="1" latinLnBrk="0" hangingPunct="1">
+        <a:defRPr kumimoji="0" kern="1200">
           <a:solidFill>
             <a:schemeClr val="tx1"/>
           </a:solidFill>
@@ -2982,101 +3557,7 @@
           <a:cs typeface="+mn-cs"/>
         </a:defRPr>
       </a:lvl9pPr>
-    </p:bodyStyle>
-    <p:otherStyle>
-      <a:defPPr>
-        <a:defRPr lang="pt-BR"/>
-      </a:defPPr>
-      <a:lvl1pPr marL="0" algn="l" defTabSz="914400" rtl="0" eaLnBrk="1" latinLnBrk="0" hangingPunct="1">
-        <a:defRPr sz="1800" kern="1200">
-          <a:solidFill>
-            <a:schemeClr val="tx1"/>
-          </a:solidFill>
-          <a:latin typeface="+mn-lt"/>
-          <a:ea typeface="+mn-ea"/>
-          <a:cs typeface="+mn-cs"/>
-        </a:defRPr>
-      </a:lvl1pPr>
-      <a:lvl2pPr marL="457200" algn="l" defTabSz="914400" rtl="0" eaLnBrk="1" latinLnBrk="0" hangingPunct="1">
-        <a:defRPr sz="1800" kern="1200">
-          <a:solidFill>
-            <a:schemeClr val="tx1"/>
-          </a:solidFill>
-          <a:latin typeface="+mn-lt"/>
-          <a:ea typeface="+mn-ea"/>
-          <a:cs typeface="+mn-cs"/>
-        </a:defRPr>
-      </a:lvl2pPr>
-      <a:lvl3pPr marL="914400" algn="l" defTabSz="914400" rtl="0" eaLnBrk="1" latinLnBrk="0" hangingPunct="1">
-        <a:defRPr sz="1800" kern="1200">
-          <a:solidFill>
-            <a:schemeClr val="tx1"/>
-          </a:solidFill>
-          <a:latin typeface="+mn-lt"/>
-          <a:ea typeface="+mn-ea"/>
-          <a:cs typeface="+mn-cs"/>
-        </a:defRPr>
-      </a:lvl3pPr>
-      <a:lvl4pPr marL="1371600" algn="l" defTabSz="914400" rtl="0" eaLnBrk="1" latinLnBrk="0" hangingPunct="1">
-        <a:defRPr sz="1800" kern="1200">
-          <a:solidFill>
-            <a:schemeClr val="tx1"/>
-          </a:solidFill>
-          <a:latin typeface="+mn-lt"/>
-          <a:ea typeface="+mn-ea"/>
-          <a:cs typeface="+mn-cs"/>
-        </a:defRPr>
-      </a:lvl4pPr>
-      <a:lvl5pPr marL="1828800" algn="l" defTabSz="914400" rtl="0" eaLnBrk="1" latinLnBrk="0" hangingPunct="1">
-        <a:defRPr sz="1800" kern="1200">
-          <a:solidFill>
-            <a:schemeClr val="tx1"/>
-          </a:solidFill>
-          <a:latin typeface="+mn-lt"/>
-          <a:ea typeface="+mn-ea"/>
-          <a:cs typeface="+mn-cs"/>
-        </a:defRPr>
-      </a:lvl5pPr>
-      <a:lvl6pPr marL="2286000" algn="l" defTabSz="914400" rtl="0" eaLnBrk="1" latinLnBrk="0" hangingPunct="1">
-        <a:defRPr sz="1800" kern="1200">
-          <a:solidFill>
-            <a:schemeClr val="tx1"/>
-          </a:solidFill>
-          <a:latin typeface="+mn-lt"/>
-          <a:ea typeface="+mn-ea"/>
-          <a:cs typeface="+mn-cs"/>
-        </a:defRPr>
-      </a:lvl6pPr>
-      <a:lvl7pPr marL="2743200" algn="l" defTabSz="914400" rtl="0" eaLnBrk="1" latinLnBrk="0" hangingPunct="1">
-        <a:defRPr sz="1800" kern="1200">
-          <a:solidFill>
-            <a:schemeClr val="tx1"/>
-          </a:solidFill>
-          <a:latin typeface="+mn-lt"/>
-          <a:ea typeface="+mn-ea"/>
-          <a:cs typeface="+mn-cs"/>
-        </a:defRPr>
-      </a:lvl7pPr>
-      <a:lvl8pPr marL="3200400" algn="l" defTabSz="914400" rtl="0" eaLnBrk="1" latinLnBrk="0" hangingPunct="1">
-        <a:defRPr sz="1800" kern="1200">
-          <a:solidFill>
-            <a:schemeClr val="tx1"/>
-          </a:solidFill>
-          <a:latin typeface="+mn-lt"/>
-          <a:ea typeface="+mn-ea"/>
-          <a:cs typeface="+mn-cs"/>
-        </a:defRPr>
-      </a:lvl8pPr>
-      <a:lvl9pPr marL="3657600" algn="l" defTabSz="914400" rtl="0" eaLnBrk="1" latinLnBrk="0" hangingPunct="1">
-        <a:defRPr sz="1800" kern="1200">
-          <a:solidFill>
-            <a:schemeClr val="tx1"/>
-          </a:solidFill>
-          <a:latin typeface="+mn-lt"/>
-          <a:ea typeface="+mn-ea"/>
-          <a:cs typeface="+mn-cs"/>
-        </a:defRPr>
-      </a:lvl9pPr>
+      <a:extLst/>
     </p:otherStyle>
   </p:txStyles>
 </p:sldMaster>
@@ -3165,6 +3646,579 @@
     <p:extLst>
       <p:ext uri="{BB962C8B-B14F-4D97-AF65-F5344CB8AC3E}">
         <p14:creationId xmlns:p14="http://schemas.microsoft.com/office/powerpoint/2010/main" val="894794221"/>
+      </p:ext>
+    </p:extLst>
+  </p:cSld>
+  <p:clrMapOvr>
+    <a:masterClrMapping/>
+  </p:clrMapOvr>
+</p:sld>
+</file>
+
+<file path=ppt/slides/slide10.xml><?xml version="1.0" encoding="utf-8"?>
+<p:sld xmlns:a="http://schemas.openxmlformats.org/drawingml/2006/main" xmlns:r="http://schemas.openxmlformats.org/officeDocument/2006/relationships" xmlns:p="http://schemas.openxmlformats.org/presentationml/2006/main">
+  <p:cSld>
+    <p:spTree>
+      <p:nvGrpSpPr>
+        <p:cNvPr id="1" name=""/>
+        <p:cNvGrpSpPr/>
+        <p:nvPr/>
+      </p:nvGrpSpPr>
+      <p:grpSpPr>
+        <a:xfrm>
+          <a:off x="0" y="0"/>
+          <a:ext cx="0" cy="0"/>
+          <a:chOff x="0" y="0"/>
+          <a:chExt cx="0" cy="0"/>
+        </a:xfrm>
+      </p:grpSpPr>
+      <p:pic>
+        <p:nvPicPr>
+          <p:cNvPr id="2" name="Imagem 1"/>
+          <p:cNvPicPr>
+            <a:picLocks noChangeAspect="1"/>
+          </p:cNvPicPr>
+          <p:nvPr/>
+        </p:nvPicPr>
+        <p:blipFill>
+          <a:blip r:embed="rId2" cstate="print">
+            <a:extLst>
+              <a:ext uri="{28A0092B-C50C-407E-A947-70E740481C1C}">
+                <a14:useLocalDpi xmlns:a14="http://schemas.microsoft.com/office/drawing/2010/main" val="0"/>
+              </a:ext>
+            </a:extLst>
+          </a:blip>
+          <a:stretch>
+            <a:fillRect/>
+          </a:stretch>
+        </p:blipFill>
+        <p:spPr>
+          <a:xfrm>
+            <a:off x="-11807" y="1523252"/>
+            <a:ext cx="3600450" cy="3913389"/>
+          </a:xfrm>
+          <a:prstGeom prst="rect">
+            <a:avLst/>
+          </a:prstGeom>
+        </p:spPr>
+      </p:pic>
+      <p:sp>
+        <p:nvSpPr>
+          <p:cNvPr id="4" name="Retângulo 3"/>
+          <p:cNvSpPr/>
+          <p:nvPr/>
+        </p:nvSpPr>
+        <p:spPr>
+          <a:xfrm>
+            <a:off x="176470" y="297280"/>
+            <a:ext cx="2986394" cy="830997"/>
+          </a:xfrm>
+          <a:prstGeom prst="rect">
+            <a:avLst/>
+          </a:prstGeom>
+          <a:noFill/>
+        </p:spPr>
+        <p:txBody>
+          <a:bodyPr wrap="none" lIns="91440" tIns="45720" rIns="91440" bIns="45720">
+            <a:spAutoFit/>
+          </a:bodyPr>
+          <a:lstStyle/>
+          <a:p>
+            <a:pPr algn="ctr"/>
+            <a:r>
+              <a:rPr lang="pt-BR" sz="2400" b="1" dirty="0" smtClean="0">
+                <a:ln w="10541" cmpd="sng">
+                  <a:solidFill>
+                    <a:schemeClr val="accent1">
+                      <a:shade val="88000"/>
+                      <a:satMod val="110000"/>
+                    </a:schemeClr>
+                  </a:solidFill>
+                  <a:prstDash val="solid"/>
+                </a:ln>
+                <a:gradFill>
+                  <a:gsLst>
+                    <a:gs pos="0">
+                      <a:schemeClr val="accent1">
+                        <a:tint val="40000"/>
+                        <a:satMod val="250000"/>
+                      </a:schemeClr>
+                    </a:gs>
+                    <a:gs pos="9000">
+                      <a:schemeClr val="accent1">
+                        <a:tint val="52000"/>
+                        <a:satMod val="300000"/>
+                      </a:schemeClr>
+                    </a:gs>
+                    <a:gs pos="50000">
+                      <a:schemeClr val="accent1">
+                        <a:shade val="20000"/>
+                        <a:satMod val="300000"/>
+                      </a:schemeClr>
+                    </a:gs>
+                    <a:gs pos="79000">
+                      <a:schemeClr val="accent1">
+                        <a:tint val="52000"/>
+                        <a:satMod val="300000"/>
+                      </a:schemeClr>
+                    </a:gs>
+                    <a:gs pos="100000">
+                      <a:schemeClr val="accent1">
+                        <a:tint val="40000"/>
+                        <a:satMod val="250000"/>
+                      </a:schemeClr>
+                    </a:gs>
+                  </a:gsLst>
+                  <a:lin ang="5400000"/>
+                </a:gradFill>
+              </a:rPr>
+              <a:t>SEM GASTAR QUASE</a:t>
+            </a:r>
+          </a:p>
+          <a:p>
+            <a:pPr algn="ctr"/>
+            <a:r>
+              <a:rPr lang="pt-BR" sz="2400" b="1" cap="none" spc="0" dirty="0" smtClean="0">
+                <a:ln w="10541" cmpd="sng">
+                  <a:solidFill>
+                    <a:schemeClr val="accent1">
+                      <a:shade val="88000"/>
+                      <a:satMod val="110000"/>
+                    </a:schemeClr>
+                  </a:solidFill>
+                  <a:prstDash val="solid"/>
+                </a:ln>
+                <a:gradFill>
+                  <a:gsLst>
+                    <a:gs pos="0">
+                      <a:schemeClr val="accent1">
+                        <a:tint val="40000"/>
+                        <a:satMod val="250000"/>
+                      </a:schemeClr>
+                    </a:gs>
+                    <a:gs pos="9000">
+                      <a:schemeClr val="accent1">
+                        <a:tint val="52000"/>
+                        <a:satMod val="300000"/>
+                      </a:schemeClr>
+                    </a:gs>
+                    <a:gs pos="50000">
+                      <a:schemeClr val="accent1">
+                        <a:shade val="20000"/>
+                        <a:satMod val="300000"/>
+                      </a:schemeClr>
+                    </a:gs>
+                    <a:gs pos="79000">
+                      <a:schemeClr val="accent1">
+                        <a:tint val="52000"/>
+                        <a:satMod val="300000"/>
+                      </a:schemeClr>
+                    </a:gs>
+                    <a:gs pos="100000">
+                      <a:schemeClr val="accent1">
+                        <a:tint val="40000"/>
+                        <a:satMod val="250000"/>
+                      </a:schemeClr>
+                    </a:gs>
+                  </a:gsLst>
+                  <a:lin ang="5400000"/>
+                </a:gradFill>
+                <a:effectLst/>
+              </a:rPr>
+              <a:t>NADA</a:t>
+            </a:r>
+            <a:endParaRPr lang="pt-BR" sz="2400" b="1" cap="none" spc="0" dirty="0">
+              <a:ln w="10541" cmpd="sng">
+                <a:solidFill>
+                  <a:schemeClr val="accent1">
+                    <a:shade val="88000"/>
+                    <a:satMod val="110000"/>
+                  </a:schemeClr>
+                </a:solidFill>
+                <a:prstDash val="solid"/>
+              </a:ln>
+              <a:gradFill>
+                <a:gsLst>
+                  <a:gs pos="0">
+                    <a:schemeClr val="accent1">
+                      <a:tint val="40000"/>
+                      <a:satMod val="250000"/>
+                    </a:schemeClr>
+                  </a:gs>
+                  <a:gs pos="9000">
+                    <a:schemeClr val="accent1">
+                      <a:tint val="52000"/>
+                      <a:satMod val="300000"/>
+                    </a:schemeClr>
+                  </a:gs>
+                  <a:gs pos="50000">
+                    <a:schemeClr val="accent1">
+                      <a:shade val="20000"/>
+                      <a:satMod val="300000"/>
+                    </a:schemeClr>
+                  </a:gs>
+                  <a:gs pos="79000">
+                    <a:schemeClr val="accent1">
+                      <a:tint val="52000"/>
+                      <a:satMod val="300000"/>
+                    </a:schemeClr>
+                  </a:gs>
+                  <a:gs pos="100000">
+                    <a:schemeClr val="accent1">
+                      <a:tint val="40000"/>
+                      <a:satMod val="250000"/>
+                    </a:schemeClr>
+                  </a:gs>
+                </a:gsLst>
+                <a:lin ang="5400000"/>
+              </a:gradFill>
+              <a:effectLst/>
+            </a:endParaRPr>
+          </a:p>
+        </p:txBody>
+      </p:sp>
+    </p:spTree>
+    <p:extLst>
+      <p:ext uri="{BB962C8B-B14F-4D97-AF65-F5344CB8AC3E}">
+        <p14:creationId xmlns:p14="http://schemas.microsoft.com/office/powerpoint/2010/main" val="3203121933"/>
+      </p:ext>
+    </p:extLst>
+  </p:cSld>
+  <p:clrMapOvr>
+    <a:masterClrMapping/>
+  </p:clrMapOvr>
+</p:sld>
+</file>
+
+<file path=ppt/slides/slide11.xml><?xml version="1.0" encoding="utf-8"?>
+<p:sld xmlns:a="http://schemas.openxmlformats.org/drawingml/2006/main" xmlns:r="http://schemas.openxmlformats.org/officeDocument/2006/relationships" xmlns:p="http://schemas.openxmlformats.org/presentationml/2006/main">
+  <p:cSld>
+    <p:spTree>
+      <p:nvGrpSpPr>
+        <p:cNvPr id="1" name=""/>
+        <p:cNvGrpSpPr/>
+        <p:nvPr/>
+      </p:nvGrpSpPr>
+      <p:grpSpPr>
+        <a:xfrm>
+          <a:off x="0" y="0"/>
+          <a:ext cx="0" cy="0"/>
+          <a:chOff x="0" y="0"/>
+          <a:chExt cx="0" cy="0"/>
+        </a:xfrm>
+      </p:grpSpPr>
+      <p:pic>
+        <p:nvPicPr>
+          <p:cNvPr id="2" name="Imagem 1"/>
+          <p:cNvPicPr>
+            <a:picLocks noChangeAspect="1"/>
+          </p:cNvPicPr>
+          <p:nvPr/>
+        </p:nvPicPr>
+        <p:blipFill>
+          <a:blip r:embed="rId2" cstate="print">
+            <a:extLst>
+              <a:ext uri="{28A0092B-C50C-407E-A947-70E740481C1C}">
+                <a14:useLocalDpi xmlns:a14="http://schemas.microsoft.com/office/drawing/2010/main" val="0"/>
+              </a:ext>
+            </a:extLst>
+          </a:blip>
+          <a:stretch>
+            <a:fillRect/>
+          </a:stretch>
+        </p:blipFill>
+        <p:spPr>
+          <a:xfrm>
+            <a:off x="-11807" y="1523252"/>
+            <a:ext cx="3600450" cy="3913389"/>
+          </a:xfrm>
+          <a:prstGeom prst="rect">
+            <a:avLst/>
+          </a:prstGeom>
+        </p:spPr>
+      </p:pic>
+      <p:sp>
+        <p:nvSpPr>
+          <p:cNvPr id="4" name="Retângulo 3"/>
+          <p:cNvSpPr/>
+          <p:nvPr/>
+        </p:nvSpPr>
+        <p:spPr>
+          <a:xfrm>
+            <a:off x="216049" y="63392"/>
+            <a:ext cx="2774157" cy="461665"/>
+          </a:xfrm>
+          <a:prstGeom prst="rect">
+            <a:avLst/>
+          </a:prstGeom>
+          <a:noFill/>
+        </p:spPr>
+        <p:txBody>
+          <a:bodyPr wrap="none" lIns="91440" tIns="45720" rIns="91440" bIns="45720">
+            <a:spAutoFit/>
+          </a:bodyPr>
+          <a:lstStyle/>
+          <a:p>
+            <a:pPr algn="ctr"/>
+            <a:r>
+              <a:rPr lang="pt-BR" sz="2400" b="1" dirty="0" smtClean="0">
+                <a:ln w="10541" cmpd="sng">
+                  <a:solidFill>
+                    <a:schemeClr val="accent1">
+                      <a:shade val="88000"/>
+                      <a:satMod val="110000"/>
+                    </a:schemeClr>
+                  </a:solidFill>
+                  <a:prstDash val="solid"/>
+                </a:ln>
+                <a:gradFill>
+                  <a:gsLst>
+                    <a:gs pos="0">
+                      <a:schemeClr val="accent1">
+                        <a:tint val="40000"/>
+                        <a:satMod val="250000"/>
+                      </a:schemeClr>
+                    </a:gs>
+                    <a:gs pos="9000">
+                      <a:schemeClr val="accent1">
+                        <a:tint val="52000"/>
+                        <a:satMod val="300000"/>
+                      </a:schemeClr>
+                    </a:gs>
+                    <a:gs pos="50000">
+                      <a:schemeClr val="accent1">
+                        <a:shade val="20000"/>
+                        <a:satMod val="300000"/>
+                      </a:schemeClr>
+                    </a:gs>
+                    <a:gs pos="79000">
+                      <a:schemeClr val="accent1">
+                        <a:tint val="52000"/>
+                        <a:satMod val="300000"/>
+                      </a:schemeClr>
+                    </a:gs>
+                    <a:gs pos="100000">
+                      <a:schemeClr val="accent1">
+                        <a:tint val="40000"/>
+                        <a:satMod val="250000"/>
+                      </a:schemeClr>
+                    </a:gs>
+                  </a:gsLst>
+                  <a:lin ang="5400000"/>
+                </a:gradFill>
+              </a:rPr>
+              <a:t>VENHA CONFERIR!</a:t>
+            </a:r>
+            <a:endParaRPr lang="pt-BR" sz="2400" b="1" cap="none" spc="0" dirty="0">
+              <a:ln w="10541" cmpd="sng">
+                <a:solidFill>
+                  <a:schemeClr val="accent1">
+                    <a:shade val="88000"/>
+                    <a:satMod val="110000"/>
+                  </a:schemeClr>
+                </a:solidFill>
+                <a:prstDash val="solid"/>
+              </a:ln>
+              <a:gradFill>
+                <a:gsLst>
+                  <a:gs pos="0">
+                    <a:schemeClr val="accent1">
+                      <a:tint val="40000"/>
+                      <a:satMod val="250000"/>
+                    </a:schemeClr>
+                  </a:gs>
+                  <a:gs pos="9000">
+                    <a:schemeClr val="accent1">
+                      <a:tint val="52000"/>
+                      <a:satMod val="300000"/>
+                    </a:schemeClr>
+                  </a:gs>
+                  <a:gs pos="50000">
+                    <a:schemeClr val="accent1">
+                      <a:shade val="20000"/>
+                      <a:satMod val="300000"/>
+                    </a:schemeClr>
+                  </a:gs>
+                  <a:gs pos="79000">
+                    <a:schemeClr val="accent1">
+                      <a:tint val="52000"/>
+                      <a:satMod val="300000"/>
+                    </a:schemeClr>
+                  </a:gs>
+                  <a:gs pos="100000">
+                    <a:schemeClr val="accent1">
+                      <a:tint val="40000"/>
+                      <a:satMod val="250000"/>
+                    </a:schemeClr>
+                  </a:gs>
+                </a:gsLst>
+                <a:lin ang="5400000"/>
+              </a:gradFill>
+              <a:effectLst/>
+            </a:endParaRPr>
+          </a:p>
+        </p:txBody>
+      </p:sp>
+      <p:sp>
+        <p:nvSpPr>
+          <p:cNvPr id="3" name="CaixaDeTexto 2"/>
+          <p:cNvSpPr txBox="1"/>
+          <p:nvPr/>
+        </p:nvSpPr>
+        <p:spPr>
+          <a:xfrm>
+            <a:off x="-71983" y="756121"/>
+            <a:ext cx="3384376" cy="369332"/>
+          </a:xfrm>
+          <a:prstGeom prst="rect">
+            <a:avLst/>
+          </a:prstGeom>
+          <a:noFill/>
+        </p:spPr>
+        <p:txBody>
+          <a:bodyPr wrap="square" rtlCol="0">
+            <a:spAutoFit/>
+          </a:bodyPr>
+          <a:lstStyle/>
+          <a:p>
+            <a:r>
+              <a:rPr lang="pt-BR" dirty="0">
+                <a:solidFill>
+                  <a:srgbClr val="0070C0"/>
+                </a:solidFill>
+                <a:latin typeface="Times New Roman" pitchFamily="18" charset="0"/>
+                <a:cs typeface="Times New Roman" pitchFamily="18" charset="0"/>
+              </a:rPr>
+              <a:t>R</a:t>
+            </a:r>
+            <a:r>
+              <a:rPr lang="pt-BR" dirty="0" smtClean="0">
+                <a:solidFill>
+                  <a:srgbClr val="0070C0"/>
+                </a:solidFill>
+                <a:latin typeface="Times New Roman" pitchFamily="18" charset="0"/>
+                <a:cs typeface="Times New Roman" pitchFamily="18" charset="0"/>
+              </a:rPr>
+              <a:t>ua do comércio, Povoado </a:t>
+            </a:r>
+            <a:r>
+              <a:rPr lang="pt-BR" dirty="0" err="1" smtClean="0">
+                <a:solidFill>
+                  <a:srgbClr val="0070C0"/>
+                </a:solidFill>
+                <a:latin typeface="Times New Roman" pitchFamily="18" charset="0"/>
+                <a:cs typeface="Times New Roman" pitchFamily="18" charset="0"/>
+              </a:rPr>
+              <a:t>Cocão</a:t>
+            </a:r>
+            <a:endParaRPr lang="pt-BR" dirty="0">
+              <a:solidFill>
+                <a:srgbClr val="0070C0"/>
+              </a:solidFill>
+              <a:latin typeface="Times New Roman" pitchFamily="18" charset="0"/>
+              <a:cs typeface="Times New Roman" pitchFamily="18" charset="0"/>
+            </a:endParaRPr>
+          </a:p>
+        </p:txBody>
+      </p:sp>
+      <p:pic>
+        <p:nvPicPr>
+          <p:cNvPr id="1026" name="Picture 2"/>
+          <p:cNvPicPr>
+            <a:picLocks noChangeAspect="1" noChangeArrowheads="1"/>
+          </p:cNvPicPr>
+          <p:nvPr/>
+        </p:nvPicPr>
+        <p:blipFill>
+          <a:blip r:embed="rId3" cstate="print">
+            <a:extLst>
+              <a:ext uri="{28A0092B-C50C-407E-A947-70E740481C1C}">
+                <a14:useLocalDpi xmlns:a14="http://schemas.microsoft.com/office/drawing/2010/main" val="0"/>
+              </a:ext>
+            </a:extLst>
+          </a:blip>
+          <a:srcRect/>
+          <a:stretch>
+            <a:fillRect/>
+          </a:stretch>
+        </p:blipFill>
+        <p:spPr bwMode="auto">
+          <a:xfrm>
+            <a:off x="432073" y="1126445"/>
+            <a:ext cx="415007" cy="313330"/>
+          </a:xfrm>
+          <a:prstGeom prst="rect">
+            <a:avLst/>
+          </a:prstGeom>
+          <a:noFill/>
+          <a:ln>
+            <a:noFill/>
+          </a:ln>
+          <a:effectLst/>
+          <a:extLst>
+            <a:ext uri="{909E8E84-426E-40DD-AFC4-6F175D3DCCD1}">
+              <a14:hiddenFill xmlns:a14="http://schemas.microsoft.com/office/drawing/2010/main">
+                <a:solidFill>
+                  <a:schemeClr val="accent1"/>
+                </a:solidFill>
+              </a14:hiddenFill>
+            </a:ext>
+            <a:ext uri="{91240B29-F687-4F45-9708-019B960494DF}">
+              <a14:hiddenLine xmlns:a14="http://schemas.microsoft.com/office/drawing/2010/main" w="9525">
+                <a:solidFill>
+                  <a:schemeClr val="tx1"/>
+                </a:solidFill>
+                <a:miter lim="800000"/>
+                <a:headEnd/>
+                <a:tailEnd/>
+              </a14:hiddenLine>
+            </a:ext>
+            <a:ext uri="{AF507438-7753-43E0-B8FC-AC1667EBCBE1}">
+              <a14:hiddenEffects xmlns:a14="http://schemas.microsoft.com/office/drawing/2010/main">
+                <a:effectLst>
+                  <a:outerShdw dist="35921" dir="2700000" algn="ctr" rotWithShape="0">
+                    <a:schemeClr val="bg2"/>
+                  </a:outerShdw>
+                </a:effectLst>
+              </a14:hiddenEffects>
+            </a:ext>
+          </a:extLst>
+        </p:spPr>
+      </p:pic>
+      <p:sp>
+        <p:nvSpPr>
+          <p:cNvPr id="6" name="CaixaDeTexto 5"/>
+          <p:cNvSpPr txBox="1"/>
+          <p:nvPr/>
+        </p:nvSpPr>
+        <p:spPr>
+          <a:xfrm>
+            <a:off x="701007" y="1044153"/>
+            <a:ext cx="1848583" cy="369332"/>
+          </a:xfrm>
+          <a:prstGeom prst="rect">
+            <a:avLst/>
+          </a:prstGeom>
+          <a:noFill/>
+        </p:spPr>
+        <p:txBody>
+          <a:bodyPr wrap="none" rtlCol="0">
+            <a:spAutoFit/>
+          </a:bodyPr>
+          <a:lstStyle/>
+          <a:p>
+            <a:r>
+              <a:rPr lang="pt-BR" dirty="0" smtClean="0"/>
+              <a:t>(73) 99820-4334</a:t>
+            </a:r>
+            <a:endParaRPr lang="pt-BR" dirty="0"/>
+          </a:p>
+        </p:txBody>
+      </p:sp>
+    </p:spTree>
+    <p:extLst>
+      <p:ext uri="{BB962C8B-B14F-4D97-AF65-F5344CB8AC3E}">
+        <p14:creationId xmlns:p14="http://schemas.microsoft.com/office/powerpoint/2010/main" val="1273145377"/>
       </p:ext>
     </p:extLst>
   </p:cSld>
@@ -3523,10 +4577,739 @@
 </p:sld>
 </file>
 
+<file path=ppt/slides/slide6.xml><?xml version="1.0" encoding="utf-8"?>
+<p:sld xmlns:a="http://schemas.openxmlformats.org/drawingml/2006/main" xmlns:r="http://schemas.openxmlformats.org/officeDocument/2006/relationships" xmlns:p="http://schemas.openxmlformats.org/presentationml/2006/main">
+  <p:cSld>
+    <p:spTree>
+      <p:nvGrpSpPr>
+        <p:cNvPr id="1" name=""/>
+        <p:cNvGrpSpPr/>
+        <p:nvPr/>
+      </p:nvGrpSpPr>
+      <p:grpSpPr>
+        <a:xfrm>
+          <a:off x="0" y="0"/>
+          <a:ext cx="0" cy="0"/>
+          <a:chOff x="0" y="0"/>
+          <a:chExt cx="0" cy="0"/>
+        </a:xfrm>
+      </p:grpSpPr>
+      <p:pic>
+        <p:nvPicPr>
+          <p:cNvPr id="2" name="Imagem 1"/>
+          <p:cNvPicPr>
+            <a:picLocks noChangeAspect="1"/>
+          </p:cNvPicPr>
+          <p:nvPr/>
+        </p:nvPicPr>
+        <p:blipFill>
+          <a:blip r:embed="rId2" cstate="print">
+            <a:extLst>
+              <a:ext uri="{28A0092B-C50C-407E-A947-70E740481C1C}">
+                <a14:useLocalDpi xmlns:a14="http://schemas.microsoft.com/office/drawing/2010/main" val="0"/>
+              </a:ext>
+            </a:extLst>
+          </a:blip>
+          <a:stretch>
+            <a:fillRect/>
+          </a:stretch>
+        </p:blipFill>
+        <p:spPr>
+          <a:xfrm>
+            <a:off x="0" y="0"/>
+            <a:ext cx="3600450" cy="5400675"/>
+          </a:xfrm>
+          <a:prstGeom prst="rect">
+            <a:avLst/>
+          </a:prstGeom>
+        </p:spPr>
+      </p:pic>
+    </p:spTree>
+    <p:extLst>
+      <p:ext uri="{BB962C8B-B14F-4D97-AF65-F5344CB8AC3E}">
+        <p14:creationId xmlns:p14="http://schemas.microsoft.com/office/powerpoint/2010/main" val="4291393557"/>
+      </p:ext>
+    </p:extLst>
+  </p:cSld>
+  <p:clrMapOvr>
+    <a:masterClrMapping/>
+  </p:clrMapOvr>
+</p:sld>
+</file>
+
+<file path=ppt/slides/slide7.xml><?xml version="1.0" encoding="utf-8"?>
+<p:sld xmlns:a="http://schemas.openxmlformats.org/drawingml/2006/main" xmlns:r="http://schemas.openxmlformats.org/officeDocument/2006/relationships" xmlns:p="http://schemas.openxmlformats.org/presentationml/2006/main">
+  <p:cSld>
+    <p:spTree>
+      <p:nvGrpSpPr>
+        <p:cNvPr id="1" name=""/>
+        <p:cNvGrpSpPr/>
+        <p:nvPr/>
+      </p:nvGrpSpPr>
+      <p:grpSpPr>
+        <a:xfrm>
+          <a:off x="0" y="0"/>
+          <a:ext cx="0" cy="0"/>
+          <a:chOff x="0" y="0"/>
+          <a:chExt cx="0" cy="0"/>
+        </a:xfrm>
+      </p:grpSpPr>
+      <p:pic>
+        <p:nvPicPr>
+          <p:cNvPr id="2" name="Imagem 1"/>
+          <p:cNvPicPr>
+            <a:picLocks noChangeAspect="1"/>
+          </p:cNvPicPr>
+          <p:nvPr/>
+        </p:nvPicPr>
+        <p:blipFill>
+          <a:blip r:embed="rId2" cstate="print">
+            <a:extLst>
+              <a:ext uri="{28A0092B-C50C-407E-A947-70E740481C1C}">
+                <a14:useLocalDpi xmlns:a14="http://schemas.microsoft.com/office/drawing/2010/main" val="0"/>
+              </a:ext>
+            </a:extLst>
+          </a:blip>
+          <a:stretch>
+            <a:fillRect/>
+          </a:stretch>
+        </p:blipFill>
+        <p:spPr>
+          <a:xfrm>
+            <a:off x="0" y="0"/>
+            <a:ext cx="3600450" cy="5400675"/>
+          </a:xfrm>
+          <a:prstGeom prst="rect">
+            <a:avLst/>
+          </a:prstGeom>
+        </p:spPr>
+      </p:pic>
+    </p:spTree>
+    <p:extLst>
+      <p:ext uri="{BB962C8B-B14F-4D97-AF65-F5344CB8AC3E}">
+        <p14:creationId xmlns:p14="http://schemas.microsoft.com/office/powerpoint/2010/main" val="259585281"/>
+      </p:ext>
+    </p:extLst>
+  </p:cSld>
+  <p:clrMapOvr>
+    <a:masterClrMapping/>
+  </p:clrMapOvr>
+</p:sld>
+</file>
+
+<file path=ppt/slides/slide8.xml><?xml version="1.0" encoding="utf-8"?>
+<p:sld xmlns:a="http://schemas.openxmlformats.org/drawingml/2006/main" xmlns:r="http://schemas.openxmlformats.org/officeDocument/2006/relationships" xmlns:p="http://schemas.openxmlformats.org/presentationml/2006/main">
+  <p:cSld>
+    <p:spTree>
+      <p:nvGrpSpPr>
+        <p:cNvPr id="1" name=""/>
+        <p:cNvGrpSpPr/>
+        <p:nvPr/>
+      </p:nvGrpSpPr>
+      <p:grpSpPr>
+        <a:xfrm>
+          <a:off x="0" y="0"/>
+          <a:ext cx="0" cy="0"/>
+          <a:chOff x="0" y="0"/>
+          <a:chExt cx="0" cy="0"/>
+        </a:xfrm>
+      </p:grpSpPr>
+      <p:pic>
+        <p:nvPicPr>
+          <p:cNvPr id="2" name="Imagem 1"/>
+          <p:cNvPicPr>
+            <a:picLocks noChangeAspect="1"/>
+          </p:cNvPicPr>
+          <p:nvPr/>
+        </p:nvPicPr>
+        <p:blipFill>
+          <a:blip r:embed="rId2" cstate="print">
+            <a:extLst>
+              <a:ext uri="{28A0092B-C50C-407E-A947-70E740481C1C}">
+                <a14:useLocalDpi xmlns:a14="http://schemas.microsoft.com/office/drawing/2010/main" val="0"/>
+              </a:ext>
+            </a:extLst>
+          </a:blip>
+          <a:stretch>
+            <a:fillRect/>
+          </a:stretch>
+        </p:blipFill>
+        <p:spPr>
+          <a:xfrm>
+            <a:off x="-11807" y="1523252"/>
+            <a:ext cx="3600450" cy="3913389"/>
+          </a:xfrm>
+          <a:prstGeom prst="rect">
+            <a:avLst/>
+          </a:prstGeom>
+        </p:spPr>
+      </p:pic>
+      <p:sp>
+        <p:nvSpPr>
+          <p:cNvPr id="3" name="Retângulo 2"/>
+          <p:cNvSpPr/>
+          <p:nvPr/>
+        </p:nvSpPr>
+        <p:spPr>
+          <a:xfrm>
+            <a:off x="0" y="0"/>
+            <a:ext cx="3651962" cy="769441"/>
+          </a:xfrm>
+          <a:prstGeom prst="rect">
+            <a:avLst/>
+          </a:prstGeom>
+          <a:noFill/>
+        </p:spPr>
+        <p:txBody>
+          <a:bodyPr wrap="none" lIns="91440" tIns="45720" rIns="91440" bIns="45720">
+            <a:spAutoFit/>
+          </a:bodyPr>
+          <a:lstStyle/>
+          <a:p>
+            <a:pPr algn="ctr"/>
+            <a:r>
+              <a:rPr lang="pt-BR" sz="4400" b="1" dirty="0" smtClean="0">
+                <a:ln w="10541" cmpd="sng">
+                  <a:solidFill>
+                    <a:schemeClr val="accent1">
+                      <a:shade val="88000"/>
+                      <a:satMod val="110000"/>
+                    </a:schemeClr>
+                  </a:solidFill>
+                  <a:prstDash val="solid"/>
+                </a:ln>
+                <a:gradFill>
+                  <a:gsLst>
+                    <a:gs pos="0">
+                      <a:schemeClr val="accent1">
+                        <a:tint val="40000"/>
+                        <a:satMod val="250000"/>
+                      </a:schemeClr>
+                    </a:gs>
+                    <a:gs pos="9000">
+                      <a:schemeClr val="accent1">
+                        <a:tint val="52000"/>
+                        <a:satMod val="300000"/>
+                      </a:schemeClr>
+                    </a:gs>
+                    <a:gs pos="50000">
+                      <a:schemeClr val="accent1">
+                        <a:shade val="20000"/>
+                        <a:satMod val="300000"/>
+                      </a:schemeClr>
+                    </a:gs>
+                    <a:gs pos="79000">
+                      <a:schemeClr val="accent1">
+                        <a:tint val="52000"/>
+                        <a:satMod val="300000"/>
+                      </a:schemeClr>
+                    </a:gs>
+                    <a:gs pos="100000">
+                      <a:schemeClr val="accent1">
+                        <a:tint val="40000"/>
+                        <a:satMod val="250000"/>
+                      </a:schemeClr>
+                    </a:gs>
+                  </a:gsLst>
+                  <a:lin ang="5400000"/>
+                </a:gradFill>
+              </a:rPr>
+              <a:t>MERCADINHO</a:t>
+            </a:r>
+            <a:endParaRPr lang="pt-BR" sz="4400" b="1" cap="none" spc="0" dirty="0">
+              <a:ln w="10541" cmpd="sng">
+                <a:solidFill>
+                  <a:schemeClr val="accent1">
+                    <a:shade val="88000"/>
+                    <a:satMod val="110000"/>
+                  </a:schemeClr>
+                </a:solidFill>
+                <a:prstDash val="solid"/>
+              </a:ln>
+              <a:gradFill>
+                <a:gsLst>
+                  <a:gs pos="0">
+                    <a:schemeClr val="accent1">
+                      <a:tint val="40000"/>
+                      <a:satMod val="250000"/>
+                    </a:schemeClr>
+                  </a:gs>
+                  <a:gs pos="9000">
+                    <a:schemeClr val="accent1">
+                      <a:tint val="52000"/>
+                      <a:satMod val="300000"/>
+                    </a:schemeClr>
+                  </a:gs>
+                  <a:gs pos="50000">
+                    <a:schemeClr val="accent1">
+                      <a:shade val="20000"/>
+                      <a:satMod val="300000"/>
+                    </a:schemeClr>
+                  </a:gs>
+                  <a:gs pos="79000">
+                    <a:schemeClr val="accent1">
+                      <a:tint val="52000"/>
+                      <a:satMod val="300000"/>
+                    </a:schemeClr>
+                  </a:gs>
+                  <a:gs pos="100000">
+                    <a:schemeClr val="accent1">
+                      <a:tint val="40000"/>
+                      <a:satMod val="250000"/>
+                    </a:schemeClr>
+                  </a:gs>
+                </a:gsLst>
+                <a:lin ang="5400000"/>
+              </a:gradFill>
+              <a:effectLst/>
+            </a:endParaRPr>
+          </a:p>
+        </p:txBody>
+      </p:sp>
+      <p:sp>
+        <p:nvSpPr>
+          <p:cNvPr id="4" name="Retângulo 3"/>
+          <p:cNvSpPr/>
+          <p:nvPr/>
+        </p:nvSpPr>
+        <p:spPr>
+          <a:xfrm>
+            <a:off x="1057451" y="660655"/>
+            <a:ext cx="1122231" cy="769441"/>
+          </a:xfrm>
+          <a:prstGeom prst="rect">
+            <a:avLst/>
+          </a:prstGeom>
+          <a:noFill/>
+        </p:spPr>
+        <p:txBody>
+          <a:bodyPr wrap="none" lIns="91440" tIns="45720" rIns="91440" bIns="45720">
+            <a:spAutoFit/>
+          </a:bodyPr>
+          <a:lstStyle/>
+          <a:p>
+            <a:pPr algn="ctr"/>
+            <a:r>
+              <a:rPr lang="pt-BR" sz="4400" b="1" dirty="0" smtClean="0">
+                <a:ln w="10541" cmpd="sng">
+                  <a:solidFill>
+                    <a:schemeClr val="accent1">
+                      <a:shade val="88000"/>
+                      <a:satMod val="110000"/>
+                    </a:schemeClr>
+                  </a:solidFill>
+                  <a:prstDash val="solid"/>
+                </a:ln>
+                <a:gradFill>
+                  <a:gsLst>
+                    <a:gs pos="0">
+                      <a:schemeClr val="accent1">
+                        <a:tint val="40000"/>
+                        <a:satMod val="250000"/>
+                      </a:schemeClr>
+                    </a:gs>
+                    <a:gs pos="9000">
+                      <a:schemeClr val="accent1">
+                        <a:tint val="52000"/>
+                        <a:satMod val="300000"/>
+                      </a:schemeClr>
+                    </a:gs>
+                    <a:gs pos="50000">
+                      <a:schemeClr val="accent1">
+                        <a:shade val="20000"/>
+                        <a:satMod val="300000"/>
+                      </a:schemeClr>
+                    </a:gs>
+                    <a:gs pos="79000">
+                      <a:schemeClr val="accent1">
+                        <a:tint val="52000"/>
+                        <a:satMod val="300000"/>
+                      </a:schemeClr>
+                    </a:gs>
+                    <a:gs pos="100000">
+                      <a:schemeClr val="accent1">
+                        <a:tint val="40000"/>
+                        <a:satMod val="250000"/>
+                      </a:schemeClr>
+                    </a:gs>
+                  </a:gsLst>
+                  <a:lin ang="5400000"/>
+                </a:gradFill>
+              </a:rPr>
+              <a:t>ELY</a:t>
+            </a:r>
+            <a:endParaRPr lang="pt-BR" sz="4400" b="1" cap="none" spc="0" dirty="0">
+              <a:ln w="10541" cmpd="sng">
+                <a:solidFill>
+                  <a:schemeClr val="accent1">
+                    <a:shade val="88000"/>
+                    <a:satMod val="110000"/>
+                  </a:schemeClr>
+                </a:solidFill>
+                <a:prstDash val="solid"/>
+              </a:ln>
+              <a:gradFill>
+                <a:gsLst>
+                  <a:gs pos="0">
+                    <a:schemeClr val="accent1">
+                      <a:tint val="40000"/>
+                      <a:satMod val="250000"/>
+                    </a:schemeClr>
+                  </a:gs>
+                  <a:gs pos="9000">
+                    <a:schemeClr val="accent1">
+                      <a:tint val="52000"/>
+                      <a:satMod val="300000"/>
+                    </a:schemeClr>
+                  </a:gs>
+                  <a:gs pos="50000">
+                    <a:schemeClr val="accent1">
+                      <a:shade val="20000"/>
+                      <a:satMod val="300000"/>
+                    </a:schemeClr>
+                  </a:gs>
+                  <a:gs pos="79000">
+                    <a:schemeClr val="accent1">
+                      <a:tint val="52000"/>
+                      <a:satMod val="300000"/>
+                    </a:schemeClr>
+                  </a:gs>
+                  <a:gs pos="100000">
+                    <a:schemeClr val="accent1">
+                      <a:tint val="40000"/>
+                      <a:satMod val="250000"/>
+                    </a:schemeClr>
+                  </a:gs>
+                </a:gsLst>
+                <a:lin ang="5400000"/>
+              </a:gradFill>
+              <a:effectLst/>
+            </a:endParaRPr>
+          </a:p>
+        </p:txBody>
+      </p:sp>
+    </p:spTree>
+    <p:extLst>
+      <p:ext uri="{BB962C8B-B14F-4D97-AF65-F5344CB8AC3E}">
+        <p14:creationId xmlns:p14="http://schemas.microsoft.com/office/powerpoint/2010/main" val="2634058088"/>
+      </p:ext>
+    </p:extLst>
+  </p:cSld>
+  <p:clrMapOvr>
+    <a:masterClrMapping/>
+  </p:clrMapOvr>
+</p:sld>
+</file>
+
+<file path=ppt/slides/slide9.xml><?xml version="1.0" encoding="utf-8"?>
+<p:sld xmlns:a="http://schemas.openxmlformats.org/drawingml/2006/main" xmlns:r="http://schemas.openxmlformats.org/officeDocument/2006/relationships" xmlns:p="http://schemas.openxmlformats.org/presentationml/2006/main">
+  <p:cSld>
+    <p:spTree>
+      <p:nvGrpSpPr>
+        <p:cNvPr id="1" name=""/>
+        <p:cNvGrpSpPr/>
+        <p:nvPr/>
+      </p:nvGrpSpPr>
+      <p:grpSpPr>
+        <a:xfrm>
+          <a:off x="0" y="0"/>
+          <a:ext cx="0" cy="0"/>
+          <a:chOff x="0" y="0"/>
+          <a:chExt cx="0" cy="0"/>
+        </a:xfrm>
+      </p:grpSpPr>
+      <p:pic>
+        <p:nvPicPr>
+          <p:cNvPr id="2" name="Imagem 1"/>
+          <p:cNvPicPr>
+            <a:picLocks noChangeAspect="1"/>
+          </p:cNvPicPr>
+          <p:nvPr/>
+        </p:nvPicPr>
+        <p:blipFill>
+          <a:blip r:embed="rId2" cstate="print">
+            <a:extLst>
+              <a:ext uri="{28A0092B-C50C-407E-A947-70E740481C1C}">
+                <a14:useLocalDpi xmlns:a14="http://schemas.microsoft.com/office/drawing/2010/main" val="0"/>
+              </a:ext>
+            </a:extLst>
+          </a:blip>
+          <a:stretch>
+            <a:fillRect/>
+          </a:stretch>
+        </p:blipFill>
+        <p:spPr>
+          <a:xfrm>
+            <a:off x="-11807" y="1523252"/>
+            <a:ext cx="3600450" cy="3913389"/>
+          </a:xfrm>
+          <a:prstGeom prst="rect">
+            <a:avLst/>
+          </a:prstGeom>
+        </p:spPr>
+      </p:pic>
+      <p:sp>
+        <p:nvSpPr>
+          <p:cNvPr id="3" name="Retângulo 2"/>
+          <p:cNvSpPr/>
+          <p:nvPr/>
+        </p:nvSpPr>
+        <p:spPr>
+          <a:xfrm>
+            <a:off x="216049" y="0"/>
+            <a:ext cx="3111749" cy="584775"/>
+          </a:xfrm>
+          <a:prstGeom prst="rect">
+            <a:avLst/>
+          </a:prstGeom>
+          <a:noFill/>
+        </p:spPr>
+        <p:txBody>
+          <a:bodyPr wrap="none" lIns="91440" tIns="45720" rIns="91440" bIns="45720">
+            <a:spAutoFit/>
+          </a:bodyPr>
+          <a:lstStyle/>
+          <a:p>
+            <a:pPr algn="ctr"/>
+            <a:r>
+              <a:rPr lang="pt-BR" sz="3200" b="1" cap="none" spc="0" dirty="0" smtClean="0">
+                <a:ln w="10541" cmpd="sng">
+                  <a:solidFill>
+                    <a:schemeClr val="accent1">
+                      <a:shade val="88000"/>
+                      <a:satMod val="110000"/>
+                    </a:schemeClr>
+                  </a:solidFill>
+                  <a:prstDash val="solid"/>
+                </a:ln>
+                <a:gradFill>
+                  <a:gsLst>
+                    <a:gs pos="0">
+                      <a:schemeClr val="accent1">
+                        <a:tint val="40000"/>
+                        <a:satMod val="250000"/>
+                      </a:schemeClr>
+                    </a:gs>
+                    <a:gs pos="9000">
+                      <a:schemeClr val="accent1">
+                        <a:tint val="52000"/>
+                        <a:satMod val="300000"/>
+                      </a:schemeClr>
+                    </a:gs>
+                    <a:gs pos="50000">
+                      <a:schemeClr val="accent1">
+                        <a:shade val="20000"/>
+                        <a:satMod val="300000"/>
+                      </a:schemeClr>
+                    </a:gs>
+                    <a:gs pos="79000">
+                      <a:schemeClr val="accent1">
+                        <a:tint val="52000"/>
+                        <a:satMod val="300000"/>
+                      </a:schemeClr>
+                    </a:gs>
+                    <a:gs pos="100000">
+                      <a:schemeClr val="accent1">
+                        <a:tint val="40000"/>
+                        <a:satMod val="250000"/>
+                      </a:schemeClr>
+                    </a:gs>
+                  </a:gsLst>
+                  <a:lin ang="5400000"/>
+                </a:gradFill>
+                <a:effectLst/>
+              </a:rPr>
+              <a:t>AQUI VOCÊ SAI </a:t>
+            </a:r>
+            <a:endParaRPr lang="pt-BR" sz="3200" b="1" cap="none" spc="0" dirty="0">
+              <a:ln w="10541" cmpd="sng">
+                <a:solidFill>
+                  <a:schemeClr val="accent1">
+                    <a:shade val="88000"/>
+                    <a:satMod val="110000"/>
+                  </a:schemeClr>
+                </a:solidFill>
+                <a:prstDash val="solid"/>
+              </a:ln>
+              <a:gradFill>
+                <a:gsLst>
+                  <a:gs pos="0">
+                    <a:schemeClr val="accent1">
+                      <a:tint val="40000"/>
+                      <a:satMod val="250000"/>
+                    </a:schemeClr>
+                  </a:gs>
+                  <a:gs pos="9000">
+                    <a:schemeClr val="accent1">
+                      <a:tint val="52000"/>
+                      <a:satMod val="300000"/>
+                    </a:schemeClr>
+                  </a:gs>
+                  <a:gs pos="50000">
+                    <a:schemeClr val="accent1">
+                      <a:shade val="20000"/>
+                      <a:satMod val="300000"/>
+                    </a:schemeClr>
+                  </a:gs>
+                  <a:gs pos="79000">
+                    <a:schemeClr val="accent1">
+                      <a:tint val="52000"/>
+                      <a:satMod val="300000"/>
+                    </a:schemeClr>
+                  </a:gs>
+                  <a:gs pos="100000">
+                    <a:schemeClr val="accent1">
+                      <a:tint val="40000"/>
+                      <a:satMod val="250000"/>
+                    </a:schemeClr>
+                  </a:gs>
+                </a:gsLst>
+                <a:lin ang="5400000"/>
+              </a:gradFill>
+              <a:effectLst/>
+            </a:endParaRPr>
+          </a:p>
+        </p:txBody>
+      </p:sp>
+      <p:sp>
+        <p:nvSpPr>
+          <p:cNvPr id="4" name="Retângulo 3"/>
+          <p:cNvSpPr/>
+          <p:nvPr/>
+        </p:nvSpPr>
+        <p:spPr>
+          <a:xfrm>
+            <a:off x="149475" y="726504"/>
+            <a:ext cx="3090910" cy="461665"/>
+          </a:xfrm>
+          <a:prstGeom prst="rect">
+            <a:avLst/>
+          </a:prstGeom>
+          <a:noFill/>
+        </p:spPr>
+        <p:txBody>
+          <a:bodyPr wrap="none" lIns="91440" tIns="45720" rIns="91440" bIns="45720">
+            <a:spAutoFit/>
+          </a:bodyPr>
+          <a:lstStyle/>
+          <a:p>
+            <a:pPr algn="ctr"/>
+            <a:r>
+              <a:rPr lang="pt-BR" sz="2400" b="1" dirty="0" smtClean="0">
+                <a:ln w="10541" cmpd="sng">
+                  <a:solidFill>
+                    <a:schemeClr val="accent1">
+                      <a:shade val="88000"/>
+                      <a:satMod val="110000"/>
+                    </a:schemeClr>
+                  </a:solidFill>
+                  <a:prstDash val="solid"/>
+                </a:ln>
+                <a:gradFill>
+                  <a:gsLst>
+                    <a:gs pos="0">
+                      <a:schemeClr val="accent1">
+                        <a:tint val="40000"/>
+                        <a:satMod val="250000"/>
+                      </a:schemeClr>
+                    </a:gs>
+                    <a:gs pos="9000">
+                      <a:schemeClr val="accent1">
+                        <a:tint val="52000"/>
+                        <a:satMod val="300000"/>
+                      </a:schemeClr>
+                    </a:gs>
+                    <a:gs pos="50000">
+                      <a:schemeClr val="accent1">
+                        <a:shade val="20000"/>
+                        <a:satMod val="300000"/>
+                      </a:schemeClr>
+                    </a:gs>
+                    <a:gs pos="79000">
+                      <a:schemeClr val="accent1">
+                        <a:tint val="52000"/>
+                        <a:satMod val="300000"/>
+                      </a:schemeClr>
+                    </a:gs>
+                    <a:gs pos="100000">
+                      <a:schemeClr val="accent1">
+                        <a:tint val="40000"/>
+                        <a:satMod val="250000"/>
+                      </a:schemeClr>
+                    </a:gs>
+                  </a:gsLst>
+                  <a:lin ang="5400000"/>
+                </a:gradFill>
+              </a:rPr>
+              <a:t>DE CARRINHO CHEIO</a:t>
+            </a:r>
+            <a:endParaRPr lang="pt-BR" sz="2400" b="1" cap="none" spc="0" dirty="0">
+              <a:ln w="10541" cmpd="sng">
+                <a:solidFill>
+                  <a:schemeClr val="accent1">
+                    <a:shade val="88000"/>
+                    <a:satMod val="110000"/>
+                  </a:schemeClr>
+                </a:solidFill>
+                <a:prstDash val="solid"/>
+              </a:ln>
+              <a:gradFill>
+                <a:gsLst>
+                  <a:gs pos="0">
+                    <a:schemeClr val="accent1">
+                      <a:tint val="40000"/>
+                      <a:satMod val="250000"/>
+                    </a:schemeClr>
+                  </a:gs>
+                  <a:gs pos="9000">
+                    <a:schemeClr val="accent1">
+                      <a:tint val="52000"/>
+                      <a:satMod val="300000"/>
+                    </a:schemeClr>
+                  </a:gs>
+                  <a:gs pos="50000">
+                    <a:schemeClr val="accent1">
+                      <a:shade val="20000"/>
+                      <a:satMod val="300000"/>
+                    </a:schemeClr>
+                  </a:gs>
+                  <a:gs pos="79000">
+                    <a:schemeClr val="accent1">
+                      <a:tint val="52000"/>
+                      <a:satMod val="300000"/>
+                    </a:schemeClr>
+                  </a:gs>
+                  <a:gs pos="100000">
+                    <a:schemeClr val="accent1">
+                      <a:tint val="40000"/>
+                      <a:satMod val="250000"/>
+                    </a:schemeClr>
+                  </a:gs>
+                </a:gsLst>
+                <a:lin ang="5400000"/>
+              </a:gradFill>
+              <a:effectLst/>
+            </a:endParaRPr>
+          </a:p>
+        </p:txBody>
+      </p:sp>
+    </p:spTree>
+    <p:extLst>
+      <p:ext uri="{BB962C8B-B14F-4D97-AF65-F5344CB8AC3E}">
+        <p14:creationId xmlns:p14="http://schemas.microsoft.com/office/powerpoint/2010/main" val="2550524655"/>
+      </p:ext>
+    </p:extLst>
+  </p:cSld>
+  <p:clrMapOvr>
+    <a:masterClrMapping/>
+  </p:clrMapOvr>
+</p:sld>
+</file>
+
 <file path=ppt/theme/theme1.xml><?xml version="1.0" encoding="utf-8"?>
-<a:theme xmlns:a="http://schemas.openxmlformats.org/drawingml/2006/main" name="Tema do Office">
+<a:theme xmlns:a="http://schemas.openxmlformats.org/drawingml/2006/main" name="Opulento">
   <a:themeElements>
-    <a:clrScheme name="Escritório">
+    <a:clrScheme name="Opulento">
       <a:dk1>
         <a:sysClr val="windowText" lastClr="000000"/>
       </a:dk1>
@@ -3534,52 +5317,52 @@
         <a:sysClr val="window" lastClr="FFFFFF"/>
       </a:lt1>
       <a:dk2>
-        <a:srgbClr val="1F497D"/>
+        <a:srgbClr val="B13F9A"/>
       </a:dk2>
       <a:lt2>
-        <a:srgbClr val="EEECE1"/>
+        <a:srgbClr val="F4E7ED"/>
       </a:lt2>
       <a:accent1>
-        <a:srgbClr val="4F81BD"/>
+        <a:srgbClr val="B83D68"/>
       </a:accent1>
       <a:accent2>
-        <a:srgbClr val="C0504D"/>
+        <a:srgbClr val="AC66BB"/>
       </a:accent2>
       <a:accent3>
-        <a:srgbClr val="9BBB59"/>
+        <a:srgbClr val="DE6C36"/>
       </a:accent3>
       <a:accent4>
-        <a:srgbClr val="8064A2"/>
+        <a:srgbClr val="F9B639"/>
       </a:accent4>
       <a:accent5>
-        <a:srgbClr val="4BACC6"/>
+        <a:srgbClr val="CF6DA4"/>
       </a:accent5>
       <a:accent6>
-        <a:srgbClr val="F79646"/>
+        <a:srgbClr val="FA8D3D"/>
       </a:accent6>
       <a:hlink>
-        <a:srgbClr val="0000FF"/>
+        <a:srgbClr val="FFDE66"/>
       </a:hlink>
       <a:folHlink>
-        <a:srgbClr val="800080"/>
+        <a:srgbClr val="D490C5"/>
       </a:folHlink>
     </a:clrScheme>
-    <a:fontScheme name="Escritório">
+    <a:fontScheme name="Opulento">
       <a:majorFont>
-        <a:latin typeface="Calibri"/>
+        <a:latin typeface="Trebuchet MS"/>
         <a:ea typeface=""/>
         <a:cs typeface=""/>
-        <a:font script="Jpan" typeface="ＭＳ Ｐゴシック"/>
-        <a:font script="Hang" typeface="맑은 고딕"/>
-        <a:font script="Hans" typeface="宋体"/>
-        <a:font script="Hant" typeface="新細明體"/>
-        <a:font script="Arab" typeface="Times New Roman"/>
-        <a:font script="Hebr" typeface="Times New Roman"/>
-        <a:font script="Thai" typeface="Angsana New"/>
+        <a:font script="Jpan" typeface="HG丸ｺﾞｼｯｸM-PRO"/>
+        <a:font script="Hang" typeface="HY그래픽M"/>
+        <a:font script="Hans" typeface="黑体"/>
+        <a:font script="Hant" typeface="微軟正黑體"/>
+        <a:font script="Arab" typeface="Tahoma"/>
+        <a:font script="Hebr" typeface="Gisha"/>
+        <a:font script="Thai" typeface="IrisUPC"/>
         <a:font script="Ethi" typeface="Nyala"/>
         <a:font script="Beng" typeface="Vrinda"/>
         <a:font script="Gujr" typeface="Shruti"/>
-        <a:font script="Khmr" typeface="MoolBoran"/>
+        <a:font script="Khmr" typeface="DaunPenh"/>
         <a:font script="Knda" typeface="Tunga"/>
         <a:font script="Guru" typeface="Raavi"/>
         <a:font script="Cans" typeface="Euphemia"/>
@@ -3596,21 +5379,21 @@
         <a:font script="Laoo" typeface="DokChampa"/>
         <a:font script="Sinh" typeface="Iskoola Pota"/>
         <a:font script="Mong" typeface="Mongolian Baiti"/>
-        <a:font script="Viet" typeface="Times New Roman"/>
+        <a:font script="Viet" typeface="Tahoma"/>
         <a:font script="Uigh" typeface="Microsoft Uighur"/>
         <a:font script="Geor" typeface="Sylfaen"/>
       </a:majorFont>
       <a:minorFont>
-        <a:latin typeface="Calibri"/>
+        <a:latin typeface="Trebuchet MS"/>
         <a:ea typeface=""/>
         <a:cs typeface=""/>
-        <a:font script="Jpan" typeface="ＭＳ Ｐゴシック"/>
-        <a:font script="Hang" typeface="맑은 고딕"/>
-        <a:font script="Hans" typeface="宋体"/>
-        <a:font script="Hant" typeface="新細明體"/>
-        <a:font script="Arab" typeface="Arial"/>
-        <a:font script="Hebr" typeface="Arial"/>
-        <a:font script="Thai" typeface="Cordia New"/>
+        <a:font script="Jpan" typeface="HG丸ｺﾞｼｯｸM-PRO"/>
+        <a:font script="Hang" typeface="HY그래픽M"/>
+        <a:font script="Hans" typeface="华文新魏"/>
+        <a:font script="Hant" typeface="微軟正黑體"/>
+        <a:font script="Arab" typeface="Tahoma"/>
+        <a:font script="Hebr" typeface="Gisha"/>
+        <a:font script="Thai" typeface="IrisUPC"/>
         <a:font script="Ethi" typeface="Nyala"/>
         <a:font script="Beng" typeface="Vrinda"/>
         <a:font script="Gujr" typeface="Shruti"/>
@@ -3636,7 +5419,7 @@
         <a:font script="Geor" typeface="Sylfaen"/>
       </a:minorFont>
     </a:fontScheme>
-    <a:fmtScheme name="Escritório">
+    <a:fmtScheme name="Opulento">
       <a:fillStyleLst>
         <a:solidFill>
           <a:schemeClr val="phClr"/>
@@ -3645,66 +5428,89 @@
           <a:gsLst>
             <a:gs pos="0">
               <a:schemeClr val="phClr">
-                <a:tint val="50000"/>
-                <a:satMod val="300000"/>
+                <a:tint val="15000"/>
+                <a:satMod val="250000"/>
               </a:schemeClr>
             </a:gs>
-            <a:gs pos="35000">
+            <a:gs pos="49000">
               <a:schemeClr val="phClr">
-                <a:tint val="37000"/>
-                <a:satMod val="300000"/>
+                <a:tint val="50000"/>
+                <a:satMod val="200000"/>
+              </a:schemeClr>
+            </a:gs>
+            <a:gs pos="49100">
+              <a:schemeClr val="phClr">
+                <a:tint val="64000"/>
+                <a:satMod val="160000"/>
+              </a:schemeClr>
+            </a:gs>
+            <a:gs pos="92000">
+              <a:schemeClr val="phClr">
+                <a:tint val="50000"/>
+                <a:satMod val="200000"/>
               </a:schemeClr>
             </a:gs>
             <a:gs pos="100000">
               <a:schemeClr val="phClr">
-                <a:tint val="15000"/>
-                <a:satMod val="350000"/>
+                <a:tint val="43000"/>
+                <a:satMod val="190000"/>
               </a:schemeClr>
             </a:gs>
           </a:gsLst>
-          <a:lin ang="16200000" scaled="1"/>
+          <a:lin ang="5400000" scaled="1"/>
         </a:gradFill>
         <a:gradFill rotWithShape="1">
           <a:gsLst>
             <a:gs pos="0">
               <a:schemeClr val="phClr">
-                <a:shade val="51000"/>
-                <a:satMod val="130000"/>
+                <a:tint val="74000"/>
               </a:schemeClr>
             </a:gs>
-            <a:gs pos="80000">
+            <a:gs pos="49000">
               <a:schemeClr val="phClr">
-                <a:shade val="93000"/>
-                <a:satMod val="130000"/>
+                <a:tint val="96000"/>
+                <a:shade val="84000"/>
+                <a:satMod val="110000"/>
+              </a:schemeClr>
+            </a:gs>
+            <a:gs pos="49100">
+              <a:schemeClr val="phClr">
+                <a:shade val="55000"/>
+                <a:satMod val="150000"/>
+              </a:schemeClr>
+            </a:gs>
+            <a:gs pos="92000">
+              <a:schemeClr val="phClr">
+                <a:tint val="98000"/>
+                <a:shade val="90000"/>
+                <a:satMod val="128000"/>
               </a:schemeClr>
             </a:gs>
             <a:gs pos="100000">
               <a:schemeClr val="phClr">
-                <a:shade val="94000"/>
-                <a:satMod val="135000"/>
+                <a:tint val="90000"/>
+                <a:shade val="97000"/>
+                <a:satMod val="128000"/>
               </a:schemeClr>
             </a:gs>
           </a:gsLst>
-          <a:lin ang="16200000" scaled="0"/>
+          <a:lin ang="5400000" scaled="1"/>
         </a:gradFill>
       </a:fillStyleLst>
       <a:lnStyleLst>
-        <a:ln w="9525" cap="flat" cmpd="sng" algn="ctr">
-          <a:solidFill>
-            <a:schemeClr val="phClr">
-              <a:shade val="95000"/>
-              <a:satMod val="105000"/>
-            </a:schemeClr>
-          </a:solidFill>
-          <a:prstDash val="solid"/>
-        </a:ln>
-        <a:ln w="25400" cap="flat" cmpd="sng" algn="ctr">
+        <a:ln w="11430" cap="flat" cmpd="sng" algn="ctr">
           <a:solidFill>
             <a:schemeClr val="phClr"/>
           </a:solidFill>
           <a:prstDash val="solid"/>
         </a:ln>
-        <a:ln w="38100" cap="flat" cmpd="sng" algn="ctr">
+        <a:ln w="40000" cap="flat" cmpd="sng" algn="ctr">
+          <a:solidFill>
+            <a:schemeClr val="phClr"/>
+          </a:solidFill>
+          <a:prstDash val="solid"/>
+        </a:ln>
+        <a:ln w="31800" cap="flat" cmpd="sng" algn="ctr">
           <a:solidFill>
             <a:schemeClr val="phClr"/>
           </a:solidFill>
@@ -3714,40 +5520,44 @@
       <a:effectStyleLst>
         <a:effectStyle>
           <a:effectLst>
-            <a:outerShdw blurRad="40000" dist="20000" dir="5400000" rotWithShape="0">
-              <a:srgbClr val="000000">
+            <a:outerShdw blurRad="50800" dist="25000" dir="5400000" rotWithShape="0">
+              <a:schemeClr val="phClr">
+                <a:shade val="30000"/>
+                <a:satMod val="150000"/>
                 <a:alpha val="38000"/>
-              </a:srgbClr>
+              </a:schemeClr>
             </a:outerShdw>
           </a:effectLst>
         </a:effectStyle>
         <a:effectStyle>
           <a:effectLst>
-            <a:outerShdw blurRad="40000" dist="23000" dir="5400000" rotWithShape="0">
-              <a:srgbClr val="000000">
-                <a:alpha val="35000"/>
-              </a:srgbClr>
+            <a:outerShdw blurRad="39000" dist="25400" dir="5400000" rotWithShape="0">
+              <a:schemeClr val="phClr">
+                <a:shade val="33000"/>
+                <a:alpha val="83000"/>
+              </a:schemeClr>
             </a:outerShdw>
           </a:effectLst>
         </a:effectStyle>
         <a:effectStyle>
           <a:effectLst>
-            <a:outerShdw blurRad="40000" dist="23000" dir="5400000" rotWithShape="0">
-              <a:srgbClr val="000000">
-                <a:alpha val="35000"/>
-              </a:srgbClr>
+            <a:outerShdw blurRad="39000" dist="25400" dir="5400000" rotWithShape="0">
+              <a:schemeClr val="phClr">
+                <a:shade val="33000"/>
+                <a:alpha val="83000"/>
+              </a:schemeClr>
             </a:outerShdw>
           </a:effectLst>
           <a:scene3d>
-            <a:camera prst="orthographicFront">
+            <a:camera prst="orthographicFront" fov="0">
               <a:rot lat="0" lon="0" rev="0"/>
             </a:camera>
-            <a:lightRig rig="threePt" dir="t">
-              <a:rot lat="0" lon="0" rev="1200000"/>
+            <a:lightRig rig="contrasting" dir="t">
+              <a:rot lat="0" lon="0" rev="1500000"/>
             </a:lightRig>
           </a:scene3d>
-          <a:sp3d>
-            <a:bevelT w="63500" h="25400"/>
+          <a:sp3d extrusionH="127000" prstMaterial="powder">
+            <a:bevelT w="50800" h="63500"/>
           </a:sp3d>
         </a:effectStyle>
       </a:effectStyleLst>
@@ -3759,40 +5569,14 @@
           <a:gsLst>
             <a:gs pos="0">
               <a:schemeClr val="phClr">
-                <a:tint val="40000"/>
-                <a:satMod val="350000"/>
-              </a:schemeClr>
-            </a:gs>
-            <a:gs pos="40000">
-              <a:schemeClr val="phClr">
-                <a:tint val="45000"/>
-                <a:shade val="99000"/>
-                <a:satMod val="350000"/>
+                <a:tint val="78000"/>
+                <a:satMod val="220000"/>
               </a:schemeClr>
             </a:gs>
             <a:gs pos="100000">
               <a:schemeClr val="phClr">
-                <a:shade val="20000"/>
-                <a:satMod val="255000"/>
-              </a:schemeClr>
-            </a:gs>
-          </a:gsLst>
-          <a:path path="circle">
-            <a:fillToRect l="50000" t="-80000" r="50000" b="180000"/>
-          </a:path>
-        </a:gradFill>
-        <a:gradFill rotWithShape="1">
-          <a:gsLst>
-            <a:gs pos="0">
-              <a:schemeClr val="phClr">
-                <a:tint val="80000"/>
-                <a:satMod val="300000"/>
-              </a:schemeClr>
-            </a:gs>
-            <a:gs pos="100000">
-              <a:schemeClr val="phClr">
-                <a:shade val="30000"/>
-                <a:satMod val="200000"/>
+                <a:shade val="35000"/>
+                <a:satMod val="155000"/>
               </a:schemeClr>
             </a:gs>
           </a:gsLst>
@@ -3800,6 +5584,21 @@
             <a:fillToRect l="50000" t="50000" r="50000" b="50000"/>
           </a:path>
         </a:gradFill>
+        <a:blipFill>
+          <a:blip xmlns:r="http://schemas.openxmlformats.org/officeDocument/2006/relationships" r:embed="rId1">
+            <a:duotone>
+              <a:schemeClr val="phClr">
+                <a:shade val="60000"/>
+                <a:satMod val="180000"/>
+              </a:schemeClr>
+              <a:schemeClr val="phClr">
+                <a:tint val="500"/>
+                <a:satMod val="150000"/>
+              </a:schemeClr>
+            </a:duotone>
+          </a:blip>
+          <a:tile tx="0" ty="0" sx="50000" sy="50000" flip="none" algn="tl"/>
+        </a:blipFill>
       </a:bgFillStyleLst>
     </a:fmtScheme>
   </a:themeElements>
